--- a/document/file_thuyet_trinh.pptx
+++ b/document/file_thuyet_trinh.pptx
@@ -6,11 +6,20 @@
   </p:sldMasterIdLst>
   <p:sldIdLst>
     <p:sldId id="256" r:id="rId2"/>
-    <p:sldId id="257" r:id="rId3"/>
-    <p:sldId id="258" r:id="rId4"/>
-    <p:sldId id="259" r:id="rId5"/>
-    <p:sldId id="261" r:id="rId6"/>
-    <p:sldId id="260" r:id="rId7"/>
+    <p:sldId id="267" r:id="rId3"/>
+    <p:sldId id="268" r:id="rId4"/>
+    <p:sldId id="272" r:id="rId5"/>
+    <p:sldId id="257" r:id="rId6"/>
+    <p:sldId id="258" r:id="rId7"/>
+    <p:sldId id="259" r:id="rId8"/>
+    <p:sldId id="261" r:id="rId9"/>
+    <p:sldId id="260" r:id="rId10"/>
+    <p:sldId id="262" r:id="rId11"/>
+    <p:sldId id="263" r:id="rId12"/>
+    <p:sldId id="266" r:id="rId13"/>
+    <p:sldId id="264" r:id="rId14"/>
+    <p:sldId id="265" r:id="rId15"/>
+    <p:sldId id="271" r:id="rId16"/>
   </p:sldIdLst>
   <p:sldSz cx="12192000" cy="6858000"/>
   <p:notesSz cx="6858000" cy="9144000"/>
@@ -264,7 +273,7 @@
           <a:p>
             <a:fld id="{11610BAF-6019-4344-B79C-286E67FC4CA3}" type="datetimeFigureOut">
               <a:rPr lang="en-US" smtClean="0"/>
-              <a:t>12/23/2018</a:t>
+              <a:t>12/25/2018</a:t>
             </a:fld>
             <a:endParaRPr lang="en-US"/>
           </a:p>
@@ -462,7 +471,7 @@
           <a:p>
             <a:fld id="{11610BAF-6019-4344-B79C-286E67FC4CA3}" type="datetimeFigureOut">
               <a:rPr lang="en-US" smtClean="0"/>
-              <a:t>12/23/2018</a:t>
+              <a:t>12/25/2018</a:t>
             </a:fld>
             <a:endParaRPr lang="en-US"/>
           </a:p>
@@ -670,7 +679,7 @@
           <a:p>
             <a:fld id="{11610BAF-6019-4344-B79C-286E67FC4CA3}" type="datetimeFigureOut">
               <a:rPr lang="en-US" smtClean="0"/>
-              <a:t>12/23/2018</a:t>
+              <a:t>12/25/2018</a:t>
             </a:fld>
             <a:endParaRPr lang="en-US"/>
           </a:p>
@@ -868,7 +877,7 @@
           <a:p>
             <a:fld id="{11610BAF-6019-4344-B79C-286E67FC4CA3}" type="datetimeFigureOut">
               <a:rPr lang="en-US" smtClean="0"/>
-              <a:t>12/23/2018</a:t>
+              <a:t>12/25/2018</a:t>
             </a:fld>
             <a:endParaRPr lang="en-US"/>
           </a:p>
@@ -1143,7 +1152,7 @@
           <a:p>
             <a:fld id="{11610BAF-6019-4344-B79C-286E67FC4CA3}" type="datetimeFigureOut">
               <a:rPr lang="en-US" smtClean="0"/>
-              <a:t>12/23/2018</a:t>
+              <a:t>12/25/2018</a:t>
             </a:fld>
             <a:endParaRPr lang="en-US"/>
           </a:p>
@@ -1408,7 +1417,7 @@
           <a:p>
             <a:fld id="{11610BAF-6019-4344-B79C-286E67FC4CA3}" type="datetimeFigureOut">
               <a:rPr lang="en-US" smtClean="0"/>
-              <a:t>12/23/2018</a:t>
+              <a:t>12/25/2018</a:t>
             </a:fld>
             <a:endParaRPr lang="en-US"/>
           </a:p>
@@ -1820,7 +1829,7 @@
           <a:p>
             <a:fld id="{11610BAF-6019-4344-B79C-286E67FC4CA3}" type="datetimeFigureOut">
               <a:rPr lang="en-US" smtClean="0"/>
-              <a:t>12/23/2018</a:t>
+              <a:t>12/25/2018</a:t>
             </a:fld>
             <a:endParaRPr lang="en-US"/>
           </a:p>
@@ -1961,7 +1970,7 @@
           <a:p>
             <a:fld id="{11610BAF-6019-4344-B79C-286E67FC4CA3}" type="datetimeFigureOut">
               <a:rPr lang="en-US" smtClean="0"/>
-              <a:t>12/23/2018</a:t>
+              <a:t>12/25/2018</a:t>
             </a:fld>
             <a:endParaRPr lang="en-US"/>
           </a:p>
@@ -2074,7 +2083,7 @@
           <a:p>
             <a:fld id="{11610BAF-6019-4344-B79C-286E67FC4CA3}" type="datetimeFigureOut">
               <a:rPr lang="en-US" smtClean="0"/>
-              <a:t>12/23/2018</a:t>
+              <a:t>12/25/2018</a:t>
             </a:fld>
             <a:endParaRPr lang="en-US"/>
           </a:p>
@@ -2385,7 +2394,7 @@
           <a:p>
             <a:fld id="{11610BAF-6019-4344-B79C-286E67FC4CA3}" type="datetimeFigureOut">
               <a:rPr lang="en-US" smtClean="0"/>
-              <a:t>12/23/2018</a:t>
+              <a:t>12/25/2018</a:t>
             </a:fld>
             <a:endParaRPr lang="en-US"/>
           </a:p>
@@ -2673,7 +2682,7 @@
           <a:p>
             <a:fld id="{11610BAF-6019-4344-B79C-286E67FC4CA3}" type="datetimeFigureOut">
               <a:rPr lang="en-US" smtClean="0"/>
-              <a:t>12/23/2018</a:t>
+              <a:t>12/25/2018</a:t>
             </a:fld>
             <a:endParaRPr lang="en-US"/>
           </a:p>
@@ -2914,7 +2923,7 @@
           <a:p>
             <a:fld id="{11610BAF-6019-4344-B79C-286E67FC4CA3}" type="datetimeFigureOut">
               <a:rPr lang="en-US" smtClean="0"/>
-              <a:t>12/23/2018</a:t>
+              <a:t>12/25/2018</a:t>
             </a:fld>
             <a:endParaRPr lang="en-US"/>
           </a:p>
@@ -3979,10 +3988,2936 @@
   <p:clrMapOvr>
     <a:masterClrMapping/>
   </p:clrMapOvr>
+  <p:timing>
+    <p:tnLst>
+      <p:par>
+        <p:cTn id="1" dur="indefinite" restart="never" nodeType="tmRoot"/>
+      </p:par>
+    </p:tnLst>
+  </p:timing>
+</p:sld>
+</file>
+
+<file path=ppt/slides/slide10.xml><?xml version="1.0" encoding="utf-8"?>
+<p:sld xmlns:a="http://schemas.openxmlformats.org/drawingml/2006/main" xmlns:r="http://schemas.openxmlformats.org/officeDocument/2006/relationships" xmlns:p="http://schemas.openxmlformats.org/presentationml/2006/main">
+  <p:cSld>
+    <p:spTree>
+      <p:nvGrpSpPr>
+        <p:cNvPr id="1" name=""/>
+        <p:cNvGrpSpPr/>
+        <p:nvPr/>
+      </p:nvGrpSpPr>
+      <p:grpSpPr>
+        <a:xfrm>
+          <a:off x="0" y="0"/>
+          <a:ext cx="0" cy="0"/>
+          <a:chOff x="0" y="0"/>
+          <a:chExt cx="0" cy="0"/>
+        </a:xfrm>
+      </p:grpSpPr>
+      <p:pic>
+        <p:nvPicPr>
+          <p:cNvPr id="12" name="Picture 5" descr="Káº¿t quáº£ hÃ¬nh áº£nh cho slide uit">
+            <a:extLst>
+              <a:ext uri="{FF2B5EF4-FFF2-40B4-BE49-F238E27FC236}">
+                <a16:creationId xmlns:a16="http://schemas.microsoft.com/office/drawing/2014/main" id="{01F4FE56-4F1F-49AD-80B3-F21819F8AB9B}"/>
+              </a:ext>
+            </a:extLst>
+          </p:cNvPr>
+          <p:cNvPicPr>
+            <a:picLocks noChangeAspect="1" noChangeArrowheads="1"/>
+          </p:cNvPicPr>
+          <p:nvPr/>
+        </p:nvPicPr>
+        <p:blipFill>
+          <a:blip r:embed="rId2">
+            <a:extLst>
+              <a:ext uri="{28A0092B-C50C-407E-A947-70E740481C1C}">
+                <a14:useLocalDpi xmlns:a14="http://schemas.microsoft.com/office/drawing/2010/main" val="0"/>
+              </a:ext>
+            </a:extLst>
+          </a:blip>
+          <a:srcRect/>
+          <a:stretch>
+            <a:fillRect/>
+          </a:stretch>
+        </p:blipFill>
+        <p:spPr bwMode="auto">
+          <a:xfrm>
+            <a:off x="-39547" y="-15949"/>
+            <a:ext cx="12192000" cy="6873949"/>
+          </a:xfrm>
+          <a:prstGeom prst="rect">
+            <a:avLst/>
+          </a:prstGeom>
+          <a:noFill/>
+          <a:extLst>
+            <a:ext uri="{909E8E84-426E-40DD-AFC4-6F175D3DCCD1}">
+              <a14:hiddenFill xmlns:a14="http://schemas.microsoft.com/office/drawing/2010/main">
+                <a:solidFill>
+                  <a:srgbClr val="FFFFFF"/>
+                </a:solidFill>
+              </a14:hiddenFill>
+            </a:ext>
+          </a:extLst>
+        </p:spPr>
+      </p:pic>
+      <p:sp>
+        <p:nvSpPr>
+          <p:cNvPr id="13" name="Rectangle 12">
+            <a:extLst>
+              <a:ext uri="{FF2B5EF4-FFF2-40B4-BE49-F238E27FC236}">
+                <a16:creationId xmlns:a16="http://schemas.microsoft.com/office/drawing/2014/main" id="{85E04CAD-E184-4A45-AD97-F719DBBAC199}"/>
+              </a:ext>
+            </a:extLst>
+          </p:cNvPr>
+          <p:cNvSpPr/>
+          <p:nvPr/>
+        </p:nvSpPr>
+        <p:spPr>
+          <a:xfrm>
+            <a:off x="4417660" y="48636"/>
+            <a:ext cx="3356688" cy="923330"/>
+          </a:xfrm>
+          <a:prstGeom prst="rect">
+            <a:avLst/>
+          </a:prstGeom>
+          <a:noFill/>
+        </p:spPr>
+        <p:txBody>
+          <a:bodyPr wrap="none" lIns="91440" tIns="45720" rIns="91440" bIns="45720">
+            <a:spAutoFit/>
+          </a:bodyPr>
+          <a:lstStyle/>
+          <a:p>
+            <a:pPr algn="ctr"/>
+            <a:r>
+              <a:rPr lang="en-US" sz="5400" b="0" cap="none" spc="0" dirty="0" err="1" smtClean="0">
+                <a:ln w="0"/>
+                <a:solidFill>
+                  <a:schemeClr val="accent1"/>
+                </a:solidFill>
+                <a:effectLst>
+                  <a:outerShdw blurRad="38100" dist="25400" dir="5400000" algn="ctr" rotWithShape="0">
+                    <a:srgbClr val="6E747A">
+                      <a:alpha val="43000"/>
+                    </a:srgbClr>
+                  </a:outerShdw>
+                </a:effectLst>
+              </a:rPr>
+              <a:t>Phía</a:t>
+            </a:r>
+            <a:r>
+              <a:rPr lang="en-US" sz="5400" b="0" cap="none" spc="0" dirty="0" smtClean="0">
+                <a:ln w="0"/>
+                <a:solidFill>
+                  <a:schemeClr val="accent1"/>
+                </a:solidFill>
+                <a:effectLst>
+                  <a:outerShdw blurRad="38100" dist="25400" dir="5400000" algn="ctr" rotWithShape="0">
+                    <a:srgbClr val="6E747A">
+                      <a:alpha val="43000"/>
+                    </a:srgbClr>
+                  </a:outerShdw>
+                </a:effectLst>
+              </a:rPr>
+              <a:t> Server</a:t>
+            </a:r>
+            <a:endParaRPr lang="en-US" sz="5400" b="0" cap="none" spc="0" dirty="0">
+              <a:ln w="0"/>
+              <a:solidFill>
+                <a:schemeClr val="accent1"/>
+              </a:solidFill>
+              <a:effectLst>
+                <a:outerShdw blurRad="38100" dist="25400" dir="5400000" algn="ctr" rotWithShape="0">
+                  <a:srgbClr val="6E747A">
+                    <a:alpha val="43000"/>
+                  </a:srgbClr>
+                </a:outerShdw>
+              </a:effectLst>
+            </a:endParaRPr>
+          </a:p>
+        </p:txBody>
+      </p:sp>
+      <p:sp>
+        <p:nvSpPr>
+          <p:cNvPr id="2" name="TextBox 1"/>
+          <p:cNvSpPr txBox="1"/>
+          <p:nvPr/>
+        </p:nvSpPr>
+        <p:spPr>
+          <a:xfrm>
+            <a:off x="1562470" y="1509204"/>
+            <a:ext cx="9179511" cy="1200329"/>
+          </a:xfrm>
+          <a:prstGeom prst="rect">
+            <a:avLst/>
+          </a:prstGeom>
+          <a:noFill/>
+        </p:spPr>
+        <p:txBody>
+          <a:bodyPr wrap="square" rtlCol="0">
+            <a:spAutoFit/>
+          </a:bodyPr>
+          <a:lstStyle/>
+          <a:p>
+            <a:pPr marL="285750" indent="-285750">
+              <a:buFont typeface="Arial" panose="020B0604020202020204" pitchFamily="34" charset="0"/>
+              <a:buChar char="•"/>
+            </a:pPr>
+            <a:r>
+              <a:rPr lang="en-US" dirty="0" err="1" smtClean="0"/>
+              <a:t>Yêu</a:t>
+            </a:r>
+            <a:r>
+              <a:rPr lang="en-US" dirty="0" smtClean="0"/>
+              <a:t> </a:t>
+            </a:r>
+            <a:r>
+              <a:rPr lang="en-US" dirty="0" err="1" smtClean="0"/>
+              <a:t>cầu</a:t>
+            </a:r>
+            <a:r>
+              <a:rPr lang="en-US" dirty="0" smtClean="0"/>
+              <a:t> </a:t>
+            </a:r>
+            <a:r>
+              <a:rPr lang="en-US" dirty="0" err="1" smtClean="0"/>
+              <a:t>cài</a:t>
+            </a:r>
+            <a:r>
+              <a:rPr lang="en-US" dirty="0" smtClean="0"/>
+              <a:t> </a:t>
+            </a:r>
+            <a:r>
+              <a:rPr lang="en-US" dirty="0" err="1" smtClean="0"/>
+              <a:t>đặt</a:t>
+            </a:r>
+            <a:r>
+              <a:rPr lang="en-US" dirty="0" smtClean="0"/>
+              <a:t> </a:t>
+            </a:r>
+            <a:r>
+              <a:rPr lang="en-US" dirty="0" err="1" smtClean="0"/>
+              <a:t>nodejs</a:t>
+            </a:r>
+            <a:r>
+              <a:rPr lang="en-US" dirty="0" smtClean="0"/>
+              <a:t> </a:t>
+            </a:r>
+            <a:r>
+              <a:rPr lang="en-US" dirty="0" err="1" smtClean="0"/>
+              <a:t>và</a:t>
+            </a:r>
+            <a:r>
+              <a:rPr lang="en-US" dirty="0" smtClean="0"/>
+              <a:t> </a:t>
+            </a:r>
+            <a:r>
+              <a:rPr lang="en-US" dirty="0" err="1" smtClean="0"/>
+              <a:t>môi</a:t>
+            </a:r>
+            <a:r>
+              <a:rPr lang="en-US" dirty="0" smtClean="0"/>
+              <a:t> </a:t>
+            </a:r>
+            <a:r>
+              <a:rPr lang="en-US" dirty="0" err="1" smtClean="0"/>
+              <a:t>trường</a:t>
+            </a:r>
+            <a:r>
+              <a:rPr lang="en-US" dirty="0" smtClean="0"/>
+              <a:t> </a:t>
+            </a:r>
+            <a:r>
+              <a:rPr lang="en-US" dirty="0" err="1" smtClean="0"/>
+              <a:t>để</a:t>
+            </a:r>
+            <a:r>
+              <a:rPr lang="en-US" dirty="0" smtClean="0"/>
+              <a:t> </a:t>
+            </a:r>
+            <a:r>
+              <a:rPr lang="en-US" dirty="0" err="1" smtClean="0"/>
+              <a:t>chạy</a:t>
+            </a:r>
+            <a:r>
+              <a:rPr lang="en-US" dirty="0" smtClean="0"/>
+              <a:t> (domain +  hosting)</a:t>
+            </a:r>
+          </a:p>
+          <a:p>
+            <a:pPr marL="285750" indent="-285750">
+              <a:buFont typeface="Arial" panose="020B0604020202020204" pitchFamily="34" charset="0"/>
+              <a:buChar char="•"/>
+            </a:pPr>
+            <a:r>
+              <a:rPr lang="en-US" dirty="0" err="1" smtClean="0"/>
+              <a:t>Sử</a:t>
+            </a:r>
+            <a:r>
+              <a:rPr lang="en-US" dirty="0" smtClean="0"/>
+              <a:t> </a:t>
+            </a:r>
+            <a:r>
+              <a:rPr lang="en-US" dirty="0" err="1" smtClean="0"/>
+              <a:t>dụng</a:t>
+            </a:r>
+            <a:r>
+              <a:rPr lang="en-US" dirty="0" smtClean="0"/>
+              <a:t> package crawler </a:t>
+            </a:r>
+            <a:r>
+              <a:rPr lang="en-US" dirty="0" err="1" smtClean="0"/>
+              <a:t>của</a:t>
+            </a:r>
+            <a:r>
+              <a:rPr lang="en-US" dirty="0" smtClean="0"/>
+              <a:t> </a:t>
+            </a:r>
+            <a:r>
+              <a:rPr lang="en-US" dirty="0" err="1" smtClean="0"/>
+              <a:t>nodejs</a:t>
+            </a:r>
+            <a:r>
+              <a:rPr lang="en-US" dirty="0" smtClean="0"/>
+              <a:t> </a:t>
+            </a:r>
+            <a:r>
+              <a:rPr lang="en-US" dirty="0" err="1" smtClean="0"/>
+              <a:t>để</a:t>
+            </a:r>
+            <a:r>
+              <a:rPr lang="en-US" dirty="0" smtClean="0"/>
+              <a:t> craw </a:t>
+            </a:r>
+            <a:r>
+              <a:rPr lang="en-US" dirty="0" err="1" smtClean="0"/>
+              <a:t>dữ</a:t>
+            </a:r>
+            <a:r>
+              <a:rPr lang="en-US" dirty="0" smtClean="0"/>
+              <a:t> </a:t>
+            </a:r>
+            <a:r>
+              <a:rPr lang="en-US" dirty="0" err="1" smtClean="0"/>
+              <a:t>liệu</a:t>
+            </a:r>
+            <a:endParaRPr lang="en-US" dirty="0" smtClean="0"/>
+          </a:p>
+          <a:p>
+            <a:pPr marL="285750" indent="-285750">
+              <a:buFont typeface="Arial" panose="020B0604020202020204" pitchFamily="34" charset="0"/>
+              <a:buChar char="•"/>
+            </a:pPr>
+            <a:r>
+              <a:rPr lang="en-US" dirty="0" err="1" smtClean="0"/>
+              <a:t>Gọi</a:t>
+            </a:r>
+            <a:r>
+              <a:rPr lang="en-US" dirty="0" smtClean="0"/>
+              <a:t> API </a:t>
+            </a:r>
+            <a:r>
+              <a:rPr lang="en-US" dirty="0" err="1" smtClean="0"/>
+              <a:t>lên</a:t>
+            </a:r>
+            <a:r>
+              <a:rPr lang="en-US" dirty="0" smtClean="0"/>
+              <a:t> server </a:t>
+            </a:r>
+            <a:r>
+              <a:rPr lang="en-US" dirty="0" err="1" smtClean="0"/>
+              <a:t>để</a:t>
+            </a:r>
+            <a:r>
+              <a:rPr lang="en-US" dirty="0" smtClean="0"/>
+              <a:t> </a:t>
+            </a:r>
+            <a:r>
+              <a:rPr lang="en-US" dirty="0" err="1" smtClean="0"/>
+              <a:t>lấy</a:t>
+            </a:r>
+            <a:r>
+              <a:rPr lang="en-US" dirty="0" smtClean="0"/>
+              <a:t> </a:t>
+            </a:r>
+            <a:r>
+              <a:rPr lang="en-US" dirty="0" err="1" smtClean="0"/>
+              <a:t>dữ</a:t>
+            </a:r>
+            <a:r>
+              <a:rPr lang="en-US" dirty="0" smtClean="0"/>
+              <a:t> </a:t>
+            </a:r>
+            <a:r>
+              <a:rPr lang="en-US" dirty="0" err="1" smtClean="0"/>
+              <a:t>liệu</a:t>
+            </a:r>
+            <a:endParaRPr lang="en-US" dirty="0" smtClean="0"/>
+          </a:p>
+          <a:p>
+            <a:endParaRPr lang="en-US" dirty="0"/>
+          </a:p>
+        </p:txBody>
+      </p:sp>
+    </p:spTree>
+    <p:extLst>
+      <p:ext uri="{BB962C8B-B14F-4D97-AF65-F5344CB8AC3E}">
+        <p14:creationId xmlns:p14="http://schemas.microsoft.com/office/powerpoint/2010/main" val="1100806663"/>
+      </p:ext>
+    </p:extLst>
+  </p:cSld>
+  <p:clrMapOvr>
+    <a:masterClrMapping/>
+  </p:clrMapOvr>
+  <p:timing>
+    <p:tnLst>
+      <p:par>
+        <p:cTn id="1" dur="indefinite" restart="never" nodeType="tmRoot"/>
+      </p:par>
+    </p:tnLst>
+  </p:timing>
+</p:sld>
+</file>
+
+<file path=ppt/slides/slide11.xml><?xml version="1.0" encoding="utf-8"?>
+<p:sld xmlns:a="http://schemas.openxmlformats.org/drawingml/2006/main" xmlns:r="http://schemas.openxmlformats.org/officeDocument/2006/relationships" xmlns:p="http://schemas.openxmlformats.org/presentationml/2006/main">
+  <p:cSld>
+    <p:spTree>
+      <p:nvGrpSpPr>
+        <p:cNvPr id="1" name=""/>
+        <p:cNvGrpSpPr/>
+        <p:nvPr/>
+      </p:nvGrpSpPr>
+      <p:grpSpPr>
+        <a:xfrm>
+          <a:off x="0" y="0"/>
+          <a:ext cx="0" cy="0"/>
+          <a:chOff x="0" y="0"/>
+          <a:chExt cx="0" cy="0"/>
+        </a:xfrm>
+      </p:grpSpPr>
+      <p:pic>
+        <p:nvPicPr>
+          <p:cNvPr id="12" name="Picture 5" descr="Káº¿t quáº£ hÃ¬nh áº£nh cho slide uit">
+            <a:extLst>
+              <a:ext uri="{FF2B5EF4-FFF2-40B4-BE49-F238E27FC236}">
+                <a16:creationId xmlns:a16="http://schemas.microsoft.com/office/drawing/2014/main" id="{01F4FE56-4F1F-49AD-80B3-F21819F8AB9B}"/>
+              </a:ext>
+            </a:extLst>
+          </p:cNvPr>
+          <p:cNvPicPr>
+            <a:picLocks noChangeAspect="1" noChangeArrowheads="1"/>
+          </p:cNvPicPr>
+          <p:nvPr/>
+        </p:nvPicPr>
+        <p:blipFill>
+          <a:blip r:embed="rId2">
+            <a:extLst>
+              <a:ext uri="{28A0092B-C50C-407E-A947-70E740481C1C}">
+                <a14:useLocalDpi xmlns:a14="http://schemas.microsoft.com/office/drawing/2010/main" val="0"/>
+              </a:ext>
+            </a:extLst>
+          </a:blip>
+          <a:srcRect/>
+          <a:stretch>
+            <a:fillRect/>
+          </a:stretch>
+        </p:blipFill>
+        <p:spPr bwMode="auto">
+          <a:xfrm>
+            <a:off x="-39547" y="-15949"/>
+            <a:ext cx="12192000" cy="6873949"/>
+          </a:xfrm>
+          <a:prstGeom prst="rect">
+            <a:avLst/>
+          </a:prstGeom>
+          <a:noFill/>
+          <a:extLst>
+            <a:ext uri="{909E8E84-426E-40DD-AFC4-6F175D3DCCD1}">
+              <a14:hiddenFill xmlns:a14="http://schemas.microsoft.com/office/drawing/2010/main">
+                <a:solidFill>
+                  <a:srgbClr val="FFFFFF"/>
+                </a:solidFill>
+              </a14:hiddenFill>
+            </a:ext>
+          </a:extLst>
+        </p:spPr>
+      </p:pic>
+      <p:sp>
+        <p:nvSpPr>
+          <p:cNvPr id="13" name="Rectangle 12">
+            <a:extLst>
+              <a:ext uri="{FF2B5EF4-FFF2-40B4-BE49-F238E27FC236}">
+                <a16:creationId xmlns:a16="http://schemas.microsoft.com/office/drawing/2014/main" id="{85E04CAD-E184-4A45-AD97-F719DBBAC199}"/>
+              </a:ext>
+            </a:extLst>
+          </p:cNvPr>
+          <p:cNvSpPr/>
+          <p:nvPr/>
+        </p:nvSpPr>
+        <p:spPr>
+          <a:xfrm>
+            <a:off x="4417660" y="48636"/>
+            <a:ext cx="3356688" cy="923330"/>
+          </a:xfrm>
+          <a:prstGeom prst="rect">
+            <a:avLst/>
+          </a:prstGeom>
+          <a:noFill/>
+        </p:spPr>
+        <p:txBody>
+          <a:bodyPr wrap="none" lIns="91440" tIns="45720" rIns="91440" bIns="45720">
+            <a:spAutoFit/>
+          </a:bodyPr>
+          <a:lstStyle/>
+          <a:p>
+            <a:pPr algn="ctr"/>
+            <a:r>
+              <a:rPr lang="en-US" sz="5400" b="0" cap="none" spc="0" dirty="0" err="1" smtClean="0">
+                <a:ln w="0"/>
+                <a:solidFill>
+                  <a:schemeClr val="accent1"/>
+                </a:solidFill>
+                <a:effectLst>
+                  <a:outerShdw blurRad="38100" dist="25400" dir="5400000" algn="ctr" rotWithShape="0">
+                    <a:srgbClr val="6E747A">
+                      <a:alpha val="43000"/>
+                    </a:srgbClr>
+                  </a:outerShdw>
+                </a:effectLst>
+              </a:rPr>
+              <a:t>Phía</a:t>
+            </a:r>
+            <a:r>
+              <a:rPr lang="en-US" sz="5400" b="0" cap="none" spc="0" dirty="0" smtClean="0">
+                <a:ln w="0"/>
+                <a:solidFill>
+                  <a:schemeClr val="accent1"/>
+                </a:solidFill>
+                <a:effectLst>
+                  <a:outerShdw blurRad="38100" dist="25400" dir="5400000" algn="ctr" rotWithShape="0">
+                    <a:srgbClr val="6E747A">
+                      <a:alpha val="43000"/>
+                    </a:srgbClr>
+                  </a:outerShdw>
+                </a:effectLst>
+              </a:rPr>
+              <a:t> Server</a:t>
+            </a:r>
+            <a:endParaRPr lang="en-US" sz="5400" b="0" cap="none" spc="0" dirty="0">
+              <a:ln w="0"/>
+              <a:solidFill>
+                <a:schemeClr val="accent1"/>
+              </a:solidFill>
+              <a:effectLst>
+                <a:outerShdw blurRad="38100" dist="25400" dir="5400000" algn="ctr" rotWithShape="0">
+                  <a:srgbClr val="6E747A">
+                    <a:alpha val="43000"/>
+                  </a:srgbClr>
+                </a:outerShdw>
+              </a:effectLst>
+            </a:endParaRPr>
+          </a:p>
+        </p:txBody>
+      </p:sp>
+      <p:sp>
+        <p:nvSpPr>
+          <p:cNvPr id="2" name="TextBox 1"/>
+          <p:cNvSpPr txBox="1"/>
+          <p:nvPr/>
+        </p:nvSpPr>
+        <p:spPr>
+          <a:xfrm>
+            <a:off x="1562470" y="1509204"/>
+            <a:ext cx="9179511" cy="369332"/>
+          </a:xfrm>
+          <a:prstGeom prst="rect">
+            <a:avLst/>
+          </a:prstGeom>
+          <a:noFill/>
+        </p:spPr>
+        <p:txBody>
+          <a:bodyPr wrap="square" rtlCol="0">
+            <a:spAutoFit/>
+          </a:bodyPr>
+          <a:lstStyle/>
+          <a:p>
+            <a:pPr marL="285750" indent="-285750">
+              <a:buFont typeface="Arial" panose="020B0604020202020204" pitchFamily="34" charset="0"/>
+              <a:buChar char="•"/>
+            </a:pPr>
+            <a:r>
+              <a:rPr lang="en-US" dirty="0" err="1" smtClean="0"/>
+              <a:t>Lấy</a:t>
+            </a:r>
+            <a:r>
+              <a:rPr lang="en-US" dirty="0" smtClean="0"/>
+              <a:t> </a:t>
+            </a:r>
+            <a:r>
+              <a:rPr lang="en-US" dirty="0" err="1" smtClean="0"/>
+              <a:t>danh</a:t>
+            </a:r>
+            <a:r>
+              <a:rPr lang="en-US" dirty="0" smtClean="0"/>
+              <a:t> </a:t>
+            </a:r>
+            <a:r>
+              <a:rPr lang="en-US" dirty="0" err="1" smtClean="0"/>
+              <a:t>sách</a:t>
+            </a:r>
+            <a:r>
+              <a:rPr lang="en-US" dirty="0" smtClean="0"/>
+              <a:t> menu: </a:t>
+            </a:r>
+            <a:r>
+              <a:rPr lang="en-US" dirty="0"/>
+              <a:t>http://</a:t>
+            </a:r>
+            <a:r>
+              <a:rPr lang="en-US" dirty="0" err="1" smtClean="0"/>
+              <a:t>tructt.laptrinhaz.com:65014</a:t>
+            </a:r>
+            <a:r>
+              <a:rPr lang="en-US" dirty="0" smtClean="0"/>
+              <a:t>/menu</a:t>
+            </a:r>
+            <a:endParaRPr lang="en-US" dirty="0"/>
+          </a:p>
+        </p:txBody>
+      </p:sp>
+      <p:pic>
+        <p:nvPicPr>
+          <p:cNvPr id="4" name="Picture 3"/>
+          <p:cNvPicPr>
+            <a:picLocks noChangeAspect="1"/>
+          </p:cNvPicPr>
+          <p:nvPr/>
+        </p:nvPicPr>
+        <p:blipFill>
+          <a:blip r:embed="rId3"/>
+          <a:stretch>
+            <a:fillRect/>
+          </a:stretch>
+        </p:blipFill>
+        <p:spPr>
+          <a:xfrm>
+            <a:off x="1997476" y="2077380"/>
+            <a:ext cx="7341835" cy="4412412"/>
+          </a:xfrm>
+          <a:prstGeom prst="rect">
+            <a:avLst/>
+          </a:prstGeom>
+        </p:spPr>
+      </p:pic>
+    </p:spTree>
+    <p:extLst>
+      <p:ext uri="{BB962C8B-B14F-4D97-AF65-F5344CB8AC3E}">
+        <p14:creationId xmlns:p14="http://schemas.microsoft.com/office/powerpoint/2010/main" val="3022158989"/>
+      </p:ext>
+    </p:extLst>
+  </p:cSld>
+  <p:clrMapOvr>
+    <a:masterClrMapping/>
+  </p:clrMapOvr>
+  <p:timing>
+    <p:tnLst>
+      <p:par>
+        <p:cTn id="1" dur="indefinite" restart="never" nodeType="tmRoot"/>
+      </p:par>
+    </p:tnLst>
+  </p:timing>
+</p:sld>
+</file>
+
+<file path=ppt/slides/slide12.xml><?xml version="1.0" encoding="utf-8"?>
+<p:sld xmlns:a="http://schemas.openxmlformats.org/drawingml/2006/main" xmlns:r="http://schemas.openxmlformats.org/officeDocument/2006/relationships" xmlns:p="http://schemas.openxmlformats.org/presentationml/2006/main">
+  <p:cSld>
+    <p:spTree>
+      <p:nvGrpSpPr>
+        <p:cNvPr id="1" name=""/>
+        <p:cNvGrpSpPr/>
+        <p:nvPr/>
+      </p:nvGrpSpPr>
+      <p:grpSpPr>
+        <a:xfrm>
+          <a:off x="0" y="0"/>
+          <a:ext cx="0" cy="0"/>
+          <a:chOff x="0" y="0"/>
+          <a:chExt cx="0" cy="0"/>
+        </a:xfrm>
+      </p:grpSpPr>
+      <p:pic>
+        <p:nvPicPr>
+          <p:cNvPr id="12" name="Picture 5" descr="Káº¿t quáº£ hÃ¬nh áº£nh cho slide uit">
+            <a:extLst>
+              <a:ext uri="{FF2B5EF4-FFF2-40B4-BE49-F238E27FC236}">
+                <a16:creationId xmlns:a16="http://schemas.microsoft.com/office/drawing/2014/main" id="{01F4FE56-4F1F-49AD-80B3-F21819F8AB9B}"/>
+              </a:ext>
+            </a:extLst>
+          </p:cNvPr>
+          <p:cNvPicPr>
+            <a:picLocks noChangeAspect="1" noChangeArrowheads="1"/>
+          </p:cNvPicPr>
+          <p:nvPr/>
+        </p:nvPicPr>
+        <p:blipFill>
+          <a:blip r:embed="rId2">
+            <a:extLst>
+              <a:ext uri="{28A0092B-C50C-407E-A947-70E740481C1C}">
+                <a14:useLocalDpi xmlns:a14="http://schemas.microsoft.com/office/drawing/2010/main" val="0"/>
+              </a:ext>
+            </a:extLst>
+          </a:blip>
+          <a:srcRect/>
+          <a:stretch>
+            <a:fillRect/>
+          </a:stretch>
+        </p:blipFill>
+        <p:spPr bwMode="auto">
+          <a:xfrm>
+            <a:off x="-39547" y="-15949"/>
+            <a:ext cx="12192000" cy="6873949"/>
+          </a:xfrm>
+          <a:prstGeom prst="rect">
+            <a:avLst/>
+          </a:prstGeom>
+          <a:noFill/>
+          <a:extLst>
+            <a:ext uri="{909E8E84-426E-40DD-AFC4-6F175D3DCCD1}">
+              <a14:hiddenFill xmlns:a14="http://schemas.microsoft.com/office/drawing/2010/main">
+                <a:solidFill>
+                  <a:srgbClr val="FFFFFF"/>
+                </a:solidFill>
+              </a14:hiddenFill>
+            </a:ext>
+          </a:extLst>
+        </p:spPr>
+      </p:pic>
+      <p:sp>
+        <p:nvSpPr>
+          <p:cNvPr id="13" name="Rectangle 12">
+            <a:extLst>
+              <a:ext uri="{FF2B5EF4-FFF2-40B4-BE49-F238E27FC236}">
+                <a16:creationId xmlns:a16="http://schemas.microsoft.com/office/drawing/2014/main" id="{85E04CAD-E184-4A45-AD97-F719DBBAC199}"/>
+              </a:ext>
+            </a:extLst>
+          </p:cNvPr>
+          <p:cNvSpPr/>
+          <p:nvPr/>
+        </p:nvSpPr>
+        <p:spPr>
+          <a:xfrm>
+            <a:off x="4417660" y="48636"/>
+            <a:ext cx="3356688" cy="923330"/>
+          </a:xfrm>
+          <a:prstGeom prst="rect">
+            <a:avLst/>
+          </a:prstGeom>
+          <a:noFill/>
+        </p:spPr>
+        <p:txBody>
+          <a:bodyPr wrap="none" lIns="91440" tIns="45720" rIns="91440" bIns="45720">
+            <a:spAutoFit/>
+          </a:bodyPr>
+          <a:lstStyle/>
+          <a:p>
+            <a:pPr algn="ctr"/>
+            <a:r>
+              <a:rPr lang="en-US" sz="5400" b="0" cap="none" spc="0" dirty="0" err="1" smtClean="0">
+                <a:ln w="0"/>
+                <a:solidFill>
+                  <a:schemeClr val="accent1"/>
+                </a:solidFill>
+                <a:effectLst>
+                  <a:outerShdw blurRad="38100" dist="25400" dir="5400000" algn="ctr" rotWithShape="0">
+                    <a:srgbClr val="6E747A">
+                      <a:alpha val="43000"/>
+                    </a:srgbClr>
+                  </a:outerShdw>
+                </a:effectLst>
+              </a:rPr>
+              <a:t>Phía</a:t>
+            </a:r>
+            <a:r>
+              <a:rPr lang="en-US" sz="5400" b="0" cap="none" spc="0" dirty="0" smtClean="0">
+                <a:ln w="0"/>
+                <a:solidFill>
+                  <a:schemeClr val="accent1"/>
+                </a:solidFill>
+                <a:effectLst>
+                  <a:outerShdw blurRad="38100" dist="25400" dir="5400000" algn="ctr" rotWithShape="0">
+                    <a:srgbClr val="6E747A">
+                      <a:alpha val="43000"/>
+                    </a:srgbClr>
+                  </a:outerShdw>
+                </a:effectLst>
+              </a:rPr>
+              <a:t> Server</a:t>
+            </a:r>
+            <a:endParaRPr lang="en-US" sz="5400" b="0" cap="none" spc="0" dirty="0">
+              <a:ln w="0"/>
+              <a:solidFill>
+                <a:schemeClr val="accent1"/>
+              </a:solidFill>
+              <a:effectLst>
+                <a:outerShdw blurRad="38100" dist="25400" dir="5400000" algn="ctr" rotWithShape="0">
+                  <a:srgbClr val="6E747A">
+                    <a:alpha val="43000"/>
+                  </a:srgbClr>
+                </a:outerShdw>
+              </a:effectLst>
+            </a:endParaRPr>
+          </a:p>
+        </p:txBody>
+      </p:sp>
+      <p:sp>
+        <p:nvSpPr>
+          <p:cNvPr id="2" name="TextBox 1"/>
+          <p:cNvSpPr txBox="1"/>
+          <p:nvPr/>
+        </p:nvSpPr>
+        <p:spPr>
+          <a:xfrm>
+            <a:off x="1562470" y="1509204"/>
+            <a:ext cx="9179511" cy="369332"/>
+          </a:xfrm>
+          <a:prstGeom prst="rect">
+            <a:avLst/>
+          </a:prstGeom>
+          <a:noFill/>
+        </p:spPr>
+        <p:txBody>
+          <a:bodyPr wrap="square" rtlCol="0">
+            <a:spAutoFit/>
+          </a:bodyPr>
+          <a:lstStyle/>
+          <a:p>
+            <a:pPr marL="285750" indent="-285750">
+              <a:buFont typeface="Arial" panose="020B0604020202020204" pitchFamily="34" charset="0"/>
+              <a:buChar char="•"/>
+            </a:pPr>
+            <a:r>
+              <a:rPr lang="en-US" dirty="0" err="1" smtClean="0"/>
+              <a:t>Lấy</a:t>
+            </a:r>
+            <a:r>
+              <a:rPr lang="en-US" dirty="0" smtClean="0"/>
+              <a:t> </a:t>
+            </a:r>
+            <a:r>
+              <a:rPr lang="en-US" dirty="0" err="1" smtClean="0"/>
+              <a:t>nội</a:t>
+            </a:r>
+            <a:r>
+              <a:rPr lang="en-US" dirty="0" smtClean="0"/>
+              <a:t> dung ở </a:t>
+            </a:r>
+            <a:r>
+              <a:rPr lang="en-US" dirty="0" err="1" smtClean="0"/>
+              <a:t>giao</a:t>
+            </a:r>
+            <a:r>
+              <a:rPr lang="en-US" dirty="0" smtClean="0"/>
+              <a:t> </a:t>
+            </a:r>
+            <a:r>
+              <a:rPr lang="en-US" dirty="0" err="1" smtClean="0"/>
+              <a:t>diện</a:t>
+            </a:r>
+            <a:r>
+              <a:rPr lang="en-US" dirty="0" smtClean="0"/>
+              <a:t> </a:t>
+            </a:r>
+            <a:r>
+              <a:rPr lang="en-US" dirty="0" err="1" smtClean="0"/>
+              <a:t>chính</a:t>
+            </a:r>
+            <a:r>
+              <a:rPr lang="en-US" dirty="0" smtClean="0"/>
+              <a:t>: </a:t>
+            </a:r>
+            <a:r>
+              <a:rPr lang="en-US" dirty="0"/>
+              <a:t>http://</a:t>
+            </a:r>
+            <a:r>
+              <a:rPr lang="en-US" dirty="0" err="1"/>
+              <a:t>tructt.laptrinhaz.com:65014</a:t>
+            </a:r>
+            <a:r>
+              <a:rPr lang="en-US" dirty="0"/>
+              <a:t>/home</a:t>
+            </a:r>
+          </a:p>
+        </p:txBody>
+      </p:sp>
+      <p:pic>
+        <p:nvPicPr>
+          <p:cNvPr id="3" name="Picture 2"/>
+          <p:cNvPicPr>
+            <a:picLocks noChangeAspect="1"/>
+          </p:cNvPicPr>
+          <p:nvPr/>
+        </p:nvPicPr>
+        <p:blipFill>
+          <a:blip r:embed="rId3"/>
+          <a:stretch>
+            <a:fillRect/>
+          </a:stretch>
+        </p:blipFill>
+        <p:spPr>
+          <a:xfrm>
+            <a:off x="2388092" y="2217851"/>
+            <a:ext cx="7022238" cy="4300833"/>
+          </a:xfrm>
+          <a:prstGeom prst="rect">
+            <a:avLst/>
+          </a:prstGeom>
+        </p:spPr>
+      </p:pic>
+    </p:spTree>
+    <p:extLst>
+      <p:ext uri="{BB962C8B-B14F-4D97-AF65-F5344CB8AC3E}">
+        <p14:creationId xmlns:p14="http://schemas.microsoft.com/office/powerpoint/2010/main" val="2665774264"/>
+      </p:ext>
+    </p:extLst>
+  </p:cSld>
+  <p:clrMapOvr>
+    <a:masterClrMapping/>
+  </p:clrMapOvr>
+  <p:timing>
+    <p:tnLst>
+      <p:par>
+        <p:cTn id="1" dur="indefinite" restart="never" nodeType="tmRoot"/>
+      </p:par>
+    </p:tnLst>
+  </p:timing>
+</p:sld>
+</file>
+
+<file path=ppt/slides/slide13.xml><?xml version="1.0" encoding="utf-8"?>
+<p:sld xmlns:a="http://schemas.openxmlformats.org/drawingml/2006/main" xmlns:r="http://schemas.openxmlformats.org/officeDocument/2006/relationships" xmlns:p="http://schemas.openxmlformats.org/presentationml/2006/main">
+  <p:cSld>
+    <p:spTree>
+      <p:nvGrpSpPr>
+        <p:cNvPr id="1" name=""/>
+        <p:cNvGrpSpPr/>
+        <p:nvPr/>
+      </p:nvGrpSpPr>
+      <p:grpSpPr>
+        <a:xfrm>
+          <a:off x="0" y="0"/>
+          <a:ext cx="0" cy="0"/>
+          <a:chOff x="0" y="0"/>
+          <a:chExt cx="0" cy="0"/>
+        </a:xfrm>
+      </p:grpSpPr>
+      <p:pic>
+        <p:nvPicPr>
+          <p:cNvPr id="12" name="Picture 5" descr="Káº¿t quáº£ hÃ¬nh áº£nh cho slide uit">
+            <a:extLst>
+              <a:ext uri="{FF2B5EF4-FFF2-40B4-BE49-F238E27FC236}">
+                <a16:creationId xmlns:a16="http://schemas.microsoft.com/office/drawing/2014/main" id="{01F4FE56-4F1F-49AD-80B3-F21819F8AB9B}"/>
+              </a:ext>
+            </a:extLst>
+          </p:cNvPr>
+          <p:cNvPicPr>
+            <a:picLocks noChangeAspect="1" noChangeArrowheads="1"/>
+          </p:cNvPicPr>
+          <p:nvPr/>
+        </p:nvPicPr>
+        <p:blipFill>
+          <a:blip r:embed="rId2">
+            <a:extLst>
+              <a:ext uri="{28A0092B-C50C-407E-A947-70E740481C1C}">
+                <a14:useLocalDpi xmlns:a14="http://schemas.microsoft.com/office/drawing/2010/main" val="0"/>
+              </a:ext>
+            </a:extLst>
+          </a:blip>
+          <a:srcRect/>
+          <a:stretch>
+            <a:fillRect/>
+          </a:stretch>
+        </p:blipFill>
+        <p:spPr bwMode="auto">
+          <a:xfrm>
+            <a:off x="-39547" y="-15949"/>
+            <a:ext cx="12192000" cy="6873949"/>
+          </a:xfrm>
+          <a:prstGeom prst="rect">
+            <a:avLst/>
+          </a:prstGeom>
+          <a:noFill/>
+          <a:extLst>
+            <a:ext uri="{909E8E84-426E-40DD-AFC4-6F175D3DCCD1}">
+              <a14:hiddenFill xmlns:a14="http://schemas.microsoft.com/office/drawing/2010/main">
+                <a:solidFill>
+                  <a:srgbClr val="FFFFFF"/>
+                </a:solidFill>
+              </a14:hiddenFill>
+            </a:ext>
+          </a:extLst>
+        </p:spPr>
+      </p:pic>
+      <p:sp>
+        <p:nvSpPr>
+          <p:cNvPr id="13" name="Rectangle 12">
+            <a:extLst>
+              <a:ext uri="{FF2B5EF4-FFF2-40B4-BE49-F238E27FC236}">
+                <a16:creationId xmlns:a16="http://schemas.microsoft.com/office/drawing/2014/main" id="{85E04CAD-E184-4A45-AD97-F719DBBAC199}"/>
+              </a:ext>
+            </a:extLst>
+          </p:cNvPr>
+          <p:cNvSpPr/>
+          <p:nvPr/>
+        </p:nvSpPr>
+        <p:spPr>
+          <a:xfrm>
+            <a:off x="4417660" y="48636"/>
+            <a:ext cx="3356688" cy="923330"/>
+          </a:xfrm>
+          <a:prstGeom prst="rect">
+            <a:avLst/>
+          </a:prstGeom>
+          <a:noFill/>
+        </p:spPr>
+        <p:txBody>
+          <a:bodyPr wrap="none" lIns="91440" tIns="45720" rIns="91440" bIns="45720">
+            <a:spAutoFit/>
+          </a:bodyPr>
+          <a:lstStyle/>
+          <a:p>
+            <a:pPr algn="ctr"/>
+            <a:r>
+              <a:rPr lang="en-US" sz="5400" b="0" cap="none" spc="0" dirty="0" err="1" smtClean="0">
+                <a:ln w="0"/>
+                <a:solidFill>
+                  <a:schemeClr val="accent1"/>
+                </a:solidFill>
+                <a:effectLst>
+                  <a:outerShdw blurRad="38100" dist="25400" dir="5400000" algn="ctr" rotWithShape="0">
+                    <a:srgbClr val="6E747A">
+                      <a:alpha val="43000"/>
+                    </a:srgbClr>
+                  </a:outerShdw>
+                </a:effectLst>
+              </a:rPr>
+              <a:t>Phía</a:t>
+            </a:r>
+            <a:r>
+              <a:rPr lang="en-US" sz="5400" b="0" cap="none" spc="0" dirty="0" smtClean="0">
+                <a:ln w="0"/>
+                <a:solidFill>
+                  <a:schemeClr val="accent1"/>
+                </a:solidFill>
+                <a:effectLst>
+                  <a:outerShdw blurRad="38100" dist="25400" dir="5400000" algn="ctr" rotWithShape="0">
+                    <a:srgbClr val="6E747A">
+                      <a:alpha val="43000"/>
+                    </a:srgbClr>
+                  </a:outerShdw>
+                </a:effectLst>
+              </a:rPr>
+              <a:t> Server</a:t>
+            </a:r>
+            <a:endParaRPr lang="en-US" sz="5400" b="0" cap="none" spc="0" dirty="0">
+              <a:ln w="0"/>
+              <a:solidFill>
+                <a:schemeClr val="accent1"/>
+              </a:solidFill>
+              <a:effectLst>
+                <a:outerShdw blurRad="38100" dist="25400" dir="5400000" algn="ctr" rotWithShape="0">
+                  <a:srgbClr val="6E747A">
+                    <a:alpha val="43000"/>
+                  </a:srgbClr>
+                </a:outerShdw>
+              </a:effectLst>
+            </a:endParaRPr>
+          </a:p>
+        </p:txBody>
+      </p:sp>
+      <p:sp>
+        <p:nvSpPr>
+          <p:cNvPr id="2" name="TextBox 1"/>
+          <p:cNvSpPr txBox="1"/>
+          <p:nvPr/>
+        </p:nvSpPr>
+        <p:spPr>
+          <a:xfrm>
+            <a:off x="1562470" y="1509204"/>
+            <a:ext cx="9179511" cy="369332"/>
+          </a:xfrm>
+          <a:prstGeom prst="rect">
+            <a:avLst/>
+          </a:prstGeom>
+          <a:noFill/>
+        </p:spPr>
+        <p:txBody>
+          <a:bodyPr wrap="square" rtlCol="0">
+            <a:spAutoFit/>
+          </a:bodyPr>
+          <a:lstStyle/>
+          <a:p>
+            <a:pPr marL="285750" indent="-285750">
+              <a:buFont typeface="Arial" panose="020B0604020202020204" pitchFamily="34" charset="0"/>
+              <a:buChar char="•"/>
+            </a:pPr>
+            <a:r>
+              <a:rPr lang="en-US" dirty="0" smtClean="0"/>
+              <a:t>Search </a:t>
+            </a:r>
+            <a:r>
+              <a:rPr lang="en-US" dirty="0" err="1" smtClean="0"/>
+              <a:t>theo</a:t>
+            </a:r>
+            <a:r>
+              <a:rPr lang="en-US" dirty="0" smtClean="0"/>
+              <a:t> </a:t>
+            </a:r>
+            <a:r>
+              <a:rPr lang="en-US" dirty="0" err="1" smtClean="0"/>
+              <a:t>từ</a:t>
+            </a:r>
+            <a:r>
+              <a:rPr lang="en-US" dirty="0" smtClean="0"/>
+              <a:t> </a:t>
+            </a:r>
+            <a:r>
+              <a:rPr lang="en-US" dirty="0" err="1" smtClean="0"/>
+              <a:t>khóa</a:t>
+            </a:r>
+            <a:r>
+              <a:rPr lang="en-US" dirty="0" smtClean="0"/>
+              <a:t>: </a:t>
+            </a:r>
+            <a:r>
+              <a:rPr lang="en-US" dirty="0"/>
+              <a:t>http://</a:t>
+            </a:r>
+            <a:r>
+              <a:rPr lang="en-US" dirty="0" err="1"/>
+              <a:t>tructt.laptrinhaz.com:65014</a:t>
+            </a:r>
+            <a:r>
+              <a:rPr lang="en-US" dirty="0"/>
+              <a:t>/</a:t>
+            </a:r>
+            <a:r>
+              <a:rPr lang="en-US" dirty="0" err="1"/>
+              <a:t>search?text</a:t>
+            </a:r>
+            <a:r>
+              <a:rPr lang="en-US" dirty="0"/>
+              <a:t>=</a:t>
+            </a:r>
+            <a:r>
+              <a:rPr lang="en-US" dirty="0" err="1"/>
+              <a:t>bong+da</a:t>
+            </a:r>
+            <a:endParaRPr lang="en-US" dirty="0"/>
+          </a:p>
+        </p:txBody>
+      </p:sp>
+      <p:pic>
+        <p:nvPicPr>
+          <p:cNvPr id="5" name="Picture 4"/>
+          <p:cNvPicPr>
+            <a:picLocks noChangeAspect="1"/>
+          </p:cNvPicPr>
+          <p:nvPr/>
+        </p:nvPicPr>
+        <p:blipFill>
+          <a:blip r:embed="rId3"/>
+          <a:stretch>
+            <a:fillRect/>
+          </a:stretch>
+        </p:blipFill>
+        <p:spPr>
+          <a:xfrm>
+            <a:off x="2117973" y="2254928"/>
+            <a:ext cx="7257420" cy="3831616"/>
+          </a:xfrm>
+          <a:prstGeom prst="rect">
+            <a:avLst/>
+          </a:prstGeom>
+        </p:spPr>
+      </p:pic>
+    </p:spTree>
+    <p:extLst>
+      <p:ext uri="{BB962C8B-B14F-4D97-AF65-F5344CB8AC3E}">
+        <p14:creationId xmlns:p14="http://schemas.microsoft.com/office/powerpoint/2010/main" val="1354163008"/>
+      </p:ext>
+    </p:extLst>
+  </p:cSld>
+  <p:clrMapOvr>
+    <a:masterClrMapping/>
+  </p:clrMapOvr>
+  <p:timing>
+    <p:tnLst>
+      <p:par>
+        <p:cTn id="1" dur="indefinite" restart="never" nodeType="tmRoot"/>
+      </p:par>
+    </p:tnLst>
+  </p:timing>
+</p:sld>
+</file>
+
+<file path=ppt/slides/slide14.xml><?xml version="1.0" encoding="utf-8"?>
+<p:sld xmlns:a="http://schemas.openxmlformats.org/drawingml/2006/main" xmlns:r="http://schemas.openxmlformats.org/officeDocument/2006/relationships" xmlns:p="http://schemas.openxmlformats.org/presentationml/2006/main">
+  <p:cSld>
+    <p:spTree>
+      <p:nvGrpSpPr>
+        <p:cNvPr id="1" name=""/>
+        <p:cNvGrpSpPr/>
+        <p:nvPr/>
+      </p:nvGrpSpPr>
+      <p:grpSpPr>
+        <a:xfrm>
+          <a:off x="0" y="0"/>
+          <a:ext cx="0" cy="0"/>
+          <a:chOff x="0" y="0"/>
+          <a:chExt cx="0" cy="0"/>
+        </a:xfrm>
+      </p:grpSpPr>
+      <p:pic>
+        <p:nvPicPr>
+          <p:cNvPr id="12" name="Picture 5" descr="Káº¿t quáº£ hÃ¬nh áº£nh cho slide uit">
+            <a:extLst>
+              <a:ext uri="{FF2B5EF4-FFF2-40B4-BE49-F238E27FC236}">
+                <a16:creationId xmlns:a16="http://schemas.microsoft.com/office/drawing/2014/main" id="{01F4FE56-4F1F-49AD-80B3-F21819F8AB9B}"/>
+              </a:ext>
+            </a:extLst>
+          </p:cNvPr>
+          <p:cNvPicPr>
+            <a:picLocks noChangeAspect="1" noChangeArrowheads="1"/>
+          </p:cNvPicPr>
+          <p:nvPr/>
+        </p:nvPicPr>
+        <p:blipFill>
+          <a:blip r:embed="rId2">
+            <a:extLst>
+              <a:ext uri="{28A0092B-C50C-407E-A947-70E740481C1C}">
+                <a14:useLocalDpi xmlns:a14="http://schemas.microsoft.com/office/drawing/2010/main" val="0"/>
+              </a:ext>
+            </a:extLst>
+          </a:blip>
+          <a:srcRect/>
+          <a:stretch>
+            <a:fillRect/>
+          </a:stretch>
+        </p:blipFill>
+        <p:spPr bwMode="auto">
+          <a:xfrm>
+            <a:off x="-39547" y="-15949"/>
+            <a:ext cx="12192000" cy="6873949"/>
+          </a:xfrm>
+          <a:prstGeom prst="rect">
+            <a:avLst/>
+          </a:prstGeom>
+          <a:noFill/>
+          <a:extLst>
+            <a:ext uri="{909E8E84-426E-40DD-AFC4-6F175D3DCCD1}">
+              <a14:hiddenFill xmlns:a14="http://schemas.microsoft.com/office/drawing/2010/main">
+                <a:solidFill>
+                  <a:srgbClr val="FFFFFF"/>
+                </a:solidFill>
+              </a14:hiddenFill>
+            </a:ext>
+          </a:extLst>
+        </p:spPr>
+      </p:pic>
+      <p:sp>
+        <p:nvSpPr>
+          <p:cNvPr id="13" name="Rectangle 12">
+            <a:extLst>
+              <a:ext uri="{FF2B5EF4-FFF2-40B4-BE49-F238E27FC236}">
+                <a16:creationId xmlns:a16="http://schemas.microsoft.com/office/drawing/2014/main" id="{85E04CAD-E184-4A45-AD97-F719DBBAC199}"/>
+              </a:ext>
+            </a:extLst>
+          </p:cNvPr>
+          <p:cNvSpPr/>
+          <p:nvPr/>
+        </p:nvSpPr>
+        <p:spPr>
+          <a:xfrm>
+            <a:off x="4417660" y="48636"/>
+            <a:ext cx="3356688" cy="923330"/>
+          </a:xfrm>
+          <a:prstGeom prst="rect">
+            <a:avLst/>
+          </a:prstGeom>
+          <a:noFill/>
+        </p:spPr>
+        <p:txBody>
+          <a:bodyPr wrap="none" lIns="91440" tIns="45720" rIns="91440" bIns="45720">
+            <a:spAutoFit/>
+          </a:bodyPr>
+          <a:lstStyle/>
+          <a:p>
+            <a:pPr algn="ctr"/>
+            <a:r>
+              <a:rPr lang="en-US" sz="5400" b="0" cap="none" spc="0" dirty="0" err="1" smtClean="0">
+                <a:ln w="0"/>
+                <a:solidFill>
+                  <a:schemeClr val="accent1"/>
+                </a:solidFill>
+                <a:effectLst>
+                  <a:outerShdw blurRad="38100" dist="25400" dir="5400000" algn="ctr" rotWithShape="0">
+                    <a:srgbClr val="6E747A">
+                      <a:alpha val="43000"/>
+                    </a:srgbClr>
+                  </a:outerShdw>
+                </a:effectLst>
+              </a:rPr>
+              <a:t>Phía</a:t>
+            </a:r>
+            <a:r>
+              <a:rPr lang="en-US" sz="5400" b="0" cap="none" spc="0" dirty="0" smtClean="0">
+                <a:ln w="0"/>
+                <a:solidFill>
+                  <a:schemeClr val="accent1"/>
+                </a:solidFill>
+                <a:effectLst>
+                  <a:outerShdw blurRad="38100" dist="25400" dir="5400000" algn="ctr" rotWithShape="0">
+                    <a:srgbClr val="6E747A">
+                      <a:alpha val="43000"/>
+                    </a:srgbClr>
+                  </a:outerShdw>
+                </a:effectLst>
+              </a:rPr>
+              <a:t> Server</a:t>
+            </a:r>
+            <a:endParaRPr lang="en-US" sz="5400" b="0" cap="none" spc="0" dirty="0">
+              <a:ln w="0"/>
+              <a:solidFill>
+                <a:schemeClr val="accent1"/>
+              </a:solidFill>
+              <a:effectLst>
+                <a:outerShdw blurRad="38100" dist="25400" dir="5400000" algn="ctr" rotWithShape="0">
+                  <a:srgbClr val="6E747A">
+                    <a:alpha val="43000"/>
+                  </a:srgbClr>
+                </a:outerShdw>
+              </a:effectLst>
+            </a:endParaRPr>
+          </a:p>
+        </p:txBody>
+      </p:sp>
+      <p:sp>
+        <p:nvSpPr>
+          <p:cNvPr id="2" name="TextBox 1"/>
+          <p:cNvSpPr txBox="1"/>
+          <p:nvPr/>
+        </p:nvSpPr>
+        <p:spPr>
+          <a:xfrm>
+            <a:off x="1562470" y="1509204"/>
+            <a:ext cx="9179511" cy="369332"/>
+          </a:xfrm>
+          <a:prstGeom prst="rect">
+            <a:avLst/>
+          </a:prstGeom>
+          <a:noFill/>
+        </p:spPr>
+        <p:txBody>
+          <a:bodyPr wrap="square" rtlCol="0">
+            <a:spAutoFit/>
+          </a:bodyPr>
+          <a:lstStyle/>
+          <a:p>
+            <a:pPr marL="285750" indent="-285750">
+              <a:buFont typeface="Arial" panose="020B0604020202020204" pitchFamily="34" charset="0"/>
+              <a:buChar char="•"/>
+            </a:pPr>
+            <a:r>
+              <a:rPr lang="en-US" dirty="0" err="1" smtClean="0"/>
+              <a:t>Lấy</a:t>
+            </a:r>
+            <a:r>
+              <a:rPr lang="en-US" dirty="0" smtClean="0"/>
+              <a:t> </a:t>
+            </a:r>
+            <a:r>
+              <a:rPr lang="en-US" dirty="0" err="1" smtClean="0"/>
+              <a:t>nội</a:t>
+            </a:r>
+            <a:r>
+              <a:rPr lang="en-US" dirty="0" smtClean="0"/>
+              <a:t> dung chi </a:t>
+            </a:r>
+            <a:r>
+              <a:rPr lang="en-US" dirty="0" err="1" smtClean="0"/>
+              <a:t>tiết</a:t>
+            </a:r>
+            <a:r>
+              <a:rPr lang="en-US" dirty="0" smtClean="0"/>
+              <a:t> </a:t>
+            </a:r>
+            <a:r>
+              <a:rPr lang="en-US" dirty="0" err="1" smtClean="0"/>
+              <a:t>bài</a:t>
+            </a:r>
+            <a:r>
+              <a:rPr lang="en-US" dirty="0" smtClean="0"/>
+              <a:t> </a:t>
+            </a:r>
+            <a:r>
+              <a:rPr lang="en-US" dirty="0" err="1" smtClean="0"/>
+              <a:t>báo</a:t>
+            </a:r>
+            <a:r>
+              <a:rPr lang="en-US" dirty="0" smtClean="0"/>
+              <a:t>: </a:t>
+            </a:r>
+            <a:r>
+              <a:rPr lang="en-US" dirty="0"/>
+              <a:t>http://</a:t>
+            </a:r>
+            <a:r>
+              <a:rPr lang="en-US" dirty="0" err="1"/>
+              <a:t>tructt.laptrinhaz.com:65014</a:t>
+            </a:r>
+            <a:r>
+              <a:rPr lang="en-US" dirty="0"/>
+              <a:t>/detail</a:t>
+            </a:r>
+          </a:p>
+        </p:txBody>
+      </p:sp>
+      <p:pic>
+        <p:nvPicPr>
+          <p:cNvPr id="3" name="Picture 2"/>
+          <p:cNvPicPr>
+            <a:picLocks noChangeAspect="1"/>
+          </p:cNvPicPr>
+          <p:nvPr/>
+        </p:nvPicPr>
+        <p:blipFill>
+          <a:blip r:embed="rId3"/>
+          <a:stretch>
+            <a:fillRect/>
+          </a:stretch>
+        </p:blipFill>
+        <p:spPr>
+          <a:xfrm>
+            <a:off x="2059619" y="2003730"/>
+            <a:ext cx="7759084" cy="4504778"/>
+          </a:xfrm>
+          <a:prstGeom prst="rect">
+            <a:avLst/>
+          </a:prstGeom>
+        </p:spPr>
+      </p:pic>
+    </p:spTree>
+    <p:extLst>
+      <p:ext uri="{BB962C8B-B14F-4D97-AF65-F5344CB8AC3E}">
+        <p14:creationId xmlns:p14="http://schemas.microsoft.com/office/powerpoint/2010/main" val="3881769514"/>
+      </p:ext>
+    </p:extLst>
+  </p:cSld>
+  <p:clrMapOvr>
+    <a:masterClrMapping/>
+  </p:clrMapOvr>
+  <p:timing>
+    <p:tnLst>
+      <p:par>
+        <p:cTn id="1" dur="indefinite" restart="never" nodeType="tmRoot"/>
+      </p:par>
+    </p:tnLst>
+  </p:timing>
+</p:sld>
+</file>
+
+<file path=ppt/slides/slide15.xml><?xml version="1.0" encoding="utf-8"?>
+<p:sld xmlns:a="http://schemas.openxmlformats.org/drawingml/2006/main" xmlns:r="http://schemas.openxmlformats.org/officeDocument/2006/relationships" xmlns:p="http://schemas.openxmlformats.org/presentationml/2006/main">
+  <p:cSld>
+    <p:spTree>
+      <p:nvGrpSpPr>
+        <p:cNvPr id="1" name=""/>
+        <p:cNvGrpSpPr/>
+        <p:nvPr/>
+      </p:nvGrpSpPr>
+      <p:grpSpPr>
+        <a:xfrm>
+          <a:off x="0" y="0"/>
+          <a:ext cx="0" cy="0"/>
+          <a:chOff x="0" y="0"/>
+          <a:chExt cx="0" cy="0"/>
+        </a:xfrm>
+      </p:grpSpPr>
+      <p:pic>
+        <p:nvPicPr>
+          <p:cNvPr id="12" name="Picture 5" descr="Káº¿t quáº£ hÃ¬nh áº£nh cho slide uit">
+            <a:extLst>
+              <a:ext uri="{FF2B5EF4-FFF2-40B4-BE49-F238E27FC236}">
+                <a16:creationId xmlns:a16="http://schemas.microsoft.com/office/drawing/2014/main" id="{01F4FE56-4F1F-49AD-80B3-F21819F8AB9B}"/>
+              </a:ext>
+            </a:extLst>
+          </p:cNvPr>
+          <p:cNvPicPr>
+            <a:picLocks noChangeAspect="1" noChangeArrowheads="1"/>
+          </p:cNvPicPr>
+          <p:nvPr/>
+        </p:nvPicPr>
+        <p:blipFill>
+          <a:blip r:embed="rId2">
+            <a:extLst>
+              <a:ext uri="{28A0092B-C50C-407E-A947-70E740481C1C}">
+                <a14:useLocalDpi xmlns:a14="http://schemas.microsoft.com/office/drawing/2010/main" val="0"/>
+              </a:ext>
+            </a:extLst>
+          </a:blip>
+          <a:srcRect/>
+          <a:stretch>
+            <a:fillRect/>
+          </a:stretch>
+        </p:blipFill>
+        <p:spPr bwMode="auto">
+          <a:xfrm>
+            <a:off x="-39547" y="-15949"/>
+            <a:ext cx="12192000" cy="6873949"/>
+          </a:xfrm>
+          <a:prstGeom prst="rect">
+            <a:avLst/>
+          </a:prstGeom>
+          <a:noFill/>
+          <a:extLst>
+            <a:ext uri="{909E8E84-426E-40DD-AFC4-6F175D3DCCD1}">
+              <a14:hiddenFill xmlns:a14="http://schemas.microsoft.com/office/drawing/2010/main">
+                <a:solidFill>
+                  <a:srgbClr val="FFFFFF"/>
+                </a:solidFill>
+              </a14:hiddenFill>
+            </a:ext>
+          </a:extLst>
+        </p:spPr>
+      </p:pic>
+      <p:sp>
+        <p:nvSpPr>
+          <p:cNvPr id="13" name="Rectangle 12">
+            <a:extLst>
+              <a:ext uri="{FF2B5EF4-FFF2-40B4-BE49-F238E27FC236}">
+                <a16:creationId xmlns:a16="http://schemas.microsoft.com/office/drawing/2014/main" id="{85E04CAD-E184-4A45-AD97-F719DBBAC199}"/>
+              </a:ext>
+            </a:extLst>
+          </p:cNvPr>
+          <p:cNvSpPr/>
+          <p:nvPr/>
+        </p:nvSpPr>
+        <p:spPr>
+          <a:xfrm>
+            <a:off x="6003639" y="48636"/>
+            <a:ext cx="184730" cy="923330"/>
+          </a:xfrm>
+          <a:prstGeom prst="rect">
+            <a:avLst/>
+          </a:prstGeom>
+          <a:noFill/>
+        </p:spPr>
+        <p:txBody>
+          <a:bodyPr wrap="none" lIns="91440" tIns="45720" rIns="91440" bIns="45720">
+            <a:spAutoFit/>
+          </a:bodyPr>
+          <a:lstStyle/>
+          <a:p>
+            <a:pPr algn="ctr"/>
+            <a:endParaRPr lang="en-US" sz="5400" b="0" cap="none" spc="0" dirty="0">
+              <a:ln w="0"/>
+              <a:solidFill>
+                <a:schemeClr val="accent1"/>
+              </a:solidFill>
+              <a:effectLst>
+                <a:outerShdw blurRad="38100" dist="25400" dir="5400000" algn="ctr" rotWithShape="0">
+                  <a:srgbClr val="6E747A">
+                    <a:alpha val="43000"/>
+                  </a:srgbClr>
+                </a:outerShdw>
+              </a:effectLst>
+            </a:endParaRPr>
+          </a:p>
+        </p:txBody>
+      </p:sp>
+      <p:sp>
+        <p:nvSpPr>
+          <p:cNvPr id="10" name="Rectangle 9"/>
+          <p:cNvSpPr/>
+          <p:nvPr/>
+        </p:nvSpPr>
+        <p:spPr>
+          <a:xfrm>
+            <a:off x="4454557" y="3105835"/>
+            <a:ext cx="3282886" cy="861774"/>
+          </a:xfrm>
+          <a:prstGeom prst="rect">
+            <a:avLst/>
+          </a:prstGeom>
+        </p:spPr>
+        <p:txBody>
+          <a:bodyPr wrap="none">
+            <a:spAutoFit/>
+          </a:bodyPr>
+          <a:lstStyle/>
+          <a:p>
+            <a:pPr lvl="0" algn="ctr"/>
+            <a:r>
+              <a:rPr lang="en-US" sz="5000" b="1" kern="10" dirty="0">
+                <a:ln w="19050">
+                  <a:solidFill>
+                    <a:prstClr val="white"/>
+                  </a:solidFill>
+                  <a:round/>
+                  <a:headEnd/>
+                  <a:tailEnd/>
+                </a:ln>
+                <a:gradFill rotWithShape="1">
+                  <a:gsLst>
+                    <a:gs pos="0">
+                      <a:prstClr val="black"/>
+                    </a:gs>
+                    <a:gs pos="100000">
+                      <a:srgbClr val="4472C4"/>
+                    </a:gs>
+                  </a:gsLst>
+                  <a:lin ang="0" scaled="1"/>
+                </a:gradFill>
+                <a:effectLst>
+                  <a:outerShdw dist="63500" dir="2212194" algn="ctr" rotWithShape="0">
+                    <a:srgbClr val="868686">
+                      <a:alpha val="50000"/>
+                    </a:srgbClr>
+                  </a:outerShdw>
+                </a:effectLst>
+                <a:cs typeface="Arial" panose="020B0604020202020204" pitchFamily="34" charset="0"/>
+              </a:rPr>
+              <a:t>Thank You !</a:t>
+            </a:r>
+            <a:endParaRPr lang="en-US" sz="5000" b="1" kern="10" dirty="0">
+              <a:ln w="19050">
+                <a:solidFill>
+                  <a:prstClr val="white"/>
+                </a:solidFill>
+                <a:round/>
+                <a:headEnd/>
+                <a:tailEnd/>
+              </a:ln>
+              <a:gradFill rotWithShape="1">
+                <a:gsLst>
+                  <a:gs pos="0">
+                    <a:prstClr val="black"/>
+                  </a:gs>
+                  <a:gs pos="100000">
+                    <a:srgbClr val="4472C4"/>
+                  </a:gs>
+                </a:gsLst>
+                <a:lin ang="0" scaled="1"/>
+              </a:gradFill>
+              <a:effectLst>
+                <a:outerShdw dist="63500" dir="2212194" algn="ctr" rotWithShape="0">
+                  <a:srgbClr val="868686">
+                    <a:alpha val="50000"/>
+                  </a:srgbClr>
+                </a:outerShdw>
+              </a:effectLst>
+              <a:cs typeface="Arial" panose="020B0604020202020204" pitchFamily="34" charset="0"/>
+            </a:endParaRPr>
+          </a:p>
+        </p:txBody>
+      </p:sp>
+    </p:spTree>
+    <p:extLst>
+      <p:ext uri="{BB962C8B-B14F-4D97-AF65-F5344CB8AC3E}">
+        <p14:creationId xmlns:p14="http://schemas.microsoft.com/office/powerpoint/2010/main" val="3865900747"/>
+      </p:ext>
+    </p:extLst>
+  </p:cSld>
+  <p:clrMapOvr>
+    <a:masterClrMapping/>
+  </p:clrMapOvr>
+  <p:timing>
+    <p:tnLst>
+      <p:par>
+        <p:cTn id="1" dur="indefinite" restart="never" nodeType="tmRoot"/>
+      </p:par>
+    </p:tnLst>
+  </p:timing>
 </p:sld>
 </file>
 
 <file path=ppt/slides/slide2.xml><?xml version="1.0" encoding="utf-8"?>
+<p:sld xmlns:a="http://schemas.openxmlformats.org/drawingml/2006/main" xmlns:r="http://schemas.openxmlformats.org/officeDocument/2006/relationships" xmlns:p="http://schemas.openxmlformats.org/presentationml/2006/main">
+  <p:cSld>
+    <p:spTree>
+      <p:nvGrpSpPr>
+        <p:cNvPr id="1" name=""/>
+        <p:cNvGrpSpPr/>
+        <p:nvPr/>
+      </p:nvGrpSpPr>
+      <p:grpSpPr>
+        <a:xfrm>
+          <a:off x="0" y="0"/>
+          <a:ext cx="0" cy="0"/>
+          <a:chOff x="0" y="0"/>
+          <a:chExt cx="0" cy="0"/>
+        </a:xfrm>
+      </p:grpSpPr>
+      <p:pic>
+        <p:nvPicPr>
+          <p:cNvPr id="56" name="Picture 5" descr="Káº¿t quáº£ hÃ¬nh áº£nh cho slide uit">
+            <a:extLst>
+              <a:ext uri="{FF2B5EF4-FFF2-40B4-BE49-F238E27FC236}">
+                <a16:creationId xmlns:a16="http://schemas.microsoft.com/office/drawing/2014/main" id="{789813E5-DB70-4801-B306-DB858663271F}"/>
+              </a:ext>
+            </a:extLst>
+          </p:cNvPr>
+          <p:cNvPicPr>
+            <a:picLocks noChangeAspect="1" noChangeArrowheads="1"/>
+          </p:cNvPicPr>
+          <p:nvPr/>
+        </p:nvPicPr>
+        <p:blipFill>
+          <a:blip r:embed="rId2">
+            <a:extLst>
+              <a:ext uri="{28A0092B-C50C-407E-A947-70E740481C1C}">
+                <a14:useLocalDpi xmlns:a14="http://schemas.microsoft.com/office/drawing/2010/main" val="0"/>
+              </a:ext>
+            </a:extLst>
+          </a:blip>
+          <a:srcRect/>
+          <a:stretch>
+            <a:fillRect/>
+          </a:stretch>
+        </p:blipFill>
+        <p:spPr bwMode="auto">
+          <a:xfrm>
+            <a:off x="0" y="0"/>
+            <a:ext cx="12192000" cy="6873949"/>
+          </a:xfrm>
+          <a:prstGeom prst="rect">
+            <a:avLst/>
+          </a:prstGeom>
+          <a:noFill/>
+          <a:extLst>
+            <a:ext uri="{909E8E84-426E-40DD-AFC4-6F175D3DCCD1}">
+              <a14:hiddenFill xmlns:a14="http://schemas.microsoft.com/office/drawing/2010/main">
+                <a:solidFill>
+                  <a:srgbClr val="FFFFFF"/>
+                </a:solidFill>
+              </a14:hiddenFill>
+            </a:ext>
+          </a:extLst>
+        </p:spPr>
+      </p:pic>
+      <p:sp>
+        <p:nvSpPr>
+          <p:cNvPr id="1044" name="Rectangle 1043">
+            <a:extLst>
+              <a:ext uri="{FF2B5EF4-FFF2-40B4-BE49-F238E27FC236}">
+                <a16:creationId xmlns:a16="http://schemas.microsoft.com/office/drawing/2014/main" id="{DD1EAB01-859A-49D8-9BFB-1F0C2BE4428A}"/>
+              </a:ext>
+            </a:extLst>
+          </p:cNvPr>
+          <p:cNvSpPr/>
+          <p:nvPr/>
+        </p:nvSpPr>
+        <p:spPr>
+          <a:xfrm>
+            <a:off x="4547658" y="33352"/>
+            <a:ext cx="3096682" cy="923330"/>
+          </a:xfrm>
+          <a:prstGeom prst="rect">
+            <a:avLst/>
+          </a:prstGeom>
+          <a:noFill/>
+        </p:spPr>
+        <p:txBody>
+          <a:bodyPr wrap="none" lIns="91440" tIns="45720" rIns="91440" bIns="45720">
+            <a:spAutoFit/>
+          </a:bodyPr>
+          <a:lstStyle/>
+          <a:p>
+            <a:pPr algn="ctr"/>
+            <a:r>
+              <a:rPr lang="en-US" sz="5400" b="0" cap="none" spc="0" dirty="0" err="1" smtClean="0">
+                <a:ln w="0"/>
+                <a:solidFill>
+                  <a:schemeClr val="accent1"/>
+                </a:solidFill>
+                <a:effectLst>
+                  <a:outerShdw blurRad="38100" dist="25400" dir="5400000" algn="ctr" rotWithShape="0">
+                    <a:srgbClr val="6E747A">
+                      <a:alpha val="43000"/>
+                    </a:srgbClr>
+                  </a:outerShdw>
+                </a:effectLst>
+              </a:rPr>
+              <a:t>Tổng</a:t>
+            </a:r>
+            <a:r>
+              <a:rPr lang="en-US" sz="5400" b="0" cap="none" spc="0" dirty="0" smtClean="0">
+                <a:ln w="0"/>
+                <a:solidFill>
+                  <a:schemeClr val="accent1"/>
+                </a:solidFill>
+                <a:effectLst>
+                  <a:outerShdw blurRad="38100" dist="25400" dir="5400000" algn="ctr" rotWithShape="0">
+                    <a:srgbClr val="6E747A">
+                      <a:alpha val="43000"/>
+                    </a:srgbClr>
+                  </a:outerShdw>
+                </a:effectLst>
+              </a:rPr>
+              <a:t> </a:t>
+            </a:r>
+            <a:r>
+              <a:rPr lang="en-US" sz="5400" b="0" cap="none" spc="0" dirty="0" err="1" smtClean="0">
+                <a:ln w="0"/>
+                <a:solidFill>
+                  <a:schemeClr val="accent1"/>
+                </a:solidFill>
+                <a:effectLst>
+                  <a:outerShdw blurRad="38100" dist="25400" dir="5400000" algn="ctr" rotWithShape="0">
+                    <a:srgbClr val="6E747A">
+                      <a:alpha val="43000"/>
+                    </a:srgbClr>
+                  </a:outerShdw>
+                </a:effectLst>
+              </a:rPr>
+              <a:t>quan</a:t>
+            </a:r>
+            <a:endParaRPr lang="en-US" sz="5400" b="0" cap="none" spc="0" dirty="0">
+              <a:ln w="0"/>
+              <a:solidFill>
+                <a:schemeClr val="accent1"/>
+              </a:solidFill>
+              <a:effectLst>
+                <a:outerShdw blurRad="38100" dist="25400" dir="5400000" algn="ctr" rotWithShape="0">
+                  <a:srgbClr val="6E747A">
+                    <a:alpha val="43000"/>
+                  </a:srgbClr>
+                </a:outerShdw>
+              </a:effectLst>
+            </a:endParaRPr>
+          </a:p>
+        </p:txBody>
+      </p:sp>
+      <p:sp>
+        <p:nvSpPr>
+          <p:cNvPr id="6" name="TextBox 5"/>
+          <p:cNvSpPr txBox="1"/>
+          <p:nvPr/>
+        </p:nvSpPr>
+        <p:spPr>
+          <a:xfrm>
+            <a:off x="1251751" y="1651247"/>
+            <a:ext cx="8087558" cy="1200329"/>
+          </a:xfrm>
+          <a:prstGeom prst="rect">
+            <a:avLst/>
+          </a:prstGeom>
+          <a:noFill/>
+        </p:spPr>
+        <p:txBody>
+          <a:bodyPr wrap="square" rtlCol="0">
+            <a:spAutoFit/>
+          </a:bodyPr>
+          <a:lstStyle/>
+          <a:p>
+            <a:pPr marL="342900" indent="-342900">
+              <a:buFont typeface="+mj-lt"/>
+              <a:buAutoNum type="arabicPeriod"/>
+            </a:pPr>
+            <a:r>
+              <a:rPr lang="en-US" b="1" dirty="0" err="1" smtClean="0"/>
+              <a:t>Giới</a:t>
+            </a:r>
+            <a:r>
+              <a:rPr lang="en-US" b="1" dirty="0" smtClean="0"/>
+              <a:t> </a:t>
+            </a:r>
+            <a:r>
+              <a:rPr lang="en-US" b="1" dirty="0" err="1" smtClean="0"/>
+              <a:t>thiệu</a:t>
+            </a:r>
+            <a:r>
+              <a:rPr lang="en-US" b="1" dirty="0" smtClean="0"/>
+              <a:t> </a:t>
+            </a:r>
+            <a:r>
+              <a:rPr lang="en-US" b="1" dirty="0" err="1" smtClean="0"/>
+              <a:t>đồ</a:t>
+            </a:r>
+            <a:r>
+              <a:rPr lang="en-US" b="1" dirty="0" smtClean="0"/>
+              <a:t> </a:t>
+            </a:r>
+            <a:r>
+              <a:rPr lang="en-US" b="1" dirty="0" err="1" smtClean="0"/>
+              <a:t>án</a:t>
+            </a:r>
+            <a:endParaRPr lang="en-US" b="1" dirty="0" smtClean="0"/>
+          </a:p>
+          <a:p>
+            <a:pPr marL="342900" indent="-342900">
+              <a:buFont typeface="+mj-lt"/>
+              <a:buAutoNum type="arabicPeriod"/>
+            </a:pPr>
+            <a:r>
+              <a:rPr lang="en-US" b="1" dirty="0" smtClean="0"/>
+              <a:t>Demo chi </a:t>
+            </a:r>
+            <a:r>
+              <a:rPr lang="en-US" b="1" dirty="0" err="1" smtClean="0"/>
+              <a:t>tiết</a:t>
+            </a:r>
+            <a:r>
+              <a:rPr lang="en-US" b="1" dirty="0" smtClean="0"/>
+              <a:t> </a:t>
+            </a:r>
+            <a:r>
+              <a:rPr lang="en-US" b="1" dirty="0" err="1" smtClean="0"/>
+              <a:t>trên</a:t>
+            </a:r>
+            <a:r>
+              <a:rPr lang="en-US" b="1" dirty="0" smtClean="0"/>
+              <a:t> client</a:t>
+            </a:r>
+          </a:p>
+          <a:p>
+            <a:pPr marL="342900" indent="-342900">
+              <a:buFont typeface="+mj-lt"/>
+              <a:buAutoNum type="arabicPeriod"/>
+            </a:pPr>
+            <a:r>
+              <a:rPr lang="en-US" b="1" dirty="0" smtClean="0"/>
+              <a:t>Demo </a:t>
+            </a:r>
+            <a:r>
+              <a:rPr lang="en-US" b="1" dirty="0" err="1" smtClean="0"/>
+              <a:t>trên</a:t>
+            </a:r>
+            <a:r>
+              <a:rPr lang="en-US" b="1" dirty="0" smtClean="0"/>
+              <a:t> server</a:t>
+            </a:r>
+          </a:p>
+          <a:p>
+            <a:pPr marL="342900" indent="-342900">
+              <a:buFont typeface="+mj-lt"/>
+              <a:buAutoNum type="arabicPeriod"/>
+            </a:pPr>
+            <a:endParaRPr lang="en-US" b="1" dirty="0"/>
+          </a:p>
+        </p:txBody>
+      </p:sp>
+    </p:spTree>
+    <p:extLst>
+      <p:ext uri="{BB962C8B-B14F-4D97-AF65-F5344CB8AC3E}">
+        <p14:creationId xmlns:p14="http://schemas.microsoft.com/office/powerpoint/2010/main" val="1063350965"/>
+      </p:ext>
+    </p:extLst>
+  </p:cSld>
+  <p:clrMapOvr>
+    <a:masterClrMapping/>
+  </p:clrMapOvr>
+  <p:timing>
+    <p:tnLst>
+      <p:par>
+        <p:cTn id="1" dur="indefinite" restart="never" nodeType="tmRoot"/>
+      </p:par>
+    </p:tnLst>
+  </p:timing>
+</p:sld>
+</file>
+
+<file path=ppt/slides/slide3.xml><?xml version="1.0" encoding="utf-8"?>
+<p:sld xmlns:a="http://schemas.openxmlformats.org/drawingml/2006/main" xmlns:r="http://schemas.openxmlformats.org/officeDocument/2006/relationships" xmlns:p="http://schemas.openxmlformats.org/presentationml/2006/main">
+  <p:cSld>
+    <p:spTree>
+      <p:nvGrpSpPr>
+        <p:cNvPr id="1" name=""/>
+        <p:cNvGrpSpPr/>
+        <p:nvPr/>
+      </p:nvGrpSpPr>
+      <p:grpSpPr>
+        <a:xfrm>
+          <a:off x="0" y="0"/>
+          <a:ext cx="0" cy="0"/>
+          <a:chOff x="0" y="0"/>
+          <a:chExt cx="0" cy="0"/>
+        </a:xfrm>
+      </p:grpSpPr>
+      <p:pic>
+        <p:nvPicPr>
+          <p:cNvPr id="56" name="Picture 5" descr="Káº¿t quáº£ hÃ¬nh áº£nh cho slide uit">
+            <a:extLst>
+              <a:ext uri="{FF2B5EF4-FFF2-40B4-BE49-F238E27FC236}">
+                <a16:creationId xmlns:a16="http://schemas.microsoft.com/office/drawing/2014/main" id="{789813E5-DB70-4801-B306-DB858663271F}"/>
+              </a:ext>
+            </a:extLst>
+          </p:cNvPr>
+          <p:cNvPicPr>
+            <a:picLocks noChangeAspect="1" noChangeArrowheads="1"/>
+          </p:cNvPicPr>
+          <p:nvPr/>
+        </p:nvPicPr>
+        <p:blipFill>
+          <a:blip r:embed="rId2">
+            <a:extLst>
+              <a:ext uri="{28A0092B-C50C-407E-A947-70E740481C1C}">
+                <a14:useLocalDpi xmlns:a14="http://schemas.microsoft.com/office/drawing/2010/main" val="0"/>
+              </a:ext>
+            </a:extLst>
+          </a:blip>
+          <a:srcRect/>
+          <a:stretch>
+            <a:fillRect/>
+          </a:stretch>
+        </p:blipFill>
+        <p:spPr bwMode="auto">
+          <a:xfrm>
+            <a:off x="0" y="0"/>
+            <a:ext cx="12192000" cy="6873949"/>
+          </a:xfrm>
+          <a:prstGeom prst="rect">
+            <a:avLst/>
+          </a:prstGeom>
+          <a:noFill/>
+          <a:extLst>
+            <a:ext uri="{909E8E84-426E-40DD-AFC4-6F175D3DCCD1}">
+              <a14:hiddenFill xmlns:a14="http://schemas.microsoft.com/office/drawing/2010/main">
+                <a:solidFill>
+                  <a:srgbClr val="FFFFFF"/>
+                </a:solidFill>
+              </a14:hiddenFill>
+            </a:ext>
+          </a:extLst>
+        </p:spPr>
+      </p:pic>
+      <p:sp>
+        <p:nvSpPr>
+          <p:cNvPr id="1044" name="Rectangle 1043">
+            <a:extLst>
+              <a:ext uri="{FF2B5EF4-FFF2-40B4-BE49-F238E27FC236}">
+                <a16:creationId xmlns:a16="http://schemas.microsoft.com/office/drawing/2014/main" id="{DD1EAB01-859A-49D8-9BFB-1F0C2BE4428A}"/>
+              </a:ext>
+            </a:extLst>
+          </p:cNvPr>
+          <p:cNvSpPr/>
+          <p:nvPr/>
+        </p:nvSpPr>
+        <p:spPr>
+          <a:xfrm>
+            <a:off x="4615467" y="33352"/>
+            <a:ext cx="2961067" cy="923330"/>
+          </a:xfrm>
+          <a:prstGeom prst="rect">
+            <a:avLst/>
+          </a:prstGeom>
+          <a:noFill/>
+        </p:spPr>
+        <p:txBody>
+          <a:bodyPr wrap="none" lIns="91440" tIns="45720" rIns="91440" bIns="45720">
+            <a:spAutoFit/>
+          </a:bodyPr>
+          <a:lstStyle/>
+          <a:p>
+            <a:pPr algn="ctr"/>
+            <a:r>
+              <a:rPr lang="en-US" sz="5400" b="0" cap="none" spc="0" dirty="0" err="1" smtClean="0">
+                <a:ln w="0"/>
+                <a:solidFill>
+                  <a:schemeClr val="accent1"/>
+                </a:solidFill>
+                <a:effectLst>
+                  <a:outerShdw blurRad="38100" dist="25400" dir="5400000" algn="ctr" rotWithShape="0">
+                    <a:srgbClr val="6E747A">
+                      <a:alpha val="43000"/>
+                    </a:srgbClr>
+                  </a:outerShdw>
+                </a:effectLst>
+              </a:rPr>
+              <a:t>Giới</a:t>
+            </a:r>
+            <a:r>
+              <a:rPr lang="en-US" sz="5400" b="0" cap="none" spc="0" dirty="0" smtClean="0">
+                <a:ln w="0"/>
+                <a:solidFill>
+                  <a:schemeClr val="accent1"/>
+                </a:solidFill>
+                <a:effectLst>
+                  <a:outerShdw blurRad="38100" dist="25400" dir="5400000" algn="ctr" rotWithShape="0">
+                    <a:srgbClr val="6E747A">
+                      <a:alpha val="43000"/>
+                    </a:srgbClr>
+                  </a:outerShdw>
+                </a:effectLst>
+              </a:rPr>
+              <a:t> </a:t>
+            </a:r>
+            <a:r>
+              <a:rPr lang="en-US" sz="5400" b="0" cap="none" spc="0" dirty="0" err="1" smtClean="0">
+                <a:ln w="0"/>
+                <a:solidFill>
+                  <a:schemeClr val="accent1"/>
+                </a:solidFill>
+                <a:effectLst>
+                  <a:outerShdw blurRad="38100" dist="25400" dir="5400000" algn="ctr" rotWithShape="0">
+                    <a:srgbClr val="6E747A">
+                      <a:alpha val="43000"/>
+                    </a:srgbClr>
+                  </a:outerShdw>
+                </a:effectLst>
+              </a:rPr>
+              <a:t>thiệu</a:t>
+            </a:r>
+            <a:endParaRPr lang="en-US" sz="5400" b="0" cap="none" spc="0" dirty="0">
+              <a:ln w="0"/>
+              <a:solidFill>
+                <a:schemeClr val="accent1"/>
+              </a:solidFill>
+              <a:effectLst>
+                <a:outerShdw blurRad="38100" dist="25400" dir="5400000" algn="ctr" rotWithShape="0">
+                  <a:srgbClr val="6E747A">
+                    <a:alpha val="43000"/>
+                  </a:srgbClr>
+                </a:outerShdw>
+              </a:effectLst>
+            </a:endParaRPr>
+          </a:p>
+        </p:txBody>
+      </p:sp>
+      <p:sp>
+        <p:nvSpPr>
+          <p:cNvPr id="6" name="TextBox 5"/>
+          <p:cNvSpPr txBox="1"/>
+          <p:nvPr/>
+        </p:nvSpPr>
+        <p:spPr>
+          <a:xfrm>
+            <a:off x="1251751" y="1651247"/>
+            <a:ext cx="8087558" cy="1477328"/>
+          </a:xfrm>
+          <a:prstGeom prst="rect">
+            <a:avLst/>
+          </a:prstGeom>
+          <a:noFill/>
+        </p:spPr>
+        <p:txBody>
+          <a:bodyPr wrap="square" rtlCol="0">
+            <a:spAutoFit/>
+          </a:bodyPr>
+          <a:lstStyle/>
+          <a:p>
+            <a:pPr marL="285750" indent="-285750">
+              <a:buFont typeface="Arial" panose="020B0604020202020204" pitchFamily="34" charset="0"/>
+              <a:buChar char="•"/>
+            </a:pPr>
+            <a:r>
+              <a:rPr lang="en-US" dirty="0" err="1"/>
+              <a:t>Với</a:t>
+            </a:r>
+            <a:r>
+              <a:rPr lang="en-US" dirty="0"/>
+              <a:t> </a:t>
+            </a:r>
+            <a:r>
+              <a:rPr lang="en-US" dirty="0" err="1"/>
+              <a:t>sự</a:t>
+            </a:r>
+            <a:r>
+              <a:rPr lang="en-US" dirty="0"/>
+              <a:t> </a:t>
+            </a:r>
+            <a:r>
+              <a:rPr lang="en-US" dirty="0" err="1"/>
+              <a:t>phát</a:t>
+            </a:r>
+            <a:r>
+              <a:rPr lang="en-US" dirty="0"/>
+              <a:t> </a:t>
+            </a:r>
+            <a:r>
+              <a:rPr lang="en-US" dirty="0" err="1"/>
+              <a:t>triển</a:t>
+            </a:r>
+            <a:r>
+              <a:rPr lang="en-US" dirty="0"/>
+              <a:t> </a:t>
+            </a:r>
+            <a:r>
+              <a:rPr lang="en-US" dirty="0" err="1"/>
+              <a:t>của</a:t>
+            </a:r>
+            <a:r>
+              <a:rPr lang="en-US" dirty="0"/>
+              <a:t> </a:t>
+            </a:r>
+            <a:r>
+              <a:rPr lang="en-US" dirty="0" err="1"/>
+              <a:t>công</a:t>
+            </a:r>
+            <a:r>
+              <a:rPr lang="en-US" dirty="0"/>
+              <a:t> </a:t>
+            </a:r>
+            <a:r>
+              <a:rPr lang="en-US" dirty="0" err="1"/>
+              <a:t>nghệ</a:t>
+            </a:r>
+            <a:r>
+              <a:rPr lang="en-US" dirty="0"/>
+              <a:t> </a:t>
+            </a:r>
+            <a:r>
+              <a:rPr lang="en-US" dirty="0" err="1"/>
+              <a:t>hiên</a:t>
+            </a:r>
+            <a:r>
+              <a:rPr lang="en-US" dirty="0"/>
+              <a:t> nay, </a:t>
+            </a:r>
+            <a:r>
+              <a:rPr lang="en-US" dirty="0" err="1"/>
+              <a:t>nhu</a:t>
+            </a:r>
+            <a:r>
+              <a:rPr lang="en-US" dirty="0"/>
+              <a:t> </a:t>
+            </a:r>
+            <a:r>
+              <a:rPr lang="en-US" dirty="0" err="1"/>
+              <a:t>cầu</a:t>
+            </a:r>
+            <a:r>
+              <a:rPr lang="en-US" dirty="0"/>
+              <a:t> </a:t>
+            </a:r>
+            <a:r>
+              <a:rPr lang="en-US" dirty="0" err="1"/>
+              <a:t>đọc</a:t>
+            </a:r>
+            <a:r>
+              <a:rPr lang="en-US" dirty="0"/>
+              <a:t> </a:t>
+            </a:r>
+            <a:r>
+              <a:rPr lang="en-US" dirty="0" err="1"/>
+              <a:t>báo</a:t>
+            </a:r>
+            <a:r>
+              <a:rPr lang="en-US" dirty="0"/>
+              <a:t> </a:t>
+            </a:r>
+            <a:r>
+              <a:rPr lang="en-US" dirty="0" err="1"/>
+              <a:t>điện</a:t>
+            </a:r>
+            <a:r>
+              <a:rPr lang="en-US" dirty="0"/>
+              <a:t> </a:t>
+            </a:r>
+            <a:r>
+              <a:rPr lang="en-US" dirty="0" err="1"/>
+              <a:t>tử</a:t>
+            </a:r>
+            <a:r>
+              <a:rPr lang="en-US" dirty="0"/>
+              <a:t> </a:t>
+            </a:r>
+            <a:r>
+              <a:rPr lang="en-US" dirty="0" err="1"/>
+              <a:t>ngày</a:t>
+            </a:r>
+            <a:r>
+              <a:rPr lang="en-US" dirty="0"/>
+              <a:t> </a:t>
+            </a:r>
+            <a:r>
+              <a:rPr lang="en-US" dirty="0" err="1"/>
+              <a:t>càng</a:t>
+            </a:r>
+            <a:r>
+              <a:rPr lang="en-US" dirty="0"/>
+              <a:t> </a:t>
+            </a:r>
+            <a:r>
+              <a:rPr lang="en-US" dirty="0" err="1"/>
+              <a:t>tăng</a:t>
+            </a:r>
+            <a:r>
+              <a:rPr lang="en-US" dirty="0"/>
+              <a:t>, </a:t>
+            </a:r>
+            <a:r>
+              <a:rPr lang="en-US" dirty="0" err="1"/>
+              <a:t>thay</a:t>
+            </a:r>
+            <a:r>
+              <a:rPr lang="en-US" dirty="0"/>
+              <a:t> </a:t>
+            </a:r>
+            <a:r>
+              <a:rPr lang="en-US" dirty="0" err="1"/>
+              <a:t>thế</a:t>
+            </a:r>
+            <a:r>
+              <a:rPr lang="en-US" dirty="0"/>
+              <a:t> </a:t>
+            </a:r>
+            <a:r>
+              <a:rPr lang="en-US" dirty="0" err="1"/>
+              <a:t>cho</a:t>
+            </a:r>
+            <a:r>
+              <a:rPr lang="en-US" dirty="0"/>
+              <a:t> </a:t>
+            </a:r>
+            <a:r>
+              <a:rPr lang="en-US" dirty="0" err="1"/>
+              <a:t>báo</a:t>
+            </a:r>
+            <a:r>
+              <a:rPr lang="en-US" dirty="0"/>
+              <a:t> </a:t>
+            </a:r>
+            <a:r>
+              <a:rPr lang="en-US" dirty="0" err="1"/>
+              <a:t>giấy</a:t>
+            </a:r>
+            <a:r>
+              <a:rPr lang="en-US" dirty="0"/>
+              <a:t> </a:t>
+            </a:r>
+            <a:r>
+              <a:rPr lang="en-US" dirty="0" err="1"/>
+              <a:t>hiện</a:t>
+            </a:r>
+            <a:r>
+              <a:rPr lang="en-US" dirty="0"/>
+              <a:t> nay. </a:t>
+            </a:r>
+            <a:r>
+              <a:rPr lang="en-US" dirty="0" err="1"/>
+              <a:t>Nắm</a:t>
+            </a:r>
+            <a:r>
+              <a:rPr lang="en-US" dirty="0"/>
+              <a:t> </a:t>
+            </a:r>
+            <a:r>
+              <a:rPr lang="en-US" dirty="0" err="1"/>
+              <a:t>bắt</a:t>
+            </a:r>
+            <a:r>
+              <a:rPr lang="en-US" dirty="0"/>
+              <a:t> </a:t>
+            </a:r>
+            <a:r>
+              <a:rPr lang="en-US" dirty="0" err="1"/>
+              <a:t>được</a:t>
+            </a:r>
+            <a:r>
+              <a:rPr lang="en-US" dirty="0"/>
+              <a:t> </a:t>
+            </a:r>
+            <a:r>
+              <a:rPr lang="en-US" dirty="0" err="1"/>
+              <a:t>xu</a:t>
+            </a:r>
+            <a:r>
+              <a:rPr lang="en-US" dirty="0"/>
+              <a:t> </a:t>
+            </a:r>
+            <a:r>
+              <a:rPr lang="en-US" dirty="0" err="1"/>
+              <a:t>thế</a:t>
+            </a:r>
+            <a:r>
+              <a:rPr lang="en-US" dirty="0"/>
+              <a:t> </a:t>
+            </a:r>
+            <a:r>
+              <a:rPr lang="en-US" dirty="0" err="1"/>
+              <a:t>này</a:t>
+            </a:r>
+            <a:r>
+              <a:rPr lang="en-US" dirty="0"/>
+              <a:t> </a:t>
+            </a:r>
+            <a:r>
+              <a:rPr lang="en-US" dirty="0" err="1"/>
+              <a:t>nên</a:t>
+            </a:r>
+            <a:r>
+              <a:rPr lang="en-US" dirty="0"/>
+              <a:t> </a:t>
+            </a:r>
+            <a:r>
+              <a:rPr lang="en-US" dirty="0" err="1"/>
+              <a:t>ứng</a:t>
+            </a:r>
+            <a:r>
+              <a:rPr lang="en-US" dirty="0"/>
+              <a:t> </a:t>
+            </a:r>
+            <a:r>
+              <a:rPr lang="en-US" dirty="0" err="1"/>
+              <a:t>dụng</a:t>
+            </a:r>
+            <a:r>
+              <a:rPr lang="en-US" dirty="0"/>
+              <a:t> </a:t>
+            </a:r>
+            <a:r>
+              <a:rPr lang="en-US" dirty="0" err="1"/>
+              <a:t>đọc</a:t>
+            </a:r>
+            <a:r>
+              <a:rPr lang="en-US" dirty="0"/>
+              <a:t> </a:t>
+            </a:r>
+            <a:r>
+              <a:rPr lang="en-US" dirty="0" err="1"/>
+              <a:t>báo</a:t>
+            </a:r>
+            <a:r>
+              <a:rPr lang="en-US" dirty="0"/>
+              <a:t> </a:t>
+            </a:r>
+            <a:r>
+              <a:rPr lang="en-US" dirty="0" err="1"/>
+              <a:t>trên</a:t>
+            </a:r>
+            <a:r>
+              <a:rPr lang="en-US" dirty="0"/>
+              <a:t> Android </a:t>
+            </a:r>
+            <a:r>
+              <a:rPr lang="en-US" dirty="0" err="1"/>
+              <a:t>được</a:t>
+            </a:r>
+            <a:r>
+              <a:rPr lang="en-US" dirty="0"/>
+              <a:t> </a:t>
+            </a:r>
+            <a:r>
+              <a:rPr lang="en-US" dirty="0" err="1"/>
+              <a:t>ra</a:t>
+            </a:r>
+            <a:r>
+              <a:rPr lang="en-US" dirty="0"/>
+              <a:t> </a:t>
+            </a:r>
+            <a:r>
+              <a:rPr lang="en-US" dirty="0" err="1"/>
+              <a:t>đời</a:t>
+            </a:r>
+            <a:r>
+              <a:rPr lang="en-US" dirty="0"/>
+              <a:t>.</a:t>
+            </a:r>
+          </a:p>
+          <a:p>
+            <a:pPr marL="285750" indent="-285750">
+              <a:buFont typeface="Arial" panose="020B0604020202020204" pitchFamily="34" charset="0"/>
+              <a:buChar char="•"/>
+            </a:pPr>
+            <a:r>
+              <a:rPr lang="en-US" dirty="0" err="1"/>
+              <a:t>Ứng</a:t>
+            </a:r>
+            <a:r>
+              <a:rPr lang="en-US" dirty="0"/>
+              <a:t> </a:t>
+            </a:r>
+            <a:r>
+              <a:rPr lang="en-US" dirty="0" err="1"/>
+              <a:t>dụng</a:t>
+            </a:r>
+            <a:r>
+              <a:rPr lang="en-US" dirty="0"/>
+              <a:t> </a:t>
+            </a:r>
+            <a:r>
+              <a:rPr lang="en-US" dirty="0" err="1"/>
+              <a:t>BAOMOI</a:t>
+            </a:r>
+            <a:r>
+              <a:rPr lang="en-US" dirty="0"/>
+              <a:t> </a:t>
+            </a:r>
+            <a:r>
+              <a:rPr lang="en-US" dirty="0" err="1"/>
+              <a:t>có</a:t>
+            </a:r>
+            <a:r>
+              <a:rPr lang="en-US" dirty="0"/>
+              <a:t> </a:t>
+            </a:r>
+            <a:r>
+              <a:rPr lang="en-US" dirty="0" err="1"/>
+              <a:t>thiết</a:t>
+            </a:r>
+            <a:r>
+              <a:rPr lang="en-US" dirty="0"/>
+              <a:t> </a:t>
+            </a:r>
+            <a:r>
+              <a:rPr lang="en-US" dirty="0" err="1"/>
+              <a:t>kế</a:t>
+            </a:r>
+            <a:r>
+              <a:rPr lang="en-US" dirty="0"/>
+              <a:t> </a:t>
+            </a:r>
+            <a:r>
+              <a:rPr lang="en-US" dirty="0" err="1"/>
+              <a:t>đơn</a:t>
+            </a:r>
+            <a:r>
+              <a:rPr lang="en-US" dirty="0"/>
+              <a:t> </a:t>
+            </a:r>
+            <a:r>
+              <a:rPr lang="en-US" dirty="0" err="1"/>
+              <a:t>giản</a:t>
+            </a:r>
+            <a:r>
+              <a:rPr lang="en-US" dirty="0"/>
+              <a:t>, </a:t>
+            </a:r>
+            <a:r>
+              <a:rPr lang="en-US" dirty="0" err="1"/>
+              <a:t>tốc</a:t>
+            </a:r>
+            <a:r>
+              <a:rPr lang="en-US" dirty="0"/>
+              <a:t> </a:t>
+            </a:r>
+            <a:r>
+              <a:rPr lang="en-US" dirty="0" err="1"/>
+              <a:t>độ</a:t>
+            </a:r>
+            <a:r>
+              <a:rPr lang="en-US" dirty="0"/>
+              <a:t> </a:t>
+            </a:r>
+            <a:r>
+              <a:rPr lang="en-US" dirty="0" err="1"/>
+              <a:t>truy</a:t>
+            </a:r>
+            <a:r>
+              <a:rPr lang="en-US" dirty="0"/>
+              <a:t> </a:t>
+            </a:r>
+            <a:r>
+              <a:rPr lang="en-US" dirty="0" err="1"/>
+              <a:t>cập</a:t>
+            </a:r>
+            <a:r>
+              <a:rPr lang="en-US" dirty="0"/>
+              <a:t> </a:t>
+            </a:r>
+            <a:r>
+              <a:rPr lang="en-US" dirty="0" err="1"/>
+              <a:t>nhanh</a:t>
+            </a:r>
+            <a:r>
+              <a:rPr lang="en-US" dirty="0"/>
+              <a:t>, </a:t>
+            </a:r>
+            <a:r>
+              <a:rPr lang="en-US" dirty="0" err="1"/>
+              <a:t>hoạt</a:t>
+            </a:r>
+            <a:r>
+              <a:rPr lang="en-US" dirty="0"/>
+              <a:t> </a:t>
+            </a:r>
+            <a:r>
+              <a:rPr lang="en-US" dirty="0" err="1"/>
+              <a:t>động</a:t>
+            </a:r>
+            <a:r>
+              <a:rPr lang="en-US" dirty="0"/>
+              <a:t> </a:t>
+            </a:r>
+            <a:r>
+              <a:rPr lang="en-US" dirty="0" err="1"/>
+              <a:t>mượt</a:t>
+            </a:r>
+            <a:r>
+              <a:rPr lang="en-US" dirty="0"/>
+              <a:t>, </a:t>
+            </a:r>
+            <a:r>
+              <a:rPr lang="en-US" dirty="0" err="1"/>
+              <a:t>tiết</a:t>
+            </a:r>
+            <a:r>
+              <a:rPr lang="en-US" dirty="0"/>
+              <a:t> </a:t>
+            </a:r>
+            <a:r>
+              <a:rPr lang="en-US" dirty="0" err="1"/>
+              <a:t>kiệm</a:t>
+            </a:r>
+            <a:r>
+              <a:rPr lang="en-US" dirty="0"/>
+              <a:t> </a:t>
+            </a:r>
+            <a:r>
+              <a:rPr lang="en-US" dirty="0" err="1"/>
+              <a:t>thời</a:t>
+            </a:r>
+            <a:r>
+              <a:rPr lang="en-US" dirty="0"/>
+              <a:t> </a:t>
+            </a:r>
+            <a:r>
+              <a:rPr lang="en-US" dirty="0" err="1"/>
+              <a:t>gian</a:t>
+            </a:r>
+            <a:r>
+              <a:rPr lang="en-US" dirty="0"/>
+              <a:t> </a:t>
+            </a:r>
+            <a:r>
+              <a:rPr lang="en-US" dirty="0" err="1"/>
+              <a:t>cho</a:t>
+            </a:r>
+            <a:r>
+              <a:rPr lang="en-US" dirty="0"/>
+              <a:t> </a:t>
+            </a:r>
+            <a:r>
+              <a:rPr lang="en-US" dirty="0" err="1"/>
+              <a:t>độc</a:t>
+            </a:r>
+            <a:r>
+              <a:rPr lang="en-US" dirty="0"/>
+              <a:t> </a:t>
+            </a:r>
+            <a:r>
+              <a:rPr lang="en-US" dirty="0" err="1"/>
+              <a:t>giả</a:t>
+            </a:r>
+            <a:r>
+              <a:rPr lang="en-US" dirty="0"/>
+              <a:t>.</a:t>
+            </a:r>
+          </a:p>
+        </p:txBody>
+      </p:sp>
+    </p:spTree>
+    <p:extLst>
+      <p:ext uri="{BB962C8B-B14F-4D97-AF65-F5344CB8AC3E}">
+        <p14:creationId xmlns:p14="http://schemas.microsoft.com/office/powerpoint/2010/main" val="4179052680"/>
+      </p:ext>
+    </p:extLst>
+  </p:cSld>
+  <p:clrMapOvr>
+    <a:masterClrMapping/>
+  </p:clrMapOvr>
+  <p:timing>
+    <p:tnLst>
+      <p:par>
+        <p:cTn id="1" dur="indefinite" restart="never" nodeType="tmRoot"/>
+      </p:par>
+    </p:tnLst>
+  </p:timing>
+</p:sld>
+</file>
+
+<file path=ppt/slides/slide4.xml><?xml version="1.0" encoding="utf-8"?>
+<p:sld xmlns:a="http://schemas.openxmlformats.org/drawingml/2006/main" xmlns:r="http://schemas.openxmlformats.org/officeDocument/2006/relationships" xmlns:p="http://schemas.openxmlformats.org/presentationml/2006/main">
+  <p:cSld>
+    <p:spTree>
+      <p:nvGrpSpPr>
+        <p:cNvPr id="1" name=""/>
+        <p:cNvGrpSpPr/>
+        <p:nvPr/>
+      </p:nvGrpSpPr>
+      <p:grpSpPr>
+        <a:xfrm>
+          <a:off x="0" y="0"/>
+          <a:ext cx="0" cy="0"/>
+          <a:chOff x="0" y="0"/>
+          <a:chExt cx="0" cy="0"/>
+        </a:xfrm>
+      </p:grpSpPr>
+      <p:pic>
+        <p:nvPicPr>
+          <p:cNvPr id="56" name="Picture 5" descr="Káº¿t quáº£ hÃ¬nh áº£nh cho slide uit">
+            <a:extLst>
+              <a:ext uri="{FF2B5EF4-FFF2-40B4-BE49-F238E27FC236}">
+                <a16:creationId xmlns:a16="http://schemas.microsoft.com/office/drawing/2014/main" id="{789813E5-DB70-4801-B306-DB858663271F}"/>
+              </a:ext>
+            </a:extLst>
+          </p:cNvPr>
+          <p:cNvPicPr>
+            <a:picLocks noChangeAspect="1" noChangeArrowheads="1"/>
+          </p:cNvPicPr>
+          <p:nvPr/>
+        </p:nvPicPr>
+        <p:blipFill>
+          <a:blip r:embed="rId2">
+            <a:extLst>
+              <a:ext uri="{28A0092B-C50C-407E-A947-70E740481C1C}">
+                <a14:useLocalDpi xmlns:a14="http://schemas.microsoft.com/office/drawing/2010/main" val="0"/>
+              </a:ext>
+            </a:extLst>
+          </a:blip>
+          <a:srcRect/>
+          <a:stretch>
+            <a:fillRect/>
+          </a:stretch>
+        </p:blipFill>
+        <p:spPr bwMode="auto">
+          <a:xfrm>
+            <a:off x="0" y="0"/>
+            <a:ext cx="12192000" cy="6873949"/>
+          </a:xfrm>
+          <a:prstGeom prst="rect">
+            <a:avLst/>
+          </a:prstGeom>
+          <a:noFill/>
+          <a:extLst>
+            <a:ext uri="{909E8E84-426E-40DD-AFC4-6F175D3DCCD1}">
+              <a14:hiddenFill xmlns:a14="http://schemas.microsoft.com/office/drawing/2010/main">
+                <a:solidFill>
+                  <a:srgbClr val="FFFFFF"/>
+                </a:solidFill>
+              </a14:hiddenFill>
+            </a:ext>
+          </a:extLst>
+        </p:spPr>
+      </p:pic>
+      <p:sp>
+        <p:nvSpPr>
+          <p:cNvPr id="1044" name="Rectangle 1043">
+            <a:extLst>
+              <a:ext uri="{FF2B5EF4-FFF2-40B4-BE49-F238E27FC236}">
+                <a16:creationId xmlns:a16="http://schemas.microsoft.com/office/drawing/2014/main" id="{DD1EAB01-859A-49D8-9BFB-1F0C2BE4428A}"/>
+              </a:ext>
+            </a:extLst>
+          </p:cNvPr>
+          <p:cNvSpPr/>
+          <p:nvPr/>
+        </p:nvSpPr>
+        <p:spPr>
+          <a:xfrm>
+            <a:off x="4615467" y="33352"/>
+            <a:ext cx="2961067" cy="923330"/>
+          </a:xfrm>
+          <a:prstGeom prst="rect">
+            <a:avLst/>
+          </a:prstGeom>
+          <a:noFill/>
+        </p:spPr>
+        <p:txBody>
+          <a:bodyPr wrap="none" lIns="91440" tIns="45720" rIns="91440" bIns="45720">
+            <a:spAutoFit/>
+          </a:bodyPr>
+          <a:lstStyle/>
+          <a:p>
+            <a:pPr algn="ctr"/>
+            <a:r>
+              <a:rPr lang="en-US" sz="5400" b="0" cap="none" spc="0" dirty="0" err="1" smtClean="0">
+                <a:ln w="0"/>
+                <a:solidFill>
+                  <a:schemeClr val="accent1"/>
+                </a:solidFill>
+                <a:effectLst>
+                  <a:outerShdw blurRad="38100" dist="25400" dir="5400000" algn="ctr" rotWithShape="0">
+                    <a:srgbClr val="6E747A">
+                      <a:alpha val="43000"/>
+                    </a:srgbClr>
+                  </a:outerShdw>
+                </a:effectLst>
+              </a:rPr>
+              <a:t>Giới</a:t>
+            </a:r>
+            <a:r>
+              <a:rPr lang="en-US" sz="5400" b="0" cap="none" spc="0" dirty="0" smtClean="0">
+                <a:ln w="0"/>
+                <a:solidFill>
+                  <a:schemeClr val="accent1"/>
+                </a:solidFill>
+                <a:effectLst>
+                  <a:outerShdw blurRad="38100" dist="25400" dir="5400000" algn="ctr" rotWithShape="0">
+                    <a:srgbClr val="6E747A">
+                      <a:alpha val="43000"/>
+                    </a:srgbClr>
+                  </a:outerShdw>
+                </a:effectLst>
+              </a:rPr>
+              <a:t> </a:t>
+            </a:r>
+            <a:r>
+              <a:rPr lang="en-US" sz="5400" b="0" cap="none" spc="0" dirty="0" err="1" smtClean="0">
+                <a:ln w="0"/>
+                <a:solidFill>
+                  <a:schemeClr val="accent1"/>
+                </a:solidFill>
+                <a:effectLst>
+                  <a:outerShdw blurRad="38100" dist="25400" dir="5400000" algn="ctr" rotWithShape="0">
+                    <a:srgbClr val="6E747A">
+                      <a:alpha val="43000"/>
+                    </a:srgbClr>
+                  </a:outerShdw>
+                </a:effectLst>
+              </a:rPr>
+              <a:t>thiệu</a:t>
+            </a:r>
+            <a:endParaRPr lang="en-US" sz="5400" b="0" cap="none" spc="0" dirty="0">
+              <a:ln w="0"/>
+              <a:solidFill>
+                <a:schemeClr val="accent1"/>
+              </a:solidFill>
+              <a:effectLst>
+                <a:outerShdw blurRad="38100" dist="25400" dir="5400000" algn="ctr" rotWithShape="0">
+                  <a:srgbClr val="6E747A">
+                    <a:alpha val="43000"/>
+                  </a:srgbClr>
+                </a:outerShdw>
+              </a:effectLst>
+            </a:endParaRPr>
+          </a:p>
+        </p:txBody>
+      </p:sp>
+      <p:pic>
+        <p:nvPicPr>
+          <p:cNvPr id="5" name="image4.png"/>
+          <p:cNvPicPr/>
+          <p:nvPr/>
+        </p:nvPicPr>
+        <p:blipFill>
+          <a:blip r:embed="rId3"/>
+          <a:srcRect/>
+          <a:stretch>
+            <a:fillRect/>
+          </a:stretch>
+        </p:blipFill>
+        <p:spPr>
+          <a:xfrm>
+            <a:off x="2342965" y="2235749"/>
+            <a:ext cx="6827668" cy="3774434"/>
+          </a:xfrm>
+          <a:prstGeom prst="rect">
+            <a:avLst/>
+          </a:prstGeom>
+          <a:ln/>
+        </p:spPr>
+      </p:pic>
+      <p:sp>
+        <p:nvSpPr>
+          <p:cNvPr id="2" name="Rectangle 1"/>
+          <p:cNvSpPr/>
+          <p:nvPr/>
+        </p:nvSpPr>
+        <p:spPr>
+          <a:xfrm>
+            <a:off x="1774495" y="1743404"/>
+            <a:ext cx="2406428" cy="369332"/>
+          </a:xfrm>
+          <a:prstGeom prst="rect">
+            <a:avLst/>
+          </a:prstGeom>
+        </p:spPr>
+        <p:txBody>
+          <a:bodyPr wrap="none">
+            <a:spAutoFit/>
+          </a:bodyPr>
+          <a:lstStyle/>
+          <a:p>
+            <a:pPr lvl="1"/>
+            <a:r>
+              <a:rPr lang="en-US" b="1" dirty="0" err="1">
+                <a:solidFill>
+                  <a:srgbClr val="000000"/>
+                </a:solidFill>
+              </a:rPr>
+              <a:t>Kiến</a:t>
+            </a:r>
+            <a:r>
+              <a:rPr lang="en-US" b="1" dirty="0">
+                <a:solidFill>
+                  <a:srgbClr val="000000"/>
+                </a:solidFill>
+              </a:rPr>
+              <a:t> </a:t>
+            </a:r>
+            <a:r>
+              <a:rPr lang="en-US" b="1" dirty="0" err="1">
+                <a:solidFill>
+                  <a:srgbClr val="000000"/>
+                </a:solidFill>
+              </a:rPr>
+              <a:t>trúc</a:t>
+            </a:r>
+            <a:r>
+              <a:rPr lang="en-US" b="1" dirty="0">
+                <a:solidFill>
+                  <a:srgbClr val="000000"/>
+                </a:solidFill>
+              </a:rPr>
+              <a:t> </a:t>
+            </a:r>
+            <a:r>
+              <a:rPr lang="en-US" b="1" dirty="0" err="1">
+                <a:solidFill>
+                  <a:srgbClr val="000000"/>
+                </a:solidFill>
+              </a:rPr>
+              <a:t>hệ</a:t>
+            </a:r>
+            <a:r>
+              <a:rPr lang="en-US" b="1" dirty="0">
+                <a:solidFill>
+                  <a:srgbClr val="000000"/>
+                </a:solidFill>
+              </a:rPr>
+              <a:t> </a:t>
+            </a:r>
+            <a:r>
+              <a:rPr lang="en-US" b="1" dirty="0" err="1">
+                <a:solidFill>
+                  <a:srgbClr val="000000"/>
+                </a:solidFill>
+              </a:rPr>
+              <a:t>thống</a:t>
+            </a:r>
+            <a:endParaRPr lang="en-US" dirty="0">
+              <a:effectLst/>
+            </a:endParaRPr>
+          </a:p>
+        </p:txBody>
+      </p:sp>
+    </p:spTree>
+    <p:extLst>
+      <p:ext uri="{BB962C8B-B14F-4D97-AF65-F5344CB8AC3E}">
+        <p14:creationId xmlns:p14="http://schemas.microsoft.com/office/powerpoint/2010/main" val="1039406484"/>
+      </p:ext>
+    </p:extLst>
+  </p:cSld>
+  <p:clrMapOvr>
+    <a:masterClrMapping/>
+  </p:clrMapOvr>
+  <p:timing>
+    <p:tnLst>
+      <p:par>
+        <p:cTn id="1" dur="indefinite" restart="never" nodeType="tmRoot"/>
+      </p:par>
+    </p:tnLst>
+  </p:timing>
+</p:sld>
+</file>
+
+<file path=ppt/slides/slide5.xml><?xml version="1.0" encoding="utf-8"?>
 <p:sld xmlns:a="http://schemas.openxmlformats.org/drawingml/2006/main" xmlns:r="http://schemas.openxmlformats.org/officeDocument/2006/relationships" xmlns:p="http://schemas.openxmlformats.org/presentationml/2006/main">
   <p:cSld>
     <p:spTree>
@@ -5014,6 +7949,543 @@
           </a:p>
         </p:txBody>
       </p:sp>
+      <p:sp>
+        <p:nvSpPr>
+          <p:cNvPr id="3" name="Rectangle 2"/>
+          <p:cNvSpPr/>
+          <p:nvPr/>
+        </p:nvSpPr>
+        <p:spPr>
+          <a:xfrm>
+            <a:off x="7916038" y="4617601"/>
+            <a:ext cx="3306618" cy="2031325"/>
+          </a:xfrm>
+          <a:prstGeom prst="rect">
+            <a:avLst/>
+          </a:prstGeom>
+        </p:spPr>
+        <p:txBody>
+          <a:bodyPr wrap="square">
+            <a:spAutoFit/>
+          </a:bodyPr>
+          <a:lstStyle/>
+          <a:p>
+            <a:pPr lvl="1" algn="just"/>
+            <a:r>
+              <a:rPr lang="en-US" dirty="0" err="1">
+                <a:solidFill>
+                  <a:srgbClr val="000000"/>
+                </a:solidFill>
+                <a:latin typeface="Noto Sans Symbols"/>
+                <a:ea typeface="Noto Sans Symbols"/>
+                <a:cs typeface="Noto Sans Symbols"/>
+              </a:rPr>
+              <a:t>Phía</a:t>
+            </a:r>
+            <a:r>
+              <a:rPr lang="en-US" dirty="0">
+                <a:solidFill>
+                  <a:srgbClr val="000000"/>
+                </a:solidFill>
+                <a:latin typeface="Noto Sans Symbols"/>
+                <a:ea typeface="Noto Sans Symbols"/>
+                <a:cs typeface="Noto Sans Symbols"/>
+              </a:rPr>
+              <a:t> client </a:t>
+            </a:r>
+            <a:r>
+              <a:rPr lang="en-US" dirty="0" err="1">
+                <a:solidFill>
+                  <a:srgbClr val="000000"/>
+                </a:solidFill>
+                <a:latin typeface="Noto Sans Symbols"/>
+                <a:ea typeface="Noto Sans Symbols"/>
+                <a:cs typeface="Noto Sans Symbols"/>
+              </a:rPr>
+              <a:t>gọi</a:t>
+            </a:r>
+            <a:r>
+              <a:rPr lang="en-US" dirty="0">
+                <a:solidFill>
+                  <a:srgbClr val="000000"/>
+                </a:solidFill>
+                <a:latin typeface="Noto Sans Symbols"/>
+                <a:ea typeface="Noto Sans Symbols"/>
+                <a:cs typeface="Noto Sans Symbols"/>
+              </a:rPr>
+              <a:t> API </a:t>
+            </a:r>
+            <a:r>
+              <a:rPr lang="en-US" dirty="0" err="1">
+                <a:solidFill>
+                  <a:srgbClr val="000000"/>
+                </a:solidFill>
+                <a:latin typeface="Noto Sans Symbols"/>
+                <a:ea typeface="Noto Sans Symbols"/>
+                <a:cs typeface="Noto Sans Symbols"/>
+              </a:rPr>
+              <a:t>lên</a:t>
+            </a:r>
+            <a:r>
+              <a:rPr lang="en-US" dirty="0">
+                <a:solidFill>
+                  <a:srgbClr val="000000"/>
+                </a:solidFill>
+                <a:latin typeface="Noto Sans Symbols"/>
+                <a:ea typeface="Noto Sans Symbols"/>
+                <a:cs typeface="Noto Sans Symbols"/>
+              </a:rPr>
+              <a:t> server </a:t>
+            </a:r>
+            <a:r>
+              <a:rPr lang="en-US" dirty="0" err="1">
+                <a:solidFill>
+                  <a:srgbClr val="000000"/>
+                </a:solidFill>
+                <a:latin typeface="Noto Sans Symbols"/>
+                <a:ea typeface="Noto Sans Symbols"/>
+                <a:cs typeface="Noto Sans Symbols"/>
+              </a:rPr>
+              <a:t>để</a:t>
+            </a:r>
+            <a:r>
+              <a:rPr lang="en-US" dirty="0">
+                <a:solidFill>
+                  <a:srgbClr val="000000"/>
+                </a:solidFill>
+                <a:latin typeface="Noto Sans Symbols"/>
+                <a:ea typeface="Noto Sans Symbols"/>
+                <a:cs typeface="Noto Sans Symbols"/>
+              </a:rPr>
+              <a:t> </a:t>
+            </a:r>
+            <a:r>
+              <a:rPr lang="en-US" dirty="0" err="1">
+                <a:solidFill>
+                  <a:srgbClr val="000000"/>
+                </a:solidFill>
+                <a:latin typeface="Noto Sans Symbols"/>
+                <a:ea typeface="Noto Sans Symbols"/>
+                <a:cs typeface="Noto Sans Symbols"/>
+              </a:rPr>
+              <a:t>lấy</a:t>
+            </a:r>
+            <a:r>
+              <a:rPr lang="en-US" dirty="0">
+                <a:solidFill>
+                  <a:srgbClr val="000000"/>
+                </a:solidFill>
+                <a:latin typeface="Noto Sans Symbols"/>
+                <a:ea typeface="Noto Sans Symbols"/>
+                <a:cs typeface="Noto Sans Symbols"/>
+              </a:rPr>
+              <a:t> </a:t>
+            </a:r>
+            <a:r>
+              <a:rPr lang="en-US" dirty="0" err="1">
+                <a:solidFill>
+                  <a:srgbClr val="000000"/>
+                </a:solidFill>
+                <a:latin typeface="Noto Sans Symbols"/>
+                <a:ea typeface="Noto Sans Symbols"/>
+                <a:cs typeface="Noto Sans Symbols"/>
+              </a:rPr>
+              <a:t>danh</a:t>
+            </a:r>
+            <a:r>
+              <a:rPr lang="en-US" dirty="0">
+                <a:solidFill>
+                  <a:srgbClr val="000000"/>
+                </a:solidFill>
+                <a:latin typeface="Noto Sans Symbols"/>
+                <a:ea typeface="Noto Sans Symbols"/>
+                <a:cs typeface="Noto Sans Symbols"/>
+              </a:rPr>
+              <a:t> </a:t>
+            </a:r>
+            <a:r>
+              <a:rPr lang="en-US" dirty="0" err="1">
+                <a:solidFill>
+                  <a:srgbClr val="000000"/>
+                </a:solidFill>
+                <a:latin typeface="Noto Sans Symbols"/>
+                <a:ea typeface="Noto Sans Symbols"/>
+                <a:cs typeface="Noto Sans Symbols"/>
+              </a:rPr>
+              <a:t>sách</a:t>
+            </a:r>
+            <a:r>
+              <a:rPr lang="en-US" dirty="0">
+                <a:solidFill>
+                  <a:srgbClr val="000000"/>
+                </a:solidFill>
+                <a:latin typeface="Noto Sans Symbols"/>
+                <a:ea typeface="Noto Sans Symbols"/>
+                <a:cs typeface="Noto Sans Symbols"/>
+              </a:rPr>
+              <a:t> </a:t>
+            </a:r>
+            <a:r>
+              <a:rPr lang="en-US" dirty="0" err="1">
+                <a:solidFill>
+                  <a:srgbClr val="000000"/>
+                </a:solidFill>
+                <a:latin typeface="Noto Sans Symbols"/>
+                <a:ea typeface="Noto Sans Symbols"/>
+                <a:cs typeface="Noto Sans Symbols"/>
+              </a:rPr>
+              <a:t>bài</a:t>
+            </a:r>
+            <a:r>
+              <a:rPr lang="en-US" dirty="0">
+                <a:solidFill>
+                  <a:srgbClr val="000000"/>
+                </a:solidFill>
+                <a:latin typeface="Noto Sans Symbols"/>
+                <a:ea typeface="Noto Sans Symbols"/>
+                <a:cs typeface="Noto Sans Symbols"/>
+              </a:rPr>
+              <a:t> </a:t>
+            </a:r>
+            <a:r>
+              <a:rPr lang="en-US" dirty="0" err="1">
+                <a:solidFill>
+                  <a:srgbClr val="000000"/>
+                </a:solidFill>
+                <a:latin typeface="Noto Sans Symbols"/>
+                <a:ea typeface="Noto Sans Symbols"/>
+                <a:cs typeface="Noto Sans Symbols"/>
+              </a:rPr>
+              <a:t>báo</a:t>
+            </a:r>
+            <a:r>
+              <a:rPr lang="en-US" dirty="0">
+                <a:solidFill>
+                  <a:srgbClr val="000000"/>
+                </a:solidFill>
+                <a:latin typeface="Noto Sans Symbols"/>
+                <a:ea typeface="Noto Sans Symbols"/>
+                <a:cs typeface="Noto Sans Symbols"/>
+              </a:rPr>
+              <a:t> </a:t>
+            </a:r>
+            <a:r>
+              <a:rPr lang="en-US" dirty="0" err="1">
+                <a:solidFill>
+                  <a:srgbClr val="000000"/>
+                </a:solidFill>
+                <a:latin typeface="Noto Sans Symbols"/>
+                <a:ea typeface="Noto Sans Symbols"/>
+                <a:cs typeface="Noto Sans Symbols"/>
+              </a:rPr>
+              <a:t>và</a:t>
+            </a:r>
+            <a:r>
+              <a:rPr lang="en-US" dirty="0">
+                <a:solidFill>
+                  <a:srgbClr val="000000"/>
+                </a:solidFill>
+                <a:latin typeface="Noto Sans Symbols"/>
+                <a:ea typeface="Noto Sans Symbols"/>
+                <a:cs typeface="Noto Sans Symbols"/>
+              </a:rPr>
+              <a:t> </a:t>
+            </a:r>
+            <a:r>
+              <a:rPr lang="en-US" dirty="0" err="1">
+                <a:solidFill>
+                  <a:srgbClr val="000000"/>
+                </a:solidFill>
+                <a:latin typeface="Noto Sans Symbols"/>
+                <a:ea typeface="Noto Sans Symbols"/>
+                <a:cs typeface="Noto Sans Symbols"/>
+              </a:rPr>
+              <a:t>hiển</a:t>
+            </a:r>
+            <a:r>
+              <a:rPr lang="en-US" dirty="0">
+                <a:solidFill>
+                  <a:srgbClr val="000000"/>
+                </a:solidFill>
+                <a:latin typeface="Noto Sans Symbols"/>
+                <a:ea typeface="Noto Sans Symbols"/>
+                <a:cs typeface="Noto Sans Symbols"/>
+              </a:rPr>
+              <a:t> </a:t>
+            </a:r>
+            <a:r>
+              <a:rPr lang="en-US" dirty="0" err="1">
+                <a:solidFill>
+                  <a:srgbClr val="000000"/>
+                </a:solidFill>
+                <a:latin typeface="Noto Sans Symbols"/>
+                <a:ea typeface="Noto Sans Symbols"/>
+                <a:cs typeface="Noto Sans Symbols"/>
+              </a:rPr>
+              <a:t>thị</a:t>
+            </a:r>
+            <a:r>
+              <a:rPr lang="en-US" dirty="0">
+                <a:solidFill>
+                  <a:srgbClr val="000000"/>
+                </a:solidFill>
+                <a:latin typeface="Noto Sans Symbols"/>
+                <a:ea typeface="Noto Sans Symbols"/>
+                <a:cs typeface="Noto Sans Symbols"/>
+              </a:rPr>
+              <a:t> </a:t>
+            </a:r>
+            <a:r>
+              <a:rPr lang="en-US" dirty="0" err="1">
+                <a:solidFill>
+                  <a:srgbClr val="000000"/>
+                </a:solidFill>
+                <a:latin typeface="Noto Sans Symbols"/>
+                <a:ea typeface="Noto Sans Symbols"/>
+                <a:cs typeface="Noto Sans Symbols"/>
+              </a:rPr>
+              <a:t>lên</a:t>
+            </a:r>
+            <a:r>
+              <a:rPr lang="en-US" dirty="0">
+                <a:solidFill>
+                  <a:srgbClr val="000000"/>
+                </a:solidFill>
+                <a:latin typeface="Noto Sans Symbols"/>
+                <a:ea typeface="Noto Sans Symbols"/>
+                <a:cs typeface="Noto Sans Symbols"/>
+              </a:rPr>
+              <a:t> </a:t>
+            </a:r>
+            <a:r>
+              <a:rPr lang="en-US" dirty="0" err="1">
+                <a:solidFill>
+                  <a:srgbClr val="000000"/>
+                </a:solidFill>
+                <a:latin typeface="Noto Sans Symbols"/>
+                <a:ea typeface="Noto Sans Symbols"/>
+                <a:cs typeface="Noto Sans Symbols"/>
+              </a:rPr>
+              <a:t>giao</a:t>
+            </a:r>
+            <a:r>
+              <a:rPr lang="en-US" dirty="0">
+                <a:solidFill>
+                  <a:srgbClr val="000000"/>
+                </a:solidFill>
+                <a:latin typeface="Noto Sans Symbols"/>
+                <a:ea typeface="Noto Sans Symbols"/>
+                <a:cs typeface="Noto Sans Symbols"/>
+              </a:rPr>
+              <a:t> </a:t>
+            </a:r>
+            <a:r>
+              <a:rPr lang="en-US" dirty="0" err="1">
+                <a:solidFill>
+                  <a:srgbClr val="000000"/>
+                </a:solidFill>
+                <a:latin typeface="Noto Sans Symbols"/>
+                <a:ea typeface="Noto Sans Symbols"/>
+                <a:cs typeface="Noto Sans Symbols"/>
+              </a:rPr>
+              <a:t>diện</a:t>
+            </a:r>
+            <a:r>
+              <a:rPr lang="en-US" dirty="0">
+                <a:solidFill>
+                  <a:srgbClr val="000000"/>
+                </a:solidFill>
+                <a:latin typeface="Noto Sans Symbols"/>
+                <a:ea typeface="Noto Sans Symbols"/>
+                <a:cs typeface="Noto Sans Symbols"/>
+              </a:rPr>
+              <a:t>. </a:t>
+            </a:r>
+            <a:r>
+              <a:rPr lang="en-US" dirty="0" err="1">
+                <a:solidFill>
+                  <a:srgbClr val="000000"/>
+                </a:solidFill>
+                <a:latin typeface="Noto Sans Symbols"/>
+                <a:ea typeface="Noto Sans Symbols"/>
+                <a:cs typeface="Noto Sans Symbols"/>
+              </a:rPr>
+              <a:t>Phía</a:t>
+            </a:r>
+            <a:r>
+              <a:rPr lang="en-US" dirty="0">
+                <a:solidFill>
+                  <a:srgbClr val="000000"/>
+                </a:solidFill>
+                <a:latin typeface="Noto Sans Symbols"/>
+                <a:ea typeface="Noto Sans Symbols"/>
+                <a:cs typeface="Noto Sans Symbols"/>
+              </a:rPr>
+              <a:t> server crawler </a:t>
+            </a:r>
+            <a:r>
+              <a:rPr lang="en-US" dirty="0" err="1">
+                <a:solidFill>
+                  <a:srgbClr val="000000"/>
+                </a:solidFill>
+                <a:latin typeface="Noto Sans Symbols"/>
+                <a:ea typeface="Noto Sans Symbols"/>
+                <a:cs typeface="Noto Sans Symbols"/>
+              </a:rPr>
+              <a:t>dữ</a:t>
+            </a:r>
+            <a:r>
+              <a:rPr lang="en-US" dirty="0">
+                <a:solidFill>
+                  <a:srgbClr val="000000"/>
+                </a:solidFill>
+                <a:latin typeface="Noto Sans Symbols"/>
+                <a:ea typeface="Noto Sans Symbols"/>
+                <a:cs typeface="Noto Sans Symbols"/>
+              </a:rPr>
+              <a:t> </a:t>
+            </a:r>
+            <a:r>
+              <a:rPr lang="en-US" dirty="0" err="1">
+                <a:solidFill>
+                  <a:srgbClr val="000000"/>
+                </a:solidFill>
+                <a:latin typeface="Noto Sans Symbols"/>
+                <a:ea typeface="Noto Sans Symbols"/>
+                <a:cs typeface="Noto Sans Symbols"/>
+              </a:rPr>
+              <a:t>liệu</a:t>
+            </a:r>
+            <a:r>
+              <a:rPr lang="en-US" dirty="0">
+                <a:solidFill>
+                  <a:srgbClr val="000000"/>
+                </a:solidFill>
+                <a:latin typeface="Noto Sans Symbols"/>
+                <a:ea typeface="Noto Sans Symbols"/>
+                <a:cs typeface="Noto Sans Symbols"/>
+              </a:rPr>
+              <a:t> </a:t>
+            </a:r>
+            <a:r>
+              <a:rPr lang="en-US" dirty="0" err="1">
+                <a:solidFill>
+                  <a:srgbClr val="000000"/>
+                </a:solidFill>
+                <a:latin typeface="Noto Sans Symbols"/>
+                <a:ea typeface="Noto Sans Symbols"/>
+                <a:cs typeface="Noto Sans Symbols"/>
+              </a:rPr>
+              <a:t>và</a:t>
+            </a:r>
+            <a:r>
+              <a:rPr lang="en-US" dirty="0">
+                <a:solidFill>
+                  <a:srgbClr val="000000"/>
+                </a:solidFill>
+                <a:latin typeface="Noto Sans Symbols"/>
+                <a:ea typeface="Noto Sans Symbols"/>
+                <a:cs typeface="Noto Sans Symbols"/>
+              </a:rPr>
+              <a:t> </a:t>
+            </a:r>
+            <a:r>
+              <a:rPr lang="en-US" dirty="0" err="1">
+                <a:solidFill>
+                  <a:srgbClr val="000000"/>
+                </a:solidFill>
+                <a:latin typeface="Noto Sans Symbols"/>
+                <a:ea typeface="Noto Sans Symbols"/>
+                <a:cs typeface="Noto Sans Symbols"/>
+              </a:rPr>
+              <a:t>trả</a:t>
+            </a:r>
+            <a:r>
+              <a:rPr lang="en-US" dirty="0">
+                <a:solidFill>
+                  <a:srgbClr val="000000"/>
+                </a:solidFill>
+                <a:latin typeface="Noto Sans Symbols"/>
+                <a:ea typeface="Noto Sans Symbols"/>
+                <a:cs typeface="Noto Sans Symbols"/>
+              </a:rPr>
+              <a:t> trực </a:t>
+            </a:r>
+            <a:r>
+              <a:rPr lang="en-US" dirty="0" err="1">
+                <a:solidFill>
+                  <a:srgbClr val="000000"/>
+                </a:solidFill>
+                <a:latin typeface="Noto Sans Symbols"/>
+                <a:ea typeface="Noto Sans Symbols"/>
+                <a:cs typeface="Noto Sans Symbols"/>
+              </a:rPr>
+              <a:t>tiếp</a:t>
+            </a:r>
+            <a:r>
+              <a:rPr lang="en-US" dirty="0">
+                <a:solidFill>
+                  <a:srgbClr val="000000"/>
+                </a:solidFill>
+                <a:latin typeface="Noto Sans Symbols"/>
+                <a:ea typeface="Noto Sans Symbols"/>
+                <a:cs typeface="Noto Sans Symbols"/>
+              </a:rPr>
+              <a:t> </a:t>
+            </a:r>
+            <a:r>
+              <a:rPr lang="en-US" dirty="0" err="1">
+                <a:solidFill>
+                  <a:srgbClr val="000000"/>
+                </a:solidFill>
+                <a:latin typeface="Noto Sans Symbols"/>
+                <a:ea typeface="Noto Sans Symbols"/>
+                <a:cs typeface="Noto Sans Symbols"/>
+              </a:rPr>
+              <a:t>cho</a:t>
+            </a:r>
+            <a:r>
+              <a:rPr lang="en-US" dirty="0">
+                <a:solidFill>
+                  <a:srgbClr val="000000"/>
+                </a:solidFill>
+                <a:latin typeface="Noto Sans Symbols"/>
+                <a:ea typeface="Noto Sans Symbols"/>
+                <a:cs typeface="Noto Sans Symbols"/>
+              </a:rPr>
+              <a:t> client </a:t>
+            </a:r>
+            <a:r>
+              <a:rPr lang="en-US" dirty="0" err="1">
+                <a:solidFill>
+                  <a:srgbClr val="000000"/>
+                </a:solidFill>
+                <a:latin typeface="Noto Sans Symbols"/>
+                <a:ea typeface="Noto Sans Symbols"/>
+                <a:cs typeface="Noto Sans Symbols"/>
+              </a:rPr>
+              <a:t>thông</a:t>
+            </a:r>
+            <a:r>
+              <a:rPr lang="en-US" dirty="0">
+                <a:solidFill>
+                  <a:srgbClr val="000000"/>
+                </a:solidFill>
+                <a:latin typeface="Noto Sans Symbols"/>
+                <a:ea typeface="Noto Sans Symbols"/>
+                <a:cs typeface="Noto Sans Symbols"/>
+              </a:rPr>
+              <a:t> qua API.</a:t>
+            </a:r>
+            <a:endParaRPr lang="en-US" dirty="0">
+              <a:effectLst/>
+              <a:latin typeface="Noto Sans Symbols"/>
+              <a:ea typeface="Noto Sans Symbols"/>
+              <a:cs typeface="Noto Sans Symbols"/>
+            </a:endParaRPr>
+          </a:p>
+        </p:txBody>
+      </p:sp>
     </p:spTree>
     <p:extLst>
       <p:ext uri="{BB962C8B-B14F-4D97-AF65-F5344CB8AC3E}">
@@ -5024,10 +8496,17 @@
   <p:clrMapOvr>
     <a:masterClrMapping/>
   </p:clrMapOvr>
+  <p:timing>
+    <p:tnLst>
+      <p:par>
+        <p:cTn id="1" dur="indefinite" restart="never" nodeType="tmRoot"/>
+      </p:par>
+    </p:tnLst>
+  </p:timing>
 </p:sld>
 </file>
 
-<file path=ppt/slides/slide3.xml><?xml version="1.0" encoding="utf-8"?>
+<file path=ppt/slides/slide6.xml><?xml version="1.0" encoding="utf-8"?>
 <p:sld xmlns:a="http://schemas.openxmlformats.org/drawingml/2006/main" xmlns:r="http://schemas.openxmlformats.org/officeDocument/2006/relationships" xmlns:p="http://schemas.openxmlformats.org/presentationml/2006/main">
   <p:cSld>
     <p:spTree>
@@ -5939,6 +9418,323 @@
           </a:p>
         </p:txBody>
       </p:sp>
+      <p:sp>
+        <p:nvSpPr>
+          <p:cNvPr id="2" name="Rectangle 1"/>
+          <p:cNvSpPr/>
+          <p:nvPr/>
+        </p:nvSpPr>
+        <p:spPr>
+          <a:xfrm>
+            <a:off x="7901484" y="4339279"/>
+            <a:ext cx="3325355" cy="1200329"/>
+          </a:xfrm>
+          <a:prstGeom prst="rect">
+            <a:avLst/>
+          </a:prstGeom>
+        </p:spPr>
+        <p:txBody>
+          <a:bodyPr wrap="square">
+            <a:spAutoFit/>
+          </a:bodyPr>
+          <a:lstStyle/>
+          <a:p>
+            <a:pPr lvl="1" algn="just"/>
+            <a:r>
+              <a:rPr lang="en-US" dirty="0" err="1">
+                <a:solidFill>
+                  <a:srgbClr val="000000"/>
+                </a:solidFill>
+                <a:latin typeface="Noto Sans Symbols"/>
+                <a:ea typeface="Noto Sans Symbols"/>
+                <a:cs typeface="Noto Sans Symbols"/>
+              </a:rPr>
+              <a:t>Phía</a:t>
+            </a:r>
+            <a:r>
+              <a:rPr lang="en-US" dirty="0">
+                <a:solidFill>
+                  <a:srgbClr val="000000"/>
+                </a:solidFill>
+                <a:latin typeface="Noto Sans Symbols"/>
+                <a:ea typeface="Noto Sans Symbols"/>
+                <a:cs typeface="Noto Sans Symbols"/>
+              </a:rPr>
+              <a:t> client </a:t>
+            </a:r>
+            <a:r>
+              <a:rPr lang="en-US" dirty="0" err="1">
+                <a:solidFill>
+                  <a:srgbClr val="000000"/>
+                </a:solidFill>
+                <a:latin typeface="Noto Sans Symbols"/>
+                <a:ea typeface="Noto Sans Symbols"/>
+                <a:cs typeface="Noto Sans Symbols"/>
+              </a:rPr>
+              <a:t>gọi</a:t>
+            </a:r>
+            <a:r>
+              <a:rPr lang="en-US" dirty="0">
+                <a:solidFill>
+                  <a:srgbClr val="000000"/>
+                </a:solidFill>
+                <a:latin typeface="Noto Sans Symbols"/>
+                <a:ea typeface="Noto Sans Symbols"/>
+                <a:cs typeface="Noto Sans Symbols"/>
+              </a:rPr>
+              <a:t> API </a:t>
+            </a:r>
+            <a:r>
+              <a:rPr lang="en-US" dirty="0" err="1">
+                <a:solidFill>
+                  <a:srgbClr val="000000"/>
+                </a:solidFill>
+                <a:latin typeface="Noto Sans Symbols"/>
+                <a:ea typeface="Noto Sans Symbols"/>
+                <a:cs typeface="Noto Sans Symbols"/>
+              </a:rPr>
+              <a:t>lên</a:t>
+            </a:r>
+            <a:r>
+              <a:rPr lang="en-US" dirty="0">
+                <a:solidFill>
+                  <a:srgbClr val="000000"/>
+                </a:solidFill>
+                <a:latin typeface="Noto Sans Symbols"/>
+                <a:ea typeface="Noto Sans Symbols"/>
+                <a:cs typeface="Noto Sans Symbols"/>
+              </a:rPr>
+              <a:t> server </a:t>
+            </a:r>
+            <a:r>
+              <a:rPr lang="en-US" dirty="0" err="1">
+                <a:solidFill>
+                  <a:srgbClr val="000000"/>
+                </a:solidFill>
+                <a:latin typeface="Noto Sans Symbols"/>
+                <a:ea typeface="Noto Sans Symbols"/>
+                <a:cs typeface="Noto Sans Symbols"/>
+              </a:rPr>
+              <a:t>để</a:t>
+            </a:r>
+            <a:r>
+              <a:rPr lang="en-US" dirty="0">
+                <a:solidFill>
+                  <a:srgbClr val="000000"/>
+                </a:solidFill>
+                <a:latin typeface="Noto Sans Symbols"/>
+                <a:ea typeface="Noto Sans Symbols"/>
+                <a:cs typeface="Noto Sans Symbols"/>
+              </a:rPr>
+              <a:t> </a:t>
+            </a:r>
+            <a:r>
+              <a:rPr lang="en-US" dirty="0" err="1">
+                <a:solidFill>
+                  <a:srgbClr val="000000"/>
+                </a:solidFill>
+                <a:latin typeface="Noto Sans Symbols"/>
+                <a:ea typeface="Noto Sans Symbols"/>
+                <a:cs typeface="Noto Sans Symbols"/>
+              </a:rPr>
+              <a:t>lấy</a:t>
+            </a:r>
+            <a:r>
+              <a:rPr lang="en-US" dirty="0">
+                <a:solidFill>
+                  <a:srgbClr val="000000"/>
+                </a:solidFill>
+                <a:latin typeface="Noto Sans Symbols"/>
+                <a:ea typeface="Noto Sans Symbols"/>
+                <a:cs typeface="Noto Sans Symbols"/>
+              </a:rPr>
+              <a:t> </a:t>
+            </a:r>
+            <a:r>
+              <a:rPr lang="en-US" dirty="0" err="1">
+                <a:solidFill>
+                  <a:srgbClr val="000000"/>
+                </a:solidFill>
+                <a:latin typeface="Noto Sans Symbols"/>
+                <a:ea typeface="Noto Sans Symbols"/>
+                <a:cs typeface="Noto Sans Symbols"/>
+              </a:rPr>
+              <a:t>danh</a:t>
+            </a:r>
+            <a:r>
+              <a:rPr lang="en-US" dirty="0">
+                <a:solidFill>
+                  <a:srgbClr val="000000"/>
+                </a:solidFill>
+                <a:latin typeface="Noto Sans Symbols"/>
+                <a:ea typeface="Noto Sans Symbols"/>
+                <a:cs typeface="Noto Sans Symbols"/>
+              </a:rPr>
+              <a:t> </a:t>
+            </a:r>
+            <a:r>
+              <a:rPr lang="en-US" dirty="0" err="1">
+                <a:solidFill>
+                  <a:srgbClr val="000000"/>
+                </a:solidFill>
+                <a:latin typeface="Noto Sans Symbols"/>
+                <a:ea typeface="Noto Sans Symbols"/>
+                <a:cs typeface="Noto Sans Symbols"/>
+              </a:rPr>
+              <a:t>sách</a:t>
+            </a:r>
+            <a:r>
+              <a:rPr lang="en-US" dirty="0">
+                <a:solidFill>
+                  <a:srgbClr val="000000"/>
+                </a:solidFill>
+                <a:latin typeface="Noto Sans Symbols"/>
+                <a:ea typeface="Noto Sans Symbols"/>
+                <a:cs typeface="Noto Sans Symbols"/>
+              </a:rPr>
+              <a:t> menu </a:t>
+            </a:r>
+            <a:r>
+              <a:rPr lang="en-US" dirty="0" err="1">
+                <a:solidFill>
+                  <a:srgbClr val="000000"/>
+                </a:solidFill>
+                <a:latin typeface="Noto Sans Symbols"/>
+                <a:ea typeface="Noto Sans Symbols"/>
+                <a:cs typeface="Noto Sans Symbols"/>
+              </a:rPr>
+              <a:t>và</a:t>
+            </a:r>
+            <a:r>
+              <a:rPr lang="en-US" dirty="0">
+                <a:solidFill>
+                  <a:srgbClr val="000000"/>
+                </a:solidFill>
+                <a:latin typeface="Noto Sans Symbols"/>
+                <a:ea typeface="Noto Sans Symbols"/>
+                <a:cs typeface="Noto Sans Symbols"/>
+              </a:rPr>
+              <a:t> </a:t>
+            </a:r>
+            <a:r>
+              <a:rPr lang="en-US" dirty="0" err="1">
+                <a:solidFill>
+                  <a:srgbClr val="000000"/>
+                </a:solidFill>
+                <a:latin typeface="Noto Sans Symbols"/>
+                <a:ea typeface="Noto Sans Symbols"/>
+                <a:cs typeface="Noto Sans Symbols"/>
+              </a:rPr>
+              <a:t>hiển</a:t>
+            </a:r>
+            <a:r>
+              <a:rPr lang="en-US" dirty="0">
+                <a:solidFill>
+                  <a:srgbClr val="000000"/>
+                </a:solidFill>
+                <a:latin typeface="Noto Sans Symbols"/>
+                <a:ea typeface="Noto Sans Symbols"/>
+                <a:cs typeface="Noto Sans Symbols"/>
+              </a:rPr>
+              <a:t> </a:t>
+            </a:r>
+            <a:r>
+              <a:rPr lang="en-US" dirty="0" err="1">
+                <a:solidFill>
+                  <a:srgbClr val="000000"/>
+                </a:solidFill>
+                <a:latin typeface="Noto Sans Symbols"/>
+                <a:ea typeface="Noto Sans Symbols"/>
+                <a:cs typeface="Noto Sans Symbols"/>
+              </a:rPr>
+              <a:t>thị</a:t>
+            </a:r>
+            <a:r>
+              <a:rPr lang="en-US" dirty="0">
+                <a:solidFill>
+                  <a:srgbClr val="000000"/>
+                </a:solidFill>
+                <a:latin typeface="Noto Sans Symbols"/>
+                <a:ea typeface="Noto Sans Symbols"/>
+                <a:cs typeface="Noto Sans Symbols"/>
+              </a:rPr>
+              <a:t> </a:t>
+            </a:r>
+            <a:r>
+              <a:rPr lang="en-US" dirty="0" err="1">
+                <a:solidFill>
+                  <a:srgbClr val="000000"/>
+                </a:solidFill>
+                <a:latin typeface="Noto Sans Symbols"/>
+                <a:ea typeface="Noto Sans Symbols"/>
+                <a:cs typeface="Noto Sans Symbols"/>
+              </a:rPr>
+              <a:t>lên</a:t>
+            </a:r>
+            <a:r>
+              <a:rPr lang="en-US" dirty="0">
+                <a:solidFill>
+                  <a:srgbClr val="000000"/>
+                </a:solidFill>
+                <a:latin typeface="Noto Sans Symbols"/>
+                <a:ea typeface="Noto Sans Symbols"/>
+                <a:cs typeface="Noto Sans Symbols"/>
+              </a:rPr>
+              <a:t> </a:t>
+            </a:r>
+            <a:r>
+              <a:rPr lang="en-US" dirty="0" err="1">
+                <a:solidFill>
+                  <a:srgbClr val="000000"/>
+                </a:solidFill>
+                <a:latin typeface="Noto Sans Symbols"/>
+                <a:ea typeface="Noto Sans Symbols"/>
+                <a:cs typeface="Noto Sans Symbols"/>
+              </a:rPr>
+              <a:t>giao</a:t>
+            </a:r>
+            <a:r>
+              <a:rPr lang="en-US" dirty="0">
+                <a:solidFill>
+                  <a:srgbClr val="000000"/>
+                </a:solidFill>
+                <a:latin typeface="Noto Sans Symbols"/>
+                <a:ea typeface="Noto Sans Symbols"/>
+                <a:cs typeface="Noto Sans Symbols"/>
+              </a:rPr>
+              <a:t> </a:t>
+            </a:r>
+            <a:r>
+              <a:rPr lang="en-US" dirty="0" err="1">
+                <a:solidFill>
+                  <a:srgbClr val="000000"/>
+                </a:solidFill>
+                <a:latin typeface="Noto Sans Symbols"/>
+                <a:ea typeface="Noto Sans Symbols"/>
+                <a:cs typeface="Noto Sans Symbols"/>
+              </a:rPr>
+              <a:t>diện</a:t>
+            </a:r>
+            <a:r>
+              <a:rPr lang="en-US" dirty="0">
+                <a:solidFill>
+                  <a:srgbClr val="000000"/>
+                </a:solidFill>
+                <a:latin typeface="Noto Sans Symbols"/>
+                <a:ea typeface="Noto Sans Symbols"/>
+                <a:cs typeface="Noto Sans Symbols"/>
+              </a:rPr>
+              <a:t>.</a:t>
+            </a:r>
+            <a:endParaRPr lang="en-US" dirty="0">
+              <a:effectLst/>
+              <a:latin typeface="Noto Sans Symbols"/>
+              <a:ea typeface="Noto Sans Symbols"/>
+              <a:cs typeface="Noto Sans Symbols"/>
+            </a:endParaRPr>
+          </a:p>
+        </p:txBody>
+      </p:sp>
     </p:spTree>
     <p:extLst>
       <p:ext uri="{BB962C8B-B14F-4D97-AF65-F5344CB8AC3E}">
@@ -5949,10 +9745,17 @@
   <p:clrMapOvr>
     <a:masterClrMapping/>
   </p:clrMapOvr>
+  <p:timing>
+    <p:tnLst>
+      <p:par>
+        <p:cTn id="1" dur="indefinite" restart="never" nodeType="tmRoot"/>
+      </p:par>
+    </p:tnLst>
+  </p:timing>
 </p:sld>
 </file>
 
-<file path=ppt/slides/slide4.xml><?xml version="1.0" encoding="utf-8"?>
+<file path=ppt/slides/slide7.xml><?xml version="1.0" encoding="utf-8"?>
 <p:sld xmlns:a="http://schemas.openxmlformats.org/drawingml/2006/main" xmlns:r="http://schemas.openxmlformats.org/officeDocument/2006/relationships" xmlns:p="http://schemas.openxmlformats.org/presentationml/2006/main">
   <p:cSld>
     <p:spTree>
@@ -6760,6 +10563,411 @@
           </a:p>
         </p:txBody>
       </p:sp>
+      <p:sp>
+        <p:nvSpPr>
+          <p:cNvPr id="2" name="Rectangle 1"/>
+          <p:cNvSpPr/>
+          <p:nvPr/>
+        </p:nvSpPr>
+        <p:spPr>
+          <a:xfrm>
+            <a:off x="831635" y="4499334"/>
+            <a:ext cx="2851651" cy="1200329"/>
+          </a:xfrm>
+          <a:prstGeom prst="rect">
+            <a:avLst/>
+          </a:prstGeom>
+        </p:spPr>
+        <p:txBody>
+          <a:bodyPr wrap="square">
+            <a:spAutoFit/>
+          </a:bodyPr>
+          <a:lstStyle/>
+          <a:p>
+            <a:pPr lvl="0" algn="just"/>
+            <a:r>
+              <a:rPr lang="en-US" dirty="0" err="1">
+                <a:solidFill>
+                  <a:srgbClr val="000000"/>
+                </a:solidFill>
+                <a:latin typeface="Noto Sans Symbols"/>
+                <a:ea typeface="Noto Sans Symbols"/>
+                <a:cs typeface="Noto Sans Symbols"/>
+              </a:rPr>
+              <a:t>Giao</a:t>
+            </a:r>
+            <a:r>
+              <a:rPr lang="en-US" dirty="0">
+                <a:solidFill>
+                  <a:srgbClr val="000000"/>
+                </a:solidFill>
+                <a:latin typeface="Noto Sans Symbols"/>
+                <a:ea typeface="Noto Sans Symbols"/>
+                <a:cs typeface="Noto Sans Symbols"/>
+              </a:rPr>
+              <a:t> </a:t>
+            </a:r>
+            <a:r>
+              <a:rPr lang="en-US" dirty="0" err="1">
+                <a:solidFill>
+                  <a:srgbClr val="000000"/>
+                </a:solidFill>
+                <a:latin typeface="Noto Sans Symbols"/>
+                <a:ea typeface="Noto Sans Symbols"/>
+                <a:cs typeface="Noto Sans Symbols"/>
+              </a:rPr>
+              <a:t>diện</a:t>
+            </a:r>
+            <a:r>
+              <a:rPr lang="en-US" dirty="0">
+                <a:solidFill>
+                  <a:srgbClr val="000000"/>
+                </a:solidFill>
+                <a:latin typeface="Noto Sans Symbols"/>
+                <a:ea typeface="Noto Sans Symbols"/>
+                <a:cs typeface="Noto Sans Symbols"/>
+              </a:rPr>
+              <a:t> </a:t>
+            </a:r>
+            <a:r>
+              <a:rPr lang="en-US" dirty="0" err="1">
+                <a:solidFill>
+                  <a:srgbClr val="000000"/>
+                </a:solidFill>
+                <a:latin typeface="Noto Sans Symbols"/>
+                <a:ea typeface="Noto Sans Symbols"/>
+                <a:cs typeface="Noto Sans Symbols"/>
+              </a:rPr>
+              <a:t>đọc</a:t>
+            </a:r>
+            <a:r>
+              <a:rPr lang="en-US" dirty="0">
+                <a:solidFill>
+                  <a:srgbClr val="000000"/>
+                </a:solidFill>
+                <a:latin typeface="Noto Sans Symbols"/>
+                <a:ea typeface="Noto Sans Symbols"/>
+                <a:cs typeface="Noto Sans Symbols"/>
+              </a:rPr>
+              <a:t> </a:t>
+            </a:r>
+            <a:r>
+              <a:rPr lang="en-US" dirty="0" err="1">
+                <a:solidFill>
+                  <a:srgbClr val="000000"/>
+                </a:solidFill>
+                <a:latin typeface="Noto Sans Symbols"/>
+                <a:ea typeface="Noto Sans Symbols"/>
+                <a:cs typeface="Noto Sans Symbols"/>
+              </a:rPr>
+              <a:t>một</a:t>
+            </a:r>
+            <a:r>
+              <a:rPr lang="en-US" dirty="0">
+                <a:solidFill>
+                  <a:srgbClr val="000000"/>
+                </a:solidFill>
+                <a:latin typeface="Noto Sans Symbols"/>
+                <a:ea typeface="Noto Sans Symbols"/>
+                <a:cs typeface="Noto Sans Symbols"/>
+              </a:rPr>
+              <a:t> </a:t>
+            </a:r>
+            <a:r>
+              <a:rPr lang="en-US" dirty="0" err="1">
+                <a:solidFill>
+                  <a:srgbClr val="000000"/>
+                </a:solidFill>
+                <a:latin typeface="Noto Sans Symbols"/>
+                <a:ea typeface="Noto Sans Symbols"/>
+                <a:cs typeface="Noto Sans Symbols"/>
+              </a:rPr>
+              <a:t>bài</a:t>
+            </a:r>
+            <a:r>
+              <a:rPr lang="en-US" dirty="0">
+                <a:solidFill>
+                  <a:srgbClr val="000000"/>
+                </a:solidFill>
+                <a:latin typeface="Noto Sans Symbols"/>
+                <a:ea typeface="Noto Sans Symbols"/>
+                <a:cs typeface="Noto Sans Symbols"/>
+              </a:rPr>
+              <a:t> </a:t>
+            </a:r>
+            <a:r>
+              <a:rPr lang="en-US" dirty="0" err="1">
+                <a:solidFill>
+                  <a:srgbClr val="000000"/>
+                </a:solidFill>
+                <a:latin typeface="Noto Sans Symbols"/>
+                <a:ea typeface="Noto Sans Symbols"/>
+                <a:cs typeface="Noto Sans Symbols"/>
+              </a:rPr>
+              <a:t>báo</a:t>
+            </a:r>
+            <a:r>
+              <a:rPr lang="en-US" dirty="0">
+                <a:solidFill>
+                  <a:srgbClr val="000000"/>
+                </a:solidFill>
+                <a:latin typeface="Noto Sans Symbols"/>
+                <a:ea typeface="Noto Sans Symbols"/>
+                <a:cs typeface="Noto Sans Symbols"/>
+              </a:rPr>
+              <a:t> chi </a:t>
+            </a:r>
+            <a:r>
+              <a:rPr lang="en-US" dirty="0" err="1">
+                <a:solidFill>
+                  <a:srgbClr val="000000"/>
+                </a:solidFill>
+                <a:latin typeface="Noto Sans Symbols"/>
+                <a:ea typeface="Noto Sans Symbols"/>
+                <a:cs typeface="Noto Sans Symbols"/>
+              </a:rPr>
+              <a:t>tiết</a:t>
+            </a:r>
+            <a:r>
+              <a:rPr lang="en-US" dirty="0">
+                <a:solidFill>
+                  <a:srgbClr val="000000"/>
+                </a:solidFill>
+                <a:latin typeface="Noto Sans Symbols"/>
+                <a:ea typeface="Noto Sans Symbols"/>
+                <a:cs typeface="Noto Sans Symbols"/>
+              </a:rPr>
+              <a:t>, </a:t>
+            </a:r>
+            <a:r>
+              <a:rPr lang="en-US" dirty="0" err="1">
+                <a:solidFill>
+                  <a:srgbClr val="000000"/>
+                </a:solidFill>
+                <a:latin typeface="Noto Sans Symbols"/>
+                <a:ea typeface="Noto Sans Symbols"/>
+                <a:cs typeface="Noto Sans Symbols"/>
+              </a:rPr>
+              <a:t>có</a:t>
+            </a:r>
+            <a:r>
+              <a:rPr lang="en-US" dirty="0">
+                <a:solidFill>
+                  <a:srgbClr val="000000"/>
+                </a:solidFill>
+                <a:latin typeface="Noto Sans Symbols"/>
+                <a:ea typeface="Noto Sans Symbols"/>
+                <a:cs typeface="Noto Sans Symbols"/>
+              </a:rPr>
+              <a:t> </a:t>
+            </a:r>
+            <a:r>
+              <a:rPr lang="en-US" dirty="0" err="1">
+                <a:solidFill>
+                  <a:srgbClr val="000000"/>
+                </a:solidFill>
+                <a:latin typeface="Noto Sans Symbols"/>
+                <a:ea typeface="Noto Sans Symbols"/>
+                <a:cs typeface="Noto Sans Symbols"/>
+              </a:rPr>
+              <a:t>nút</a:t>
+            </a:r>
+            <a:r>
+              <a:rPr lang="en-US" dirty="0">
+                <a:solidFill>
+                  <a:srgbClr val="000000"/>
+                </a:solidFill>
+                <a:latin typeface="Noto Sans Symbols"/>
+                <a:ea typeface="Noto Sans Symbols"/>
+                <a:cs typeface="Noto Sans Symbols"/>
+              </a:rPr>
+              <a:t> </a:t>
+            </a:r>
+            <a:r>
+              <a:rPr lang="en-US" dirty="0" err="1">
+                <a:solidFill>
+                  <a:srgbClr val="000000"/>
+                </a:solidFill>
+                <a:latin typeface="Noto Sans Symbols"/>
+                <a:ea typeface="Noto Sans Symbols"/>
+                <a:cs typeface="Noto Sans Symbols"/>
+              </a:rPr>
+              <a:t>yêu</a:t>
+            </a:r>
+            <a:r>
+              <a:rPr lang="en-US" dirty="0">
+                <a:solidFill>
+                  <a:srgbClr val="000000"/>
+                </a:solidFill>
+                <a:latin typeface="Noto Sans Symbols"/>
+                <a:ea typeface="Noto Sans Symbols"/>
+                <a:cs typeface="Noto Sans Symbols"/>
+              </a:rPr>
+              <a:t> </a:t>
+            </a:r>
+            <a:r>
+              <a:rPr lang="en-US" dirty="0" err="1">
+                <a:solidFill>
+                  <a:srgbClr val="000000"/>
+                </a:solidFill>
+                <a:latin typeface="Noto Sans Symbols"/>
+                <a:ea typeface="Noto Sans Symbols"/>
+                <a:cs typeface="Noto Sans Symbols"/>
+              </a:rPr>
+              <a:t>thích</a:t>
+            </a:r>
+            <a:r>
+              <a:rPr lang="en-US" dirty="0">
+                <a:solidFill>
+                  <a:srgbClr val="000000"/>
+                </a:solidFill>
+                <a:latin typeface="Noto Sans Symbols"/>
+                <a:ea typeface="Noto Sans Symbols"/>
+                <a:cs typeface="Noto Sans Symbols"/>
+              </a:rPr>
+              <a:t> </a:t>
+            </a:r>
+            <a:r>
+              <a:rPr lang="en-US" dirty="0" err="1">
+                <a:solidFill>
+                  <a:srgbClr val="000000"/>
+                </a:solidFill>
+                <a:latin typeface="Noto Sans Symbols"/>
+                <a:ea typeface="Noto Sans Symbols"/>
+                <a:cs typeface="Noto Sans Symbols"/>
+              </a:rPr>
+              <a:t>phía</a:t>
+            </a:r>
+            <a:r>
+              <a:rPr lang="en-US" dirty="0">
+                <a:solidFill>
+                  <a:srgbClr val="000000"/>
+                </a:solidFill>
+                <a:latin typeface="Noto Sans Symbols"/>
+                <a:ea typeface="Noto Sans Symbols"/>
+                <a:cs typeface="Noto Sans Symbols"/>
+              </a:rPr>
+              <a:t> </a:t>
+            </a:r>
+            <a:r>
+              <a:rPr lang="en-US" dirty="0" err="1">
+                <a:solidFill>
+                  <a:srgbClr val="000000"/>
+                </a:solidFill>
+                <a:latin typeface="Noto Sans Symbols"/>
+                <a:ea typeface="Noto Sans Symbols"/>
+                <a:cs typeface="Noto Sans Symbols"/>
+              </a:rPr>
+              <a:t>trên</a:t>
+            </a:r>
+            <a:r>
+              <a:rPr lang="en-US" dirty="0">
+                <a:solidFill>
+                  <a:srgbClr val="000000"/>
+                </a:solidFill>
+                <a:latin typeface="Noto Sans Symbols"/>
+                <a:ea typeface="Noto Sans Symbols"/>
+                <a:cs typeface="Noto Sans Symbols"/>
+              </a:rPr>
+              <a:t> </a:t>
+            </a:r>
+            <a:r>
+              <a:rPr lang="en-US" dirty="0" err="1">
+                <a:solidFill>
+                  <a:srgbClr val="000000"/>
+                </a:solidFill>
+                <a:latin typeface="Noto Sans Symbols"/>
+                <a:ea typeface="Noto Sans Symbols"/>
+                <a:cs typeface="Noto Sans Symbols"/>
+              </a:rPr>
+              <a:t>cho</a:t>
+            </a:r>
+            <a:r>
+              <a:rPr lang="en-US" dirty="0">
+                <a:solidFill>
+                  <a:srgbClr val="000000"/>
+                </a:solidFill>
+                <a:latin typeface="Noto Sans Symbols"/>
+                <a:ea typeface="Noto Sans Symbols"/>
+                <a:cs typeface="Noto Sans Symbols"/>
+              </a:rPr>
+              <a:t> </a:t>
+            </a:r>
+            <a:r>
+              <a:rPr lang="en-US" dirty="0" err="1">
+                <a:solidFill>
+                  <a:srgbClr val="000000"/>
+                </a:solidFill>
+                <a:latin typeface="Noto Sans Symbols"/>
+                <a:ea typeface="Noto Sans Symbols"/>
+                <a:cs typeface="Noto Sans Symbols"/>
+              </a:rPr>
+              <a:t>người</a:t>
+            </a:r>
+            <a:r>
+              <a:rPr lang="en-US" dirty="0">
+                <a:solidFill>
+                  <a:srgbClr val="000000"/>
+                </a:solidFill>
+                <a:latin typeface="Noto Sans Symbols"/>
+                <a:ea typeface="Noto Sans Symbols"/>
+                <a:cs typeface="Noto Sans Symbols"/>
+              </a:rPr>
+              <a:t> </a:t>
+            </a:r>
+            <a:r>
+              <a:rPr lang="en-US" dirty="0" err="1">
+                <a:solidFill>
+                  <a:srgbClr val="000000"/>
+                </a:solidFill>
+                <a:latin typeface="Noto Sans Symbols"/>
+                <a:ea typeface="Noto Sans Symbols"/>
+                <a:cs typeface="Noto Sans Symbols"/>
+              </a:rPr>
+              <a:t>dùng</a:t>
+            </a:r>
+            <a:r>
+              <a:rPr lang="en-US" dirty="0">
+                <a:solidFill>
+                  <a:srgbClr val="000000"/>
+                </a:solidFill>
+                <a:latin typeface="Noto Sans Symbols"/>
+                <a:ea typeface="Noto Sans Symbols"/>
+                <a:cs typeface="Noto Sans Symbols"/>
+              </a:rPr>
+              <a:t> </a:t>
+            </a:r>
+            <a:r>
+              <a:rPr lang="en-US" dirty="0" err="1">
+                <a:solidFill>
+                  <a:srgbClr val="000000"/>
+                </a:solidFill>
+                <a:latin typeface="Noto Sans Symbols"/>
+                <a:ea typeface="Noto Sans Symbols"/>
+                <a:cs typeface="Noto Sans Symbols"/>
+              </a:rPr>
+              <a:t>chọn</a:t>
+            </a:r>
+            <a:r>
+              <a:rPr lang="en-US" dirty="0">
+                <a:solidFill>
+                  <a:srgbClr val="000000"/>
+                </a:solidFill>
+                <a:latin typeface="Noto Sans Symbols"/>
+                <a:ea typeface="Noto Sans Symbols"/>
+                <a:cs typeface="Noto Sans Symbols"/>
+              </a:rPr>
+              <a:t>.</a:t>
+            </a:r>
+            <a:endParaRPr lang="en-US" dirty="0">
+              <a:effectLst/>
+              <a:latin typeface="Noto Sans Symbols"/>
+              <a:ea typeface="Noto Sans Symbols"/>
+              <a:cs typeface="Noto Sans Symbols"/>
+            </a:endParaRPr>
+          </a:p>
+        </p:txBody>
+      </p:sp>
     </p:spTree>
     <p:extLst>
       <p:ext uri="{BB962C8B-B14F-4D97-AF65-F5344CB8AC3E}">
@@ -6770,10 +10978,17 @@
   <p:clrMapOvr>
     <a:masterClrMapping/>
   </p:clrMapOvr>
+  <p:timing>
+    <p:tnLst>
+      <p:par>
+        <p:cTn id="1" dur="indefinite" restart="never" nodeType="tmRoot"/>
+      </p:par>
+    </p:tnLst>
+  </p:timing>
 </p:sld>
 </file>
 
-<file path=ppt/slides/slide5.xml><?xml version="1.0" encoding="utf-8"?>
+<file path=ppt/slides/slide8.xml><?xml version="1.0" encoding="utf-8"?>
 <p:sld xmlns:a="http://schemas.openxmlformats.org/drawingml/2006/main" xmlns:r="http://schemas.openxmlformats.org/officeDocument/2006/relationships" xmlns:p="http://schemas.openxmlformats.org/presentationml/2006/main">
   <p:cSld>
     <p:spTree>
@@ -7634,6 +11849,602 @@
           </a:p>
         </p:txBody>
       </p:sp>
+      <p:sp>
+        <p:nvSpPr>
+          <p:cNvPr id="2" name="Rectangle 1"/>
+          <p:cNvSpPr/>
+          <p:nvPr/>
+        </p:nvSpPr>
+        <p:spPr>
+          <a:xfrm>
+            <a:off x="1029810" y="4254103"/>
+            <a:ext cx="3107184" cy="1477328"/>
+          </a:xfrm>
+          <a:prstGeom prst="rect">
+            <a:avLst/>
+          </a:prstGeom>
+        </p:spPr>
+        <p:txBody>
+          <a:bodyPr wrap="square">
+            <a:spAutoFit/>
+          </a:bodyPr>
+          <a:lstStyle/>
+          <a:p>
+            <a:pPr marR="0" lvl="0" algn="just">
+              <a:spcBef>
+                <a:spcPts val="0"/>
+              </a:spcBef>
+              <a:spcAft>
+                <a:spcPts val="0"/>
+              </a:spcAft>
+            </a:pPr>
+            <a:r>
+              <a:rPr lang="en-US" dirty="0" err="1">
+                <a:solidFill>
+                  <a:srgbClr val="000000"/>
+                </a:solidFill>
+                <a:latin typeface="Times New Roman" panose="02020603050405020304" pitchFamily="18" charset="0"/>
+                <a:ea typeface="Times New Roman" panose="02020603050405020304" pitchFamily="18" charset="0"/>
+              </a:rPr>
+              <a:t>Ứng</a:t>
+            </a:r>
+            <a:r>
+              <a:rPr lang="en-US" dirty="0">
+                <a:solidFill>
+                  <a:srgbClr val="000000"/>
+                </a:solidFill>
+                <a:latin typeface="Times New Roman" panose="02020603050405020304" pitchFamily="18" charset="0"/>
+                <a:ea typeface="Times New Roman" panose="02020603050405020304" pitchFamily="18" charset="0"/>
+              </a:rPr>
+              <a:t> </a:t>
+            </a:r>
+            <a:r>
+              <a:rPr lang="en-US" dirty="0" err="1">
+                <a:solidFill>
+                  <a:srgbClr val="000000"/>
+                </a:solidFill>
+                <a:latin typeface="Times New Roman" panose="02020603050405020304" pitchFamily="18" charset="0"/>
+                <a:ea typeface="Times New Roman" panose="02020603050405020304" pitchFamily="18" charset="0"/>
+              </a:rPr>
+              <a:t>dụng</a:t>
+            </a:r>
+            <a:r>
+              <a:rPr lang="en-US" dirty="0">
+                <a:solidFill>
+                  <a:srgbClr val="000000"/>
+                </a:solidFill>
+                <a:latin typeface="Times New Roman" panose="02020603050405020304" pitchFamily="18" charset="0"/>
+                <a:ea typeface="Times New Roman" panose="02020603050405020304" pitchFamily="18" charset="0"/>
+              </a:rPr>
+              <a:t> </a:t>
+            </a:r>
+            <a:r>
+              <a:rPr lang="en-US" dirty="0" err="1">
+                <a:solidFill>
+                  <a:srgbClr val="000000"/>
+                </a:solidFill>
+                <a:latin typeface="Times New Roman" panose="02020603050405020304" pitchFamily="18" charset="0"/>
+                <a:ea typeface="Times New Roman" panose="02020603050405020304" pitchFamily="18" charset="0"/>
+              </a:rPr>
+              <a:t>cung</a:t>
+            </a:r>
+            <a:r>
+              <a:rPr lang="en-US" dirty="0">
+                <a:solidFill>
+                  <a:srgbClr val="000000"/>
+                </a:solidFill>
+                <a:latin typeface="Times New Roman" panose="02020603050405020304" pitchFamily="18" charset="0"/>
+                <a:ea typeface="Times New Roman" panose="02020603050405020304" pitchFamily="18" charset="0"/>
+              </a:rPr>
+              <a:t> </a:t>
+            </a:r>
+            <a:r>
+              <a:rPr lang="en-US" dirty="0" err="1">
+                <a:solidFill>
+                  <a:srgbClr val="000000"/>
+                </a:solidFill>
+                <a:latin typeface="Times New Roman" panose="02020603050405020304" pitchFamily="18" charset="0"/>
+                <a:ea typeface="Times New Roman" panose="02020603050405020304" pitchFamily="18" charset="0"/>
+              </a:rPr>
+              <a:t>cấp</a:t>
+            </a:r>
+            <a:r>
+              <a:rPr lang="en-US" dirty="0">
+                <a:solidFill>
+                  <a:srgbClr val="000000"/>
+                </a:solidFill>
+                <a:latin typeface="Times New Roman" panose="02020603050405020304" pitchFamily="18" charset="0"/>
+                <a:ea typeface="Times New Roman" panose="02020603050405020304" pitchFamily="18" charset="0"/>
+              </a:rPr>
+              <a:t> </a:t>
+            </a:r>
+            <a:r>
+              <a:rPr lang="en-US" dirty="0" err="1">
+                <a:solidFill>
+                  <a:srgbClr val="000000"/>
+                </a:solidFill>
+                <a:latin typeface="Times New Roman" panose="02020603050405020304" pitchFamily="18" charset="0"/>
+                <a:ea typeface="Times New Roman" panose="02020603050405020304" pitchFamily="18" charset="0"/>
+              </a:rPr>
+              <a:t>cho</a:t>
+            </a:r>
+            <a:r>
+              <a:rPr lang="en-US" dirty="0">
+                <a:solidFill>
+                  <a:srgbClr val="000000"/>
+                </a:solidFill>
+                <a:latin typeface="Times New Roman" panose="02020603050405020304" pitchFamily="18" charset="0"/>
+                <a:ea typeface="Times New Roman" panose="02020603050405020304" pitchFamily="18" charset="0"/>
+              </a:rPr>
+              <a:t> </a:t>
+            </a:r>
+            <a:r>
+              <a:rPr lang="en-US" dirty="0" err="1">
+                <a:solidFill>
+                  <a:srgbClr val="000000"/>
+                </a:solidFill>
+                <a:latin typeface="Times New Roman" panose="02020603050405020304" pitchFamily="18" charset="0"/>
+                <a:ea typeface="Times New Roman" panose="02020603050405020304" pitchFamily="18" charset="0"/>
+              </a:rPr>
+              <a:t>đọc</a:t>
+            </a:r>
+            <a:r>
+              <a:rPr lang="en-US" dirty="0">
+                <a:solidFill>
+                  <a:srgbClr val="000000"/>
+                </a:solidFill>
+                <a:latin typeface="Times New Roman" panose="02020603050405020304" pitchFamily="18" charset="0"/>
+                <a:ea typeface="Times New Roman" panose="02020603050405020304" pitchFamily="18" charset="0"/>
+              </a:rPr>
+              <a:t> </a:t>
+            </a:r>
+            <a:r>
+              <a:rPr lang="en-US" dirty="0" err="1">
+                <a:solidFill>
+                  <a:srgbClr val="000000"/>
+                </a:solidFill>
+                <a:latin typeface="Times New Roman" panose="02020603050405020304" pitchFamily="18" charset="0"/>
+                <a:ea typeface="Times New Roman" panose="02020603050405020304" pitchFamily="18" charset="0"/>
+              </a:rPr>
+              <a:t>giả</a:t>
+            </a:r>
+            <a:r>
+              <a:rPr lang="en-US" dirty="0">
+                <a:solidFill>
+                  <a:srgbClr val="000000"/>
+                </a:solidFill>
+                <a:latin typeface="Times New Roman" panose="02020603050405020304" pitchFamily="18" charset="0"/>
+                <a:ea typeface="Times New Roman" panose="02020603050405020304" pitchFamily="18" charset="0"/>
+              </a:rPr>
+              <a:t> </a:t>
+            </a:r>
+            <a:r>
+              <a:rPr lang="en-US" dirty="0" err="1">
+                <a:solidFill>
+                  <a:srgbClr val="000000"/>
+                </a:solidFill>
+                <a:latin typeface="Times New Roman" panose="02020603050405020304" pitchFamily="18" charset="0"/>
+                <a:ea typeface="Times New Roman" panose="02020603050405020304" pitchFamily="18" charset="0"/>
+              </a:rPr>
+              <a:t>chức</a:t>
+            </a:r>
+            <a:r>
+              <a:rPr lang="en-US" dirty="0">
+                <a:solidFill>
+                  <a:srgbClr val="000000"/>
+                </a:solidFill>
+                <a:latin typeface="Times New Roman" panose="02020603050405020304" pitchFamily="18" charset="0"/>
+                <a:ea typeface="Times New Roman" panose="02020603050405020304" pitchFamily="18" charset="0"/>
+              </a:rPr>
+              <a:t> </a:t>
+            </a:r>
+            <a:r>
+              <a:rPr lang="en-US" dirty="0" err="1">
+                <a:solidFill>
+                  <a:srgbClr val="000000"/>
+                </a:solidFill>
+                <a:latin typeface="Times New Roman" panose="02020603050405020304" pitchFamily="18" charset="0"/>
+                <a:ea typeface="Times New Roman" panose="02020603050405020304" pitchFamily="18" charset="0"/>
+              </a:rPr>
+              <a:t>năng</a:t>
+            </a:r>
+            <a:r>
+              <a:rPr lang="en-US" dirty="0">
+                <a:solidFill>
+                  <a:srgbClr val="000000"/>
+                </a:solidFill>
+                <a:latin typeface="Times New Roman" panose="02020603050405020304" pitchFamily="18" charset="0"/>
+                <a:ea typeface="Times New Roman" panose="02020603050405020304" pitchFamily="18" charset="0"/>
+              </a:rPr>
+              <a:t> </a:t>
+            </a:r>
+            <a:r>
+              <a:rPr lang="en-US" dirty="0" err="1">
+                <a:solidFill>
+                  <a:srgbClr val="000000"/>
+                </a:solidFill>
+                <a:latin typeface="Times New Roman" panose="02020603050405020304" pitchFamily="18" charset="0"/>
+                <a:ea typeface="Times New Roman" panose="02020603050405020304" pitchFamily="18" charset="0"/>
+              </a:rPr>
+              <a:t>tìm</a:t>
+            </a:r>
+            <a:r>
+              <a:rPr lang="en-US" dirty="0">
+                <a:solidFill>
+                  <a:srgbClr val="000000"/>
+                </a:solidFill>
+                <a:latin typeface="Times New Roman" panose="02020603050405020304" pitchFamily="18" charset="0"/>
+                <a:ea typeface="Times New Roman" panose="02020603050405020304" pitchFamily="18" charset="0"/>
+              </a:rPr>
+              <a:t> </a:t>
+            </a:r>
+            <a:r>
+              <a:rPr lang="en-US" dirty="0" err="1">
+                <a:solidFill>
+                  <a:srgbClr val="000000"/>
+                </a:solidFill>
+                <a:latin typeface="Times New Roman" panose="02020603050405020304" pitchFamily="18" charset="0"/>
+                <a:ea typeface="Times New Roman" panose="02020603050405020304" pitchFamily="18" charset="0"/>
+              </a:rPr>
+              <a:t>kiếm</a:t>
+            </a:r>
+            <a:r>
+              <a:rPr lang="en-US" dirty="0">
+                <a:solidFill>
+                  <a:srgbClr val="000000"/>
+                </a:solidFill>
+                <a:latin typeface="Times New Roman" panose="02020603050405020304" pitchFamily="18" charset="0"/>
+                <a:ea typeface="Times New Roman" panose="02020603050405020304" pitchFamily="18" charset="0"/>
+              </a:rPr>
+              <a:t> </a:t>
+            </a:r>
+            <a:r>
+              <a:rPr lang="en-US" dirty="0" err="1">
+                <a:solidFill>
+                  <a:srgbClr val="000000"/>
+                </a:solidFill>
+                <a:latin typeface="Times New Roman" panose="02020603050405020304" pitchFamily="18" charset="0"/>
+                <a:ea typeface="Times New Roman" panose="02020603050405020304" pitchFamily="18" charset="0"/>
+              </a:rPr>
+              <a:t>để</a:t>
+            </a:r>
+            <a:r>
+              <a:rPr lang="en-US" dirty="0">
+                <a:solidFill>
+                  <a:srgbClr val="000000"/>
+                </a:solidFill>
+                <a:latin typeface="Times New Roman" panose="02020603050405020304" pitchFamily="18" charset="0"/>
+                <a:ea typeface="Times New Roman" panose="02020603050405020304" pitchFamily="18" charset="0"/>
+              </a:rPr>
+              <a:t> </a:t>
+            </a:r>
+            <a:r>
+              <a:rPr lang="en-US" dirty="0" err="1">
+                <a:solidFill>
+                  <a:srgbClr val="000000"/>
+                </a:solidFill>
+                <a:latin typeface="Times New Roman" panose="02020603050405020304" pitchFamily="18" charset="0"/>
+                <a:ea typeface="Times New Roman" panose="02020603050405020304" pitchFamily="18" charset="0"/>
+              </a:rPr>
+              <a:t>đọc</a:t>
+            </a:r>
+            <a:r>
+              <a:rPr lang="en-US" dirty="0">
+                <a:solidFill>
+                  <a:srgbClr val="000000"/>
+                </a:solidFill>
+                <a:latin typeface="Times New Roman" panose="02020603050405020304" pitchFamily="18" charset="0"/>
+                <a:ea typeface="Times New Roman" panose="02020603050405020304" pitchFamily="18" charset="0"/>
+              </a:rPr>
+              <a:t> </a:t>
+            </a:r>
+            <a:r>
+              <a:rPr lang="en-US" dirty="0" err="1">
+                <a:solidFill>
+                  <a:srgbClr val="000000"/>
+                </a:solidFill>
+                <a:latin typeface="Times New Roman" panose="02020603050405020304" pitchFamily="18" charset="0"/>
+                <a:ea typeface="Times New Roman" panose="02020603050405020304" pitchFamily="18" charset="0"/>
+              </a:rPr>
+              <a:t>giả</a:t>
+            </a:r>
+            <a:r>
+              <a:rPr lang="en-US" dirty="0">
+                <a:solidFill>
+                  <a:srgbClr val="000000"/>
+                </a:solidFill>
+                <a:latin typeface="Times New Roman" panose="02020603050405020304" pitchFamily="18" charset="0"/>
+                <a:ea typeface="Times New Roman" panose="02020603050405020304" pitchFamily="18" charset="0"/>
+              </a:rPr>
+              <a:t> </a:t>
+            </a:r>
+            <a:r>
+              <a:rPr lang="en-US" dirty="0" err="1">
+                <a:solidFill>
+                  <a:srgbClr val="000000"/>
+                </a:solidFill>
+                <a:latin typeface="Times New Roman" panose="02020603050405020304" pitchFamily="18" charset="0"/>
+                <a:ea typeface="Times New Roman" panose="02020603050405020304" pitchFamily="18" charset="0"/>
+              </a:rPr>
+              <a:t>có</a:t>
+            </a:r>
+            <a:r>
+              <a:rPr lang="en-US" dirty="0">
+                <a:solidFill>
+                  <a:srgbClr val="000000"/>
+                </a:solidFill>
+                <a:latin typeface="Times New Roman" panose="02020603050405020304" pitchFamily="18" charset="0"/>
+                <a:ea typeface="Times New Roman" panose="02020603050405020304" pitchFamily="18" charset="0"/>
+              </a:rPr>
+              <a:t> </a:t>
+            </a:r>
+            <a:r>
+              <a:rPr lang="en-US" dirty="0" err="1">
+                <a:solidFill>
+                  <a:srgbClr val="000000"/>
+                </a:solidFill>
+                <a:latin typeface="Times New Roman" panose="02020603050405020304" pitchFamily="18" charset="0"/>
+                <a:ea typeface="Times New Roman" panose="02020603050405020304" pitchFamily="18" charset="0"/>
+              </a:rPr>
+              <a:t>thể</a:t>
+            </a:r>
+            <a:r>
+              <a:rPr lang="en-US" dirty="0">
+                <a:solidFill>
+                  <a:srgbClr val="000000"/>
+                </a:solidFill>
+                <a:latin typeface="Times New Roman" panose="02020603050405020304" pitchFamily="18" charset="0"/>
+                <a:ea typeface="Times New Roman" panose="02020603050405020304" pitchFamily="18" charset="0"/>
+              </a:rPr>
+              <a:t> </a:t>
+            </a:r>
+            <a:r>
+              <a:rPr lang="en-US" dirty="0" err="1">
+                <a:solidFill>
+                  <a:srgbClr val="000000"/>
+                </a:solidFill>
+                <a:latin typeface="Times New Roman" panose="02020603050405020304" pitchFamily="18" charset="0"/>
+                <a:ea typeface="Times New Roman" panose="02020603050405020304" pitchFamily="18" charset="0"/>
+              </a:rPr>
+              <a:t>tìm</a:t>
+            </a:r>
+            <a:r>
+              <a:rPr lang="en-US" dirty="0">
+                <a:solidFill>
+                  <a:srgbClr val="000000"/>
+                </a:solidFill>
+                <a:latin typeface="Times New Roman" panose="02020603050405020304" pitchFamily="18" charset="0"/>
+                <a:ea typeface="Times New Roman" panose="02020603050405020304" pitchFamily="18" charset="0"/>
+              </a:rPr>
+              <a:t> </a:t>
+            </a:r>
+            <a:r>
+              <a:rPr lang="en-US" dirty="0" err="1">
+                <a:solidFill>
+                  <a:srgbClr val="000000"/>
+                </a:solidFill>
+                <a:latin typeface="Times New Roman" panose="02020603050405020304" pitchFamily="18" charset="0"/>
+                <a:ea typeface="Times New Roman" panose="02020603050405020304" pitchFamily="18" charset="0"/>
+              </a:rPr>
+              <a:t>những</a:t>
+            </a:r>
+            <a:r>
+              <a:rPr lang="en-US" dirty="0">
+                <a:solidFill>
+                  <a:srgbClr val="000000"/>
+                </a:solidFill>
+                <a:latin typeface="Times New Roman" panose="02020603050405020304" pitchFamily="18" charset="0"/>
+                <a:ea typeface="Times New Roman" panose="02020603050405020304" pitchFamily="18" charset="0"/>
+              </a:rPr>
+              <a:t> </a:t>
+            </a:r>
+            <a:r>
+              <a:rPr lang="en-US" dirty="0" err="1">
+                <a:solidFill>
+                  <a:srgbClr val="000000"/>
+                </a:solidFill>
+                <a:latin typeface="Times New Roman" panose="02020603050405020304" pitchFamily="18" charset="0"/>
+                <a:ea typeface="Times New Roman" panose="02020603050405020304" pitchFamily="18" charset="0"/>
+              </a:rPr>
+              <a:t>bài</a:t>
+            </a:r>
+            <a:r>
+              <a:rPr lang="en-US" dirty="0">
+                <a:solidFill>
+                  <a:srgbClr val="000000"/>
+                </a:solidFill>
+                <a:latin typeface="Times New Roman" panose="02020603050405020304" pitchFamily="18" charset="0"/>
+                <a:ea typeface="Times New Roman" panose="02020603050405020304" pitchFamily="18" charset="0"/>
+              </a:rPr>
+              <a:t> </a:t>
+            </a:r>
+            <a:r>
+              <a:rPr lang="en-US" dirty="0" err="1">
+                <a:solidFill>
+                  <a:srgbClr val="000000"/>
+                </a:solidFill>
+                <a:latin typeface="Times New Roman" panose="02020603050405020304" pitchFamily="18" charset="0"/>
+                <a:ea typeface="Times New Roman" panose="02020603050405020304" pitchFamily="18" charset="0"/>
+              </a:rPr>
+              <a:t>quan</a:t>
+            </a:r>
+            <a:r>
+              <a:rPr lang="en-US" dirty="0">
+                <a:solidFill>
+                  <a:srgbClr val="000000"/>
+                </a:solidFill>
+                <a:latin typeface="Times New Roman" panose="02020603050405020304" pitchFamily="18" charset="0"/>
+                <a:ea typeface="Times New Roman" panose="02020603050405020304" pitchFamily="18" charset="0"/>
+              </a:rPr>
+              <a:t> </a:t>
+            </a:r>
+            <a:r>
+              <a:rPr lang="en-US" dirty="0" err="1">
+                <a:solidFill>
+                  <a:srgbClr val="000000"/>
+                </a:solidFill>
+                <a:latin typeface="Times New Roman" panose="02020603050405020304" pitchFamily="18" charset="0"/>
+                <a:ea typeface="Times New Roman" panose="02020603050405020304" pitchFamily="18" charset="0"/>
+              </a:rPr>
+              <a:t>mà</a:t>
+            </a:r>
+            <a:r>
+              <a:rPr lang="en-US" dirty="0">
+                <a:solidFill>
+                  <a:srgbClr val="000000"/>
+                </a:solidFill>
+                <a:latin typeface="Times New Roman" panose="02020603050405020304" pitchFamily="18" charset="0"/>
+                <a:ea typeface="Times New Roman" panose="02020603050405020304" pitchFamily="18" charset="0"/>
+              </a:rPr>
+              <a:t> </a:t>
+            </a:r>
+            <a:r>
+              <a:rPr lang="en-US" dirty="0" err="1">
+                <a:solidFill>
+                  <a:srgbClr val="000000"/>
+                </a:solidFill>
+                <a:latin typeface="Times New Roman" panose="02020603050405020304" pitchFamily="18" charset="0"/>
+                <a:ea typeface="Times New Roman" panose="02020603050405020304" pitchFamily="18" charset="0"/>
+              </a:rPr>
+              <a:t>đọc</a:t>
+            </a:r>
+            <a:r>
+              <a:rPr lang="en-US" dirty="0">
+                <a:solidFill>
+                  <a:srgbClr val="000000"/>
+                </a:solidFill>
+                <a:latin typeface="Times New Roman" panose="02020603050405020304" pitchFamily="18" charset="0"/>
+                <a:ea typeface="Times New Roman" panose="02020603050405020304" pitchFamily="18" charset="0"/>
+              </a:rPr>
+              <a:t> </a:t>
+            </a:r>
+            <a:r>
+              <a:rPr lang="en-US" dirty="0" err="1">
+                <a:solidFill>
+                  <a:srgbClr val="000000"/>
+                </a:solidFill>
+                <a:latin typeface="Times New Roman" panose="02020603050405020304" pitchFamily="18" charset="0"/>
+                <a:ea typeface="Times New Roman" panose="02020603050405020304" pitchFamily="18" charset="0"/>
+              </a:rPr>
+              <a:t>giả</a:t>
+            </a:r>
+            <a:r>
+              <a:rPr lang="en-US" dirty="0">
+                <a:solidFill>
+                  <a:srgbClr val="000000"/>
+                </a:solidFill>
+                <a:latin typeface="Times New Roman" panose="02020603050405020304" pitchFamily="18" charset="0"/>
+                <a:ea typeface="Times New Roman" panose="02020603050405020304" pitchFamily="18" charset="0"/>
+              </a:rPr>
+              <a:t> </a:t>
+            </a:r>
+            <a:r>
+              <a:rPr lang="en-US" dirty="0" err="1">
+                <a:solidFill>
+                  <a:srgbClr val="000000"/>
+                </a:solidFill>
+                <a:latin typeface="Times New Roman" panose="02020603050405020304" pitchFamily="18" charset="0"/>
+                <a:ea typeface="Times New Roman" panose="02020603050405020304" pitchFamily="18" charset="0"/>
+              </a:rPr>
+              <a:t>quan</a:t>
+            </a:r>
+            <a:r>
+              <a:rPr lang="en-US" dirty="0">
+                <a:solidFill>
+                  <a:srgbClr val="000000"/>
+                </a:solidFill>
+                <a:latin typeface="Times New Roman" panose="02020603050405020304" pitchFamily="18" charset="0"/>
+                <a:ea typeface="Times New Roman" panose="02020603050405020304" pitchFamily="18" charset="0"/>
+              </a:rPr>
+              <a:t> </a:t>
+            </a:r>
+            <a:r>
+              <a:rPr lang="en-US" dirty="0" err="1">
+                <a:solidFill>
+                  <a:srgbClr val="000000"/>
+                </a:solidFill>
+                <a:latin typeface="Times New Roman" panose="02020603050405020304" pitchFamily="18" charset="0"/>
+                <a:ea typeface="Times New Roman" panose="02020603050405020304" pitchFamily="18" charset="0"/>
+              </a:rPr>
+              <a:t>tâm</a:t>
+            </a:r>
+            <a:r>
+              <a:rPr lang="en-US" dirty="0">
+                <a:solidFill>
+                  <a:srgbClr val="000000"/>
+                </a:solidFill>
+                <a:latin typeface="Times New Roman" panose="02020603050405020304" pitchFamily="18" charset="0"/>
+                <a:ea typeface="Times New Roman" panose="02020603050405020304" pitchFamily="18" charset="0"/>
+              </a:rPr>
+              <a:t> </a:t>
+            </a:r>
+            <a:r>
+              <a:rPr lang="en-US" dirty="0" err="1">
+                <a:solidFill>
+                  <a:srgbClr val="000000"/>
+                </a:solidFill>
+                <a:latin typeface="Times New Roman" panose="02020603050405020304" pitchFamily="18" charset="0"/>
+                <a:ea typeface="Times New Roman" panose="02020603050405020304" pitchFamily="18" charset="0"/>
+              </a:rPr>
+              <a:t>thông</a:t>
+            </a:r>
+            <a:r>
+              <a:rPr lang="en-US" dirty="0">
+                <a:solidFill>
+                  <a:srgbClr val="000000"/>
+                </a:solidFill>
+                <a:latin typeface="Times New Roman" panose="02020603050405020304" pitchFamily="18" charset="0"/>
+                <a:ea typeface="Times New Roman" panose="02020603050405020304" pitchFamily="18" charset="0"/>
+              </a:rPr>
+              <a:t> qua </a:t>
+            </a:r>
+            <a:r>
+              <a:rPr lang="en-US" dirty="0" err="1">
+                <a:solidFill>
+                  <a:srgbClr val="000000"/>
+                </a:solidFill>
+                <a:latin typeface="Times New Roman" panose="02020603050405020304" pitchFamily="18" charset="0"/>
+                <a:ea typeface="Times New Roman" panose="02020603050405020304" pitchFamily="18" charset="0"/>
+              </a:rPr>
+              <a:t>từ</a:t>
+            </a:r>
+            <a:r>
+              <a:rPr lang="en-US" dirty="0">
+                <a:solidFill>
+                  <a:srgbClr val="000000"/>
+                </a:solidFill>
+                <a:latin typeface="Times New Roman" panose="02020603050405020304" pitchFamily="18" charset="0"/>
+                <a:ea typeface="Times New Roman" panose="02020603050405020304" pitchFamily="18" charset="0"/>
+              </a:rPr>
+              <a:t> </a:t>
+            </a:r>
+            <a:r>
+              <a:rPr lang="en-US" dirty="0" err="1">
+                <a:solidFill>
+                  <a:srgbClr val="000000"/>
+                </a:solidFill>
+                <a:latin typeface="Times New Roman" panose="02020603050405020304" pitchFamily="18" charset="0"/>
+                <a:ea typeface="Times New Roman" panose="02020603050405020304" pitchFamily="18" charset="0"/>
+              </a:rPr>
+              <a:t>khóa</a:t>
+            </a:r>
+            <a:r>
+              <a:rPr lang="en-US" dirty="0">
+                <a:solidFill>
+                  <a:srgbClr val="000000"/>
+                </a:solidFill>
+                <a:latin typeface="Times New Roman" panose="02020603050405020304" pitchFamily="18" charset="0"/>
+                <a:ea typeface="Times New Roman" panose="02020603050405020304" pitchFamily="18" charset="0"/>
+              </a:rPr>
+              <a:t>.</a:t>
+            </a:r>
+            <a:endParaRPr lang="en-US" dirty="0">
+              <a:latin typeface="Times New Roman" panose="02020603050405020304" pitchFamily="18" charset="0"/>
+              <a:ea typeface="Times New Roman" panose="02020603050405020304" pitchFamily="18" charset="0"/>
+            </a:endParaRPr>
+          </a:p>
+        </p:txBody>
+      </p:sp>
     </p:spTree>
     <p:extLst>
       <p:ext uri="{BB962C8B-B14F-4D97-AF65-F5344CB8AC3E}">
@@ -7644,10 +12455,17 @@
   <p:clrMapOvr>
     <a:masterClrMapping/>
   </p:clrMapOvr>
+  <p:timing>
+    <p:tnLst>
+      <p:par>
+        <p:cTn id="1" dur="indefinite" restart="never" nodeType="tmRoot"/>
+      </p:par>
+    </p:tnLst>
+  </p:timing>
 </p:sld>
 </file>
 
-<file path=ppt/slides/slide6.xml><?xml version="1.0" encoding="utf-8"?>
+<file path=ppt/slides/slide9.xml><?xml version="1.0" encoding="utf-8"?>
 <p:sld xmlns:a="http://schemas.openxmlformats.org/drawingml/2006/main" xmlns:r="http://schemas.openxmlformats.org/officeDocument/2006/relationships" xmlns:p="http://schemas.openxmlformats.org/presentationml/2006/main">
   <p:cSld>
     <p:spTree>
@@ -8285,6 +13103,455 @@
           </a:p>
         </p:txBody>
       </p:sp>
+      <p:sp>
+        <p:nvSpPr>
+          <p:cNvPr id="2" name="Rectangle 1"/>
+          <p:cNvSpPr/>
+          <p:nvPr/>
+        </p:nvSpPr>
+        <p:spPr>
+          <a:xfrm>
+            <a:off x="944789" y="3551444"/>
+            <a:ext cx="2491137" cy="1754326"/>
+          </a:xfrm>
+          <a:prstGeom prst="rect">
+            <a:avLst/>
+          </a:prstGeom>
+        </p:spPr>
+        <p:txBody>
+          <a:bodyPr wrap="square">
+            <a:spAutoFit/>
+          </a:bodyPr>
+          <a:lstStyle/>
+          <a:p>
+            <a:pPr lvl="1" algn="just"/>
+            <a:r>
+              <a:rPr lang="en-US" dirty="0" err="1">
+                <a:solidFill>
+                  <a:srgbClr val="000000"/>
+                </a:solidFill>
+                <a:latin typeface="Noto Sans Symbols"/>
+                <a:ea typeface="Noto Sans Symbols"/>
+                <a:cs typeface="Noto Sans Symbols"/>
+              </a:rPr>
+              <a:t>Đánh</a:t>
+            </a:r>
+            <a:r>
+              <a:rPr lang="en-US" dirty="0">
+                <a:solidFill>
+                  <a:srgbClr val="000000"/>
+                </a:solidFill>
+                <a:latin typeface="Noto Sans Symbols"/>
+                <a:ea typeface="Noto Sans Symbols"/>
+                <a:cs typeface="Noto Sans Symbols"/>
+              </a:rPr>
+              <a:t> </a:t>
+            </a:r>
+            <a:r>
+              <a:rPr lang="en-US" dirty="0" err="1">
+                <a:solidFill>
+                  <a:srgbClr val="000000"/>
+                </a:solidFill>
+                <a:latin typeface="Noto Sans Symbols"/>
+                <a:ea typeface="Noto Sans Symbols"/>
+                <a:cs typeface="Noto Sans Symbols"/>
+              </a:rPr>
+              <a:t>dấu</a:t>
+            </a:r>
+            <a:r>
+              <a:rPr lang="en-US" dirty="0">
+                <a:solidFill>
+                  <a:srgbClr val="000000"/>
+                </a:solidFill>
+                <a:latin typeface="Noto Sans Symbols"/>
+                <a:ea typeface="Noto Sans Symbols"/>
+                <a:cs typeface="Noto Sans Symbols"/>
+              </a:rPr>
+              <a:t> </a:t>
+            </a:r>
+            <a:r>
+              <a:rPr lang="en-US" dirty="0" err="1">
+                <a:solidFill>
+                  <a:srgbClr val="000000"/>
+                </a:solidFill>
+                <a:latin typeface="Noto Sans Symbols"/>
+                <a:ea typeface="Noto Sans Symbols"/>
+                <a:cs typeface="Noto Sans Symbols"/>
+              </a:rPr>
+              <a:t>bài</a:t>
+            </a:r>
+            <a:r>
+              <a:rPr lang="en-US" dirty="0">
+                <a:solidFill>
+                  <a:srgbClr val="000000"/>
+                </a:solidFill>
+                <a:latin typeface="Noto Sans Symbols"/>
+                <a:ea typeface="Noto Sans Symbols"/>
+                <a:cs typeface="Noto Sans Symbols"/>
+              </a:rPr>
+              <a:t> </a:t>
+            </a:r>
+            <a:r>
+              <a:rPr lang="en-US" dirty="0" err="1">
+                <a:solidFill>
+                  <a:srgbClr val="000000"/>
+                </a:solidFill>
+                <a:latin typeface="Noto Sans Symbols"/>
+                <a:ea typeface="Noto Sans Symbols"/>
+                <a:cs typeface="Noto Sans Symbols"/>
+              </a:rPr>
+              <a:t>báo</a:t>
+            </a:r>
+            <a:r>
+              <a:rPr lang="en-US" dirty="0">
+                <a:solidFill>
+                  <a:srgbClr val="000000"/>
+                </a:solidFill>
+                <a:latin typeface="Noto Sans Symbols"/>
+                <a:ea typeface="Noto Sans Symbols"/>
+                <a:cs typeface="Noto Sans Symbols"/>
+              </a:rPr>
+              <a:t> </a:t>
+            </a:r>
+            <a:r>
+              <a:rPr lang="en-US" dirty="0" err="1">
+                <a:solidFill>
+                  <a:srgbClr val="000000"/>
+                </a:solidFill>
+                <a:latin typeface="Noto Sans Symbols"/>
+                <a:ea typeface="Noto Sans Symbols"/>
+                <a:cs typeface="Noto Sans Symbols"/>
+              </a:rPr>
+              <a:t>yêu</a:t>
+            </a:r>
+            <a:r>
+              <a:rPr lang="en-US" dirty="0">
+                <a:solidFill>
+                  <a:srgbClr val="000000"/>
+                </a:solidFill>
+                <a:latin typeface="Noto Sans Symbols"/>
+                <a:ea typeface="Noto Sans Symbols"/>
+                <a:cs typeface="Noto Sans Symbols"/>
+              </a:rPr>
+              <a:t> </a:t>
+            </a:r>
+            <a:r>
+              <a:rPr lang="en-US" dirty="0" err="1">
+                <a:solidFill>
+                  <a:srgbClr val="000000"/>
+                </a:solidFill>
+                <a:latin typeface="Noto Sans Symbols"/>
+                <a:ea typeface="Noto Sans Symbols"/>
+                <a:cs typeface="Noto Sans Symbols"/>
+              </a:rPr>
+              <a:t>thích</a:t>
+            </a:r>
+            <a:r>
+              <a:rPr lang="en-US" dirty="0">
+                <a:solidFill>
+                  <a:srgbClr val="000000"/>
+                </a:solidFill>
+                <a:latin typeface="Noto Sans Symbols"/>
+                <a:ea typeface="Noto Sans Symbols"/>
+                <a:cs typeface="Noto Sans Symbols"/>
+              </a:rPr>
+              <a:t> </a:t>
+            </a:r>
+            <a:r>
+              <a:rPr lang="en-US" dirty="0" err="1">
+                <a:solidFill>
+                  <a:srgbClr val="000000"/>
+                </a:solidFill>
+                <a:latin typeface="Noto Sans Symbols"/>
+                <a:ea typeface="Noto Sans Symbols"/>
+                <a:cs typeface="Noto Sans Symbols"/>
+              </a:rPr>
+              <a:t>và</a:t>
+            </a:r>
+            <a:r>
+              <a:rPr lang="en-US" dirty="0">
+                <a:solidFill>
+                  <a:srgbClr val="000000"/>
+                </a:solidFill>
+                <a:latin typeface="Noto Sans Symbols"/>
+                <a:ea typeface="Noto Sans Symbols"/>
+                <a:cs typeface="Noto Sans Symbols"/>
+              </a:rPr>
+              <a:t> </a:t>
+            </a:r>
+            <a:r>
+              <a:rPr lang="en-US" dirty="0" err="1">
+                <a:solidFill>
+                  <a:srgbClr val="000000"/>
+                </a:solidFill>
+                <a:latin typeface="Noto Sans Symbols"/>
+                <a:ea typeface="Noto Sans Symbols"/>
+                <a:cs typeface="Noto Sans Symbols"/>
+              </a:rPr>
+              <a:t>lưu</a:t>
+            </a:r>
+            <a:r>
+              <a:rPr lang="en-US" dirty="0">
+                <a:solidFill>
+                  <a:srgbClr val="000000"/>
+                </a:solidFill>
+                <a:latin typeface="Noto Sans Symbols"/>
+                <a:ea typeface="Noto Sans Symbols"/>
+                <a:cs typeface="Noto Sans Symbols"/>
+              </a:rPr>
+              <a:t> </a:t>
+            </a:r>
+            <a:r>
+              <a:rPr lang="en-US" dirty="0" err="1">
+                <a:solidFill>
+                  <a:srgbClr val="000000"/>
+                </a:solidFill>
+                <a:latin typeface="Noto Sans Symbols"/>
+                <a:ea typeface="Noto Sans Symbols"/>
+                <a:cs typeface="Noto Sans Symbols"/>
+              </a:rPr>
+              <a:t>lại</a:t>
+            </a:r>
+            <a:r>
+              <a:rPr lang="en-US" dirty="0">
+                <a:solidFill>
+                  <a:srgbClr val="000000"/>
+                </a:solidFill>
+                <a:latin typeface="Noto Sans Symbols"/>
+                <a:ea typeface="Noto Sans Symbols"/>
+                <a:cs typeface="Noto Sans Symbols"/>
+              </a:rPr>
+              <a:t>. Load </a:t>
+            </a:r>
+            <a:r>
+              <a:rPr lang="en-US" dirty="0" err="1">
+                <a:solidFill>
+                  <a:srgbClr val="000000"/>
+                </a:solidFill>
+                <a:latin typeface="Noto Sans Symbols"/>
+                <a:ea typeface="Noto Sans Symbols"/>
+                <a:cs typeface="Noto Sans Symbols"/>
+              </a:rPr>
+              <a:t>lại</a:t>
+            </a:r>
+            <a:r>
+              <a:rPr lang="en-US" dirty="0">
+                <a:solidFill>
+                  <a:srgbClr val="000000"/>
+                </a:solidFill>
+                <a:latin typeface="Noto Sans Symbols"/>
+                <a:ea typeface="Noto Sans Symbols"/>
+                <a:cs typeface="Noto Sans Symbols"/>
+              </a:rPr>
+              <a:t> </a:t>
+            </a:r>
+            <a:r>
+              <a:rPr lang="en-US" dirty="0" err="1">
+                <a:solidFill>
+                  <a:srgbClr val="000000"/>
+                </a:solidFill>
+                <a:latin typeface="Noto Sans Symbols"/>
+                <a:ea typeface="Noto Sans Symbols"/>
+                <a:cs typeface="Noto Sans Symbols"/>
+              </a:rPr>
+              <a:t>bài</a:t>
+            </a:r>
+            <a:r>
+              <a:rPr lang="en-US" dirty="0">
+                <a:solidFill>
+                  <a:srgbClr val="000000"/>
+                </a:solidFill>
+                <a:latin typeface="Noto Sans Symbols"/>
+                <a:ea typeface="Noto Sans Symbols"/>
+                <a:cs typeface="Noto Sans Symbols"/>
+              </a:rPr>
+              <a:t> </a:t>
+            </a:r>
+            <a:r>
+              <a:rPr lang="en-US" dirty="0" err="1">
+                <a:solidFill>
+                  <a:srgbClr val="000000"/>
+                </a:solidFill>
+                <a:latin typeface="Noto Sans Symbols"/>
+                <a:ea typeface="Noto Sans Symbols"/>
+                <a:cs typeface="Noto Sans Symbols"/>
+              </a:rPr>
+              <a:t>báo</a:t>
+            </a:r>
+            <a:r>
+              <a:rPr lang="en-US" dirty="0">
+                <a:solidFill>
+                  <a:srgbClr val="000000"/>
+                </a:solidFill>
+                <a:latin typeface="Noto Sans Symbols"/>
+                <a:ea typeface="Noto Sans Symbols"/>
+                <a:cs typeface="Noto Sans Symbols"/>
+              </a:rPr>
+              <a:t> </a:t>
+            </a:r>
+            <a:r>
+              <a:rPr lang="en-US" dirty="0" err="1">
+                <a:solidFill>
+                  <a:srgbClr val="000000"/>
+                </a:solidFill>
+                <a:latin typeface="Noto Sans Symbols"/>
+                <a:ea typeface="Noto Sans Symbols"/>
+                <a:cs typeface="Noto Sans Symbols"/>
+              </a:rPr>
+              <a:t>yêu</a:t>
+            </a:r>
+            <a:r>
+              <a:rPr lang="en-US" dirty="0">
+                <a:solidFill>
+                  <a:srgbClr val="000000"/>
+                </a:solidFill>
+                <a:latin typeface="Noto Sans Symbols"/>
+                <a:ea typeface="Noto Sans Symbols"/>
+                <a:cs typeface="Noto Sans Symbols"/>
+              </a:rPr>
+              <a:t> </a:t>
+            </a:r>
+            <a:r>
+              <a:rPr lang="en-US" dirty="0" err="1">
+                <a:solidFill>
+                  <a:srgbClr val="000000"/>
+                </a:solidFill>
+                <a:latin typeface="Noto Sans Symbols"/>
+                <a:ea typeface="Noto Sans Symbols"/>
+                <a:cs typeface="Noto Sans Symbols"/>
+              </a:rPr>
+              <a:t>thích</a:t>
+            </a:r>
+            <a:r>
+              <a:rPr lang="en-US" dirty="0">
+                <a:solidFill>
+                  <a:srgbClr val="000000"/>
+                </a:solidFill>
+                <a:latin typeface="Noto Sans Symbols"/>
+                <a:ea typeface="Noto Sans Symbols"/>
+                <a:cs typeface="Noto Sans Symbols"/>
+              </a:rPr>
+              <a:t> </a:t>
+            </a:r>
+            <a:r>
+              <a:rPr lang="en-US" dirty="0" err="1">
+                <a:solidFill>
+                  <a:srgbClr val="000000"/>
+                </a:solidFill>
+                <a:latin typeface="Noto Sans Symbols"/>
+                <a:ea typeface="Noto Sans Symbols"/>
+                <a:cs typeface="Noto Sans Symbols"/>
+              </a:rPr>
+              <a:t>khi</a:t>
+            </a:r>
+            <a:r>
+              <a:rPr lang="en-US" dirty="0">
+                <a:solidFill>
+                  <a:srgbClr val="000000"/>
+                </a:solidFill>
+                <a:latin typeface="Noto Sans Symbols"/>
+                <a:ea typeface="Noto Sans Symbols"/>
+                <a:cs typeface="Noto Sans Symbols"/>
+              </a:rPr>
+              <a:t> </a:t>
+            </a:r>
+            <a:r>
+              <a:rPr lang="en-US" dirty="0" err="1">
+                <a:solidFill>
+                  <a:srgbClr val="000000"/>
+                </a:solidFill>
+                <a:latin typeface="Noto Sans Symbols"/>
+                <a:ea typeface="Noto Sans Symbols"/>
+                <a:cs typeface="Noto Sans Symbols"/>
+              </a:rPr>
+              <a:t>khởi</a:t>
+            </a:r>
+            <a:r>
+              <a:rPr lang="en-US" dirty="0">
+                <a:solidFill>
+                  <a:srgbClr val="000000"/>
+                </a:solidFill>
+                <a:latin typeface="Noto Sans Symbols"/>
+                <a:ea typeface="Noto Sans Symbols"/>
+                <a:cs typeface="Noto Sans Symbols"/>
+              </a:rPr>
+              <a:t> </a:t>
+            </a:r>
+            <a:r>
+              <a:rPr lang="en-US" dirty="0" err="1">
+                <a:solidFill>
+                  <a:srgbClr val="000000"/>
+                </a:solidFill>
+                <a:latin typeface="Noto Sans Symbols"/>
+                <a:ea typeface="Noto Sans Symbols"/>
+                <a:cs typeface="Noto Sans Symbols"/>
+              </a:rPr>
+              <a:t>động</a:t>
+            </a:r>
+            <a:r>
+              <a:rPr lang="en-US" dirty="0">
+                <a:solidFill>
+                  <a:srgbClr val="000000"/>
+                </a:solidFill>
+                <a:latin typeface="Noto Sans Symbols"/>
+                <a:ea typeface="Noto Sans Symbols"/>
+                <a:cs typeface="Noto Sans Symbols"/>
+              </a:rPr>
+              <a:t> </a:t>
+            </a:r>
+            <a:r>
+              <a:rPr lang="en-US" dirty="0" err="1">
+                <a:solidFill>
+                  <a:srgbClr val="000000"/>
+                </a:solidFill>
+                <a:latin typeface="Noto Sans Symbols"/>
+                <a:ea typeface="Noto Sans Symbols"/>
+                <a:cs typeface="Noto Sans Symbols"/>
+              </a:rPr>
+              <a:t>ứng</a:t>
+            </a:r>
+            <a:r>
+              <a:rPr lang="en-US" dirty="0">
+                <a:solidFill>
+                  <a:srgbClr val="000000"/>
+                </a:solidFill>
+                <a:latin typeface="Noto Sans Symbols"/>
+                <a:ea typeface="Noto Sans Symbols"/>
+                <a:cs typeface="Noto Sans Symbols"/>
+              </a:rPr>
+              <a:t> </a:t>
+            </a:r>
+            <a:r>
+              <a:rPr lang="en-US" dirty="0" err="1">
+                <a:solidFill>
+                  <a:srgbClr val="000000"/>
+                </a:solidFill>
+                <a:latin typeface="Noto Sans Symbols"/>
+                <a:ea typeface="Noto Sans Symbols"/>
+                <a:cs typeface="Noto Sans Symbols"/>
+              </a:rPr>
+              <a:t>dụng</a:t>
+            </a:r>
+            <a:r>
+              <a:rPr lang="en-US" dirty="0">
+                <a:solidFill>
+                  <a:srgbClr val="000000"/>
+                </a:solidFill>
+                <a:latin typeface="Noto Sans Symbols"/>
+                <a:ea typeface="Noto Sans Symbols"/>
+                <a:cs typeface="Noto Sans Symbols"/>
+              </a:rPr>
+              <a:t>.</a:t>
+            </a:r>
+            <a:endParaRPr lang="en-US" dirty="0">
+              <a:effectLst/>
+              <a:latin typeface="Noto Sans Symbols"/>
+              <a:ea typeface="Noto Sans Symbols"/>
+              <a:cs typeface="Noto Sans Symbols"/>
+            </a:endParaRPr>
+          </a:p>
+        </p:txBody>
+      </p:sp>
     </p:spTree>
     <p:extLst>
       <p:ext uri="{BB962C8B-B14F-4D97-AF65-F5344CB8AC3E}">
@@ -8295,6 +13562,13 @@
   <p:clrMapOvr>
     <a:masterClrMapping/>
   </p:clrMapOvr>
+  <p:timing>
+    <p:tnLst>
+      <p:par>
+        <p:cTn id="1" dur="indefinite" restart="never" nodeType="tmRoot"/>
+      </p:par>
+    </p:tnLst>
+  </p:timing>
 </p:sld>
 </file>
 

--- a/document/file_thuyet_trinh.pptx
+++ b/document/file_thuyet_trinh.pptx
@@ -3988,6 +3988,9 @@
   <p:clrMapOvr>
     <a:masterClrMapping/>
   </p:clrMapOvr>
+  <p:transition spd="slow">
+    <p:push dir="u"/>
+  </p:transition>
   <p:timing>
     <p:tnLst>
       <p:par>
@@ -4148,7 +4151,7 @@
         <p:spPr>
           <a:xfrm>
             <a:off x="1562470" y="1509204"/>
-            <a:ext cx="9179511" cy="1200329"/>
+            <a:ext cx="9179511" cy="1569660"/>
           </a:xfrm>
           <a:prstGeom prst="rect">
             <a:avLst/>
@@ -4166,85 +4169,82 @@
               <a:buChar char="•"/>
             </a:pPr>
             <a:r>
-              <a:rPr lang="en-US" dirty="0" err="1" smtClean="0"/>
+              <a:rPr lang="en-US" sz="2400" dirty="0" err="1" smtClean="0"/>
               <a:t>Yêu</a:t>
             </a:r>
             <a:r>
-              <a:rPr lang="en-US" dirty="0" smtClean="0"/>
-              <a:t> </a:t>
-            </a:r>
-            <a:r>
-              <a:rPr lang="en-US" dirty="0" err="1" smtClean="0"/>
+              <a:rPr lang="en-US" sz="2400" dirty="0" smtClean="0"/>
+              <a:t> </a:t>
+            </a:r>
+            <a:r>
+              <a:rPr lang="en-US" sz="2400" dirty="0" err="1" smtClean="0"/>
               <a:t>cầu</a:t>
             </a:r>
             <a:r>
-              <a:rPr lang="en-US" dirty="0" smtClean="0"/>
-              <a:t> </a:t>
-            </a:r>
-            <a:r>
-              <a:rPr lang="en-US" dirty="0" err="1" smtClean="0"/>
+              <a:rPr lang="en-US" sz="2400" dirty="0" smtClean="0"/>
+              <a:t> </a:t>
+            </a:r>
+            <a:r>
+              <a:rPr lang="en-US" sz="2400" dirty="0" err="1" smtClean="0"/>
               <a:t>cài</a:t>
             </a:r>
             <a:r>
-              <a:rPr lang="en-US" dirty="0" smtClean="0"/>
-              <a:t> </a:t>
-            </a:r>
-            <a:r>
-              <a:rPr lang="en-US" dirty="0" err="1" smtClean="0"/>
+              <a:rPr lang="en-US" sz="2400" dirty="0" smtClean="0"/>
+              <a:t> </a:t>
+            </a:r>
+            <a:r>
+              <a:rPr lang="en-US" sz="2400" dirty="0" err="1" smtClean="0"/>
               <a:t>đặt</a:t>
             </a:r>
             <a:r>
-              <a:rPr lang="en-US" dirty="0" smtClean="0"/>
-              <a:t> </a:t>
-            </a:r>
-            <a:r>
-              <a:rPr lang="en-US" dirty="0" err="1" smtClean="0"/>
+              <a:rPr lang="en-US" sz="2400" dirty="0" smtClean="0"/>
+              <a:t> </a:t>
+            </a:r>
+            <a:r>
+              <a:rPr lang="en-US" sz="2400" dirty="0" err="1" smtClean="0"/>
               <a:t>nodejs</a:t>
             </a:r>
             <a:r>
-              <a:rPr lang="en-US" dirty="0" smtClean="0"/>
-              <a:t> </a:t>
-            </a:r>
-            <a:r>
-              <a:rPr lang="en-US" dirty="0" err="1" smtClean="0"/>
+              <a:rPr lang="en-US" sz="2400" dirty="0" smtClean="0"/>
+              <a:t> </a:t>
+            </a:r>
+            <a:r>
+              <a:rPr lang="en-US" sz="2400" dirty="0" err="1" smtClean="0"/>
               <a:t>và</a:t>
             </a:r>
             <a:r>
-              <a:rPr lang="en-US" dirty="0" smtClean="0"/>
-              <a:t> </a:t>
-            </a:r>
-            <a:r>
-              <a:rPr lang="en-US" dirty="0" err="1" smtClean="0"/>
+              <a:rPr lang="en-US" sz="2400" dirty="0" smtClean="0"/>
+              <a:t> </a:t>
+            </a:r>
+            <a:r>
+              <a:rPr lang="en-US" sz="2400" dirty="0" err="1" smtClean="0"/>
               <a:t>môi</a:t>
             </a:r>
             <a:r>
-              <a:rPr lang="en-US" dirty="0" smtClean="0"/>
-              <a:t> </a:t>
-            </a:r>
-            <a:r>
-              <a:rPr lang="en-US" dirty="0" err="1" smtClean="0"/>
+              <a:rPr lang="en-US" sz="2400" dirty="0" smtClean="0"/>
+              <a:t> </a:t>
+            </a:r>
+            <a:r>
+              <a:rPr lang="en-US" sz="2400" dirty="0" err="1" smtClean="0"/>
               <a:t>trường</a:t>
             </a:r>
             <a:r>
-              <a:rPr lang="en-US" dirty="0" smtClean="0"/>
-              <a:t> </a:t>
-            </a:r>
-            <a:r>
-              <a:rPr lang="en-US" dirty="0" err="1" smtClean="0"/>
+              <a:rPr lang="en-US" sz="2400" dirty="0" smtClean="0"/>
+              <a:t> </a:t>
+            </a:r>
+            <a:r>
+              <a:rPr lang="en-US" sz="2400" dirty="0" err="1" smtClean="0"/>
               <a:t>để</a:t>
             </a:r>
             <a:r>
-              <a:rPr lang="en-US" dirty="0" smtClean="0"/>
-              <a:t> </a:t>
-            </a:r>
-            <a:r>
-              <a:rPr lang="en-US" dirty="0" err="1" smtClean="0"/>
+              <a:rPr lang="en-US" sz="2400" dirty="0" smtClean="0"/>
+              <a:t> </a:t>
+            </a:r>
+            <a:r>
+              <a:rPr lang="en-US" sz="2400" dirty="0" err="1" smtClean="0"/>
               <a:t>chạy</a:t>
             </a:r>
-            <a:r>
-              <a:rPr lang="en-US" dirty="0" smtClean="0"/>
-              <a:t> (domain +  hosting)</a:t>
-            </a:r>
+            <a:endParaRPr lang="en-US" sz="2400" dirty="0" smtClean="0"/>
           </a:p>
           <a:p>
             <a:pPr marL="285750" indent="-285750">
@@ -4252,58 +4252,58 @@
               <a:buChar char="•"/>
             </a:pPr>
             <a:r>
-              <a:rPr lang="en-US" dirty="0" err="1" smtClean="0"/>
+              <a:rPr lang="en-US" sz="2400" dirty="0" err="1" smtClean="0"/>
               <a:t>Sử</a:t>
             </a:r>
             <a:r>
-              <a:rPr lang="en-US" dirty="0" smtClean="0"/>
-              <a:t> </a:t>
-            </a:r>
-            <a:r>
-              <a:rPr lang="en-US" dirty="0" err="1" smtClean="0"/>
+              <a:rPr lang="en-US" sz="2400" dirty="0" smtClean="0"/>
+              <a:t> </a:t>
+            </a:r>
+            <a:r>
+              <a:rPr lang="en-US" sz="2400" dirty="0" err="1" smtClean="0"/>
               <a:t>dụng</a:t>
             </a:r>
             <a:r>
-              <a:rPr lang="en-US" dirty="0" smtClean="0"/>
+              <a:rPr lang="en-US" sz="2400" dirty="0" smtClean="0"/>
               <a:t> package crawler </a:t>
             </a:r>
             <a:r>
-              <a:rPr lang="en-US" dirty="0" err="1" smtClean="0"/>
+              <a:rPr lang="en-US" sz="2400" dirty="0" err="1" smtClean="0"/>
               <a:t>của</a:t>
             </a:r>
             <a:r>
-              <a:rPr lang="en-US" dirty="0" smtClean="0"/>
-              <a:t> </a:t>
-            </a:r>
-            <a:r>
-              <a:rPr lang="en-US" dirty="0" err="1" smtClean="0"/>
+              <a:rPr lang="en-US" sz="2400" dirty="0" smtClean="0"/>
+              <a:t> </a:t>
+            </a:r>
+            <a:r>
+              <a:rPr lang="en-US" sz="2400" dirty="0" err="1" smtClean="0"/>
               <a:t>nodejs</a:t>
             </a:r>
             <a:r>
-              <a:rPr lang="en-US" dirty="0" smtClean="0"/>
-              <a:t> </a:t>
-            </a:r>
-            <a:r>
-              <a:rPr lang="en-US" dirty="0" err="1" smtClean="0"/>
+              <a:rPr lang="en-US" sz="2400" dirty="0" smtClean="0"/>
+              <a:t> </a:t>
+            </a:r>
+            <a:r>
+              <a:rPr lang="en-US" sz="2400" dirty="0" err="1" smtClean="0"/>
               <a:t>để</a:t>
             </a:r>
             <a:r>
-              <a:rPr lang="en-US" dirty="0" smtClean="0"/>
+              <a:rPr lang="en-US" sz="2400" dirty="0" smtClean="0"/>
               <a:t> craw </a:t>
             </a:r>
             <a:r>
-              <a:rPr lang="en-US" dirty="0" err="1" smtClean="0"/>
+              <a:rPr lang="en-US" sz="2400" dirty="0" err="1" smtClean="0"/>
               <a:t>dữ</a:t>
             </a:r>
             <a:r>
-              <a:rPr lang="en-US" dirty="0" smtClean="0"/>
-              <a:t> </a:t>
-            </a:r>
-            <a:r>
-              <a:rPr lang="en-US" dirty="0" err="1" smtClean="0"/>
+              <a:rPr lang="en-US" sz="2400" dirty="0" smtClean="0"/>
+              <a:t> </a:t>
+            </a:r>
+            <a:r>
+              <a:rPr lang="en-US" sz="2400" dirty="0" err="1" smtClean="0"/>
               <a:t>liệu</a:t>
             </a:r>
-            <a:endParaRPr lang="en-US" dirty="0" smtClean="0"/>
+            <a:endParaRPr lang="en-US" sz="2400" dirty="0" smtClean="0"/>
           </a:p>
           <a:p>
             <a:pPr marL="285750" indent="-285750">
@@ -4311,53 +4311,53 @@
               <a:buChar char="•"/>
             </a:pPr>
             <a:r>
-              <a:rPr lang="en-US" dirty="0" err="1" smtClean="0"/>
+              <a:rPr lang="en-US" sz="2400" dirty="0" err="1" smtClean="0"/>
               <a:t>Gọi</a:t>
             </a:r>
             <a:r>
-              <a:rPr lang="en-US" dirty="0" smtClean="0"/>
+              <a:rPr lang="en-US" sz="2400" dirty="0" smtClean="0"/>
               <a:t> API </a:t>
             </a:r>
             <a:r>
-              <a:rPr lang="en-US" dirty="0" err="1" smtClean="0"/>
+              <a:rPr lang="en-US" sz="2400" dirty="0" err="1" smtClean="0"/>
               <a:t>lên</a:t>
             </a:r>
             <a:r>
-              <a:rPr lang="en-US" dirty="0" smtClean="0"/>
+              <a:rPr lang="en-US" sz="2400" dirty="0" smtClean="0"/>
               <a:t> server </a:t>
             </a:r>
             <a:r>
-              <a:rPr lang="en-US" dirty="0" err="1" smtClean="0"/>
+              <a:rPr lang="en-US" sz="2400" dirty="0" err="1" smtClean="0"/>
               <a:t>để</a:t>
             </a:r>
             <a:r>
-              <a:rPr lang="en-US" dirty="0" smtClean="0"/>
-              <a:t> </a:t>
-            </a:r>
-            <a:r>
-              <a:rPr lang="en-US" dirty="0" err="1" smtClean="0"/>
+              <a:rPr lang="en-US" sz="2400" dirty="0" smtClean="0"/>
+              <a:t> </a:t>
+            </a:r>
+            <a:r>
+              <a:rPr lang="en-US" sz="2400" dirty="0" err="1" smtClean="0"/>
               <a:t>lấy</a:t>
             </a:r>
             <a:r>
-              <a:rPr lang="en-US" dirty="0" smtClean="0"/>
-              <a:t> </a:t>
-            </a:r>
-            <a:r>
-              <a:rPr lang="en-US" dirty="0" err="1" smtClean="0"/>
+              <a:rPr lang="en-US" sz="2400" dirty="0" smtClean="0"/>
+              <a:t> </a:t>
+            </a:r>
+            <a:r>
+              <a:rPr lang="en-US" sz="2400" dirty="0" err="1" smtClean="0"/>
               <a:t>dữ</a:t>
             </a:r>
             <a:r>
-              <a:rPr lang="en-US" dirty="0" smtClean="0"/>
-              <a:t> </a:t>
-            </a:r>
-            <a:r>
-              <a:rPr lang="en-US" dirty="0" err="1" smtClean="0"/>
+              <a:rPr lang="en-US" sz="2400" dirty="0" smtClean="0"/>
+              <a:t> </a:t>
+            </a:r>
+            <a:r>
+              <a:rPr lang="en-US" sz="2400" dirty="0" err="1" smtClean="0"/>
               <a:t>liệu</a:t>
             </a:r>
-            <a:endParaRPr lang="en-US" dirty="0" smtClean="0"/>
-          </a:p>
-          <a:p>
-            <a:endParaRPr lang="en-US" dirty="0"/>
+            <a:endParaRPr lang="en-US" sz="2400" dirty="0" smtClean="0"/>
+          </a:p>
+          <a:p>
+            <a:endParaRPr lang="en-US" sz="2400" dirty="0"/>
           </a:p>
         </p:txBody>
       </p:sp>
@@ -4371,6 +4371,9 @@
   <p:clrMapOvr>
     <a:masterClrMapping/>
   </p:clrMapOvr>
+  <p:transition spd="slow">
+    <p:push dir="u"/>
+  </p:transition>
   <p:timing>
     <p:tnLst>
       <p:par>
@@ -4531,7 +4534,7 @@
         <p:spPr>
           <a:xfrm>
             <a:off x="1562470" y="1509204"/>
-            <a:ext cx="9179511" cy="369332"/>
+            <a:ext cx="9179511" cy="400110"/>
           </a:xfrm>
           <a:prstGeom prst="rect">
             <a:avLst/>
@@ -4549,42 +4552,42 @@
               <a:buChar char="•"/>
             </a:pPr>
             <a:r>
-              <a:rPr lang="en-US" dirty="0" err="1" smtClean="0"/>
+              <a:rPr lang="en-US" sz="2000" dirty="0" err="1" smtClean="0"/>
               <a:t>Lấy</a:t>
             </a:r>
             <a:r>
-              <a:rPr lang="en-US" dirty="0" smtClean="0"/>
-              <a:t> </a:t>
-            </a:r>
-            <a:r>
-              <a:rPr lang="en-US" dirty="0" err="1" smtClean="0"/>
+              <a:rPr lang="en-US" sz="2000" dirty="0" smtClean="0"/>
+              <a:t> </a:t>
+            </a:r>
+            <a:r>
+              <a:rPr lang="en-US" sz="2000" dirty="0" err="1" smtClean="0"/>
               <a:t>danh</a:t>
             </a:r>
             <a:r>
-              <a:rPr lang="en-US" dirty="0" smtClean="0"/>
-              <a:t> </a:t>
-            </a:r>
-            <a:r>
-              <a:rPr lang="en-US" dirty="0" err="1" smtClean="0"/>
+              <a:rPr lang="en-US" sz="2000" dirty="0" smtClean="0"/>
+              <a:t> </a:t>
+            </a:r>
+            <a:r>
+              <a:rPr lang="en-US" sz="2000" dirty="0" err="1" smtClean="0"/>
               <a:t>sách</a:t>
             </a:r>
             <a:r>
-              <a:rPr lang="en-US" dirty="0" smtClean="0"/>
+              <a:rPr lang="en-US" sz="2000" dirty="0" smtClean="0"/>
               <a:t> menu: </a:t>
             </a:r>
             <a:r>
-              <a:rPr lang="en-US" dirty="0"/>
+              <a:rPr lang="en-US" sz="2000" dirty="0"/>
               <a:t>http://</a:t>
             </a:r>
             <a:r>
-              <a:rPr lang="en-US" dirty="0" err="1" smtClean="0"/>
+              <a:rPr lang="en-US" sz="2000" dirty="0" err="1" smtClean="0"/>
               <a:t>tructt.laptrinhaz.com:65014</a:t>
             </a:r>
             <a:r>
-              <a:rPr lang="en-US" dirty="0" smtClean="0"/>
+              <a:rPr lang="en-US" sz="2000" dirty="0" smtClean="0"/>
               <a:t>/menu</a:t>
             </a:r>
-            <a:endParaRPr lang="en-US" dirty="0"/>
+            <a:endParaRPr lang="en-US" sz="2000" dirty="0"/>
           </a:p>
         </p:txBody>
       </p:sp>
@@ -4622,6 +4625,9 @@
   <p:clrMapOvr>
     <a:masterClrMapping/>
   </p:clrMapOvr>
+  <p:transition spd="slow">
+    <p:push dir="u"/>
+  </p:transition>
   <p:timing>
     <p:tnLst>
       <p:par>
@@ -4782,7 +4788,7 @@
         <p:spPr>
           <a:xfrm>
             <a:off x="1562470" y="1509204"/>
-            <a:ext cx="9179511" cy="369332"/>
+            <a:ext cx="9179511" cy="400110"/>
           </a:xfrm>
           <a:prstGeom prst="rect">
             <a:avLst/>
@@ -4800,55 +4806,55 @@
               <a:buChar char="•"/>
             </a:pPr>
             <a:r>
-              <a:rPr lang="en-US" dirty="0" err="1" smtClean="0"/>
+              <a:rPr lang="en-US" sz="2000" dirty="0" err="1" smtClean="0"/>
               <a:t>Lấy</a:t>
             </a:r>
             <a:r>
-              <a:rPr lang="en-US" dirty="0" smtClean="0"/>
-              <a:t> </a:t>
-            </a:r>
-            <a:r>
-              <a:rPr lang="en-US" dirty="0" err="1" smtClean="0"/>
+              <a:rPr lang="en-US" sz="2000" dirty="0" smtClean="0"/>
+              <a:t> </a:t>
+            </a:r>
+            <a:r>
+              <a:rPr lang="en-US" sz="2000" dirty="0" err="1" smtClean="0"/>
               <a:t>nội</a:t>
             </a:r>
             <a:r>
-              <a:rPr lang="en-US" dirty="0" smtClean="0"/>
+              <a:rPr lang="en-US" sz="2000" dirty="0" smtClean="0"/>
               <a:t> dung ở </a:t>
             </a:r>
             <a:r>
-              <a:rPr lang="en-US" dirty="0" err="1" smtClean="0"/>
+              <a:rPr lang="en-US" sz="2000" dirty="0" err="1" smtClean="0"/>
               <a:t>giao</a:t>
             </a:r>
             <a:r>
-              <a:rPr lang="en-US" dirty="0" smtClean="0"/>
-              <a:t> </a:t>
-            </a:r>
-            <a:r>
-              <a:rPr lang="en-US" dirty="0" err="1" smtClean="0"/>
+              <a:rPr lang="en-US" sz="2000" dirty="0" smtClean="0"/>
+              <a:t> </a:t>
+            </a:r>
+            <a:r>
+              <a:rPr lang="en-US" sz="2000" dirty="0" err="1" smtClean="0"/>
               <a:t>diện</a:t>
             </a:r>
             <a:r>
-              <a:rPr lang="en-US" dirty="0" smtClean="0"/>
-              <a:t> </a:t>
-            </a:r>
-            <a:r>
-              <a:rPr lang="en-US" dirty="0" err="1" smtClean="0"/>
+              <a:rPr lang="en-US" sz="2000" dirty="0" smtClean="0"/>
+              <a:t> </a:t>
+            </a:r>
+            <a:r>
+              <a:rPr lang="en-US" sz="2000" dirty="0" err="1" smtClean="0"/>
               <a:t>chính</a:t>
             </a:r>
             <a:r>
-              <a:rPr lang="en-US" dirty="0" smtClean="0"/>
+              <a:rPr lang="en-US" sz="2000" dirty="0" smtClean="0"/>
               <a:t>: </a:t>
             </a:r>
             <a:r>
-              <a:rPr lang="en-US" dirty="0"/>
+              <a:rPr lang="en-US" sz="2000" dirty="0"/>
               <a:t>http://</a:t>
             </a:r>
             <a:r>
-              <a:rPr lang="en-US" dirty="0" err="1"/>
+              <a:rPr lang="en-US" sz="2000" dirty="0" err="1"/>
               <a:t>tructt.laptrinhaz.com:65014</a:t>
             </a:r>
             <a:r>
-              <a:rPr lang="en-US" dirty="0"/>
+              <a:rPr lang="en-US" sz="2000" dirty="0"/>
               <a:t>/home</a:t>
             </a:r>
           </a:p>
@@ -4888,6 +4894,9 @@
   <p:clrMapOvr>
     <a:masterClrMapping/>
   </p:clrMapOvr>
+  <p:transition spd="slow">
+    <p:push dir="u"/>
+  </p:transition>
   <p:timing>
     <p:tnLst>
       <p:par>
@@ -5048,7 +5057,7 @@
         <p:spPr>
           <a:xfrm>
             <a:off x="1562470" y="1509204"/>
-            <a:ext cx="9179511" cy="369332"/>
+            <a:ext cx="9179511" cy="400110"/>
           </a:xfrm>
           <a:prstGeom prst="rect">
             <a:avLst/>
@@ -5066,58 +5075,58 @@
               <a:buChar char="•"/>
             </a:pPr>
             <a:r>
-              <a:rPr lang="en-US" dirty="0" smtClean="0"/>
+              <a:rPr lang="en-US" sz="2000" dirty="0" smtClean="0"/>
               <a:t>Search </a:t>
             </a:r>
             <a:r>
-              <a:rPr lang="en-US" dirty="0" err="1" smtClean="0"/>
+              <a:rPr lang="en-US" sz="2000" dirty="0" err="1" smtClean="0"/>
               <a:t>theo</a:t>
             </a:r>
             <a:r>
-              <a:rPr lang="en-US" dirty="0" smtClean="0"/>
-              <a:t> </a:t>
-            </a:r>
-            <a:r>
-              <a:rPr lang="en-US" dirty="0" err="1" smtClean="0"/>
+              <a:rPr lang="en-US" sz="2000" dirty="0" smtClean="0"/>
+              <a:t> </a:t>
+            </a:r>
+            <a:r>
+              <a:rPr lang="en-US" sz="2000" dirty="0" err="1" smtClean="0"/>
               <a:t>từ</a:t>
             </a:r>
             <a:r>
-              <a:rPr lang="en-US" dirty="0" smtClean="0"/>
-              <a:t> </a:t>
-            </a:r>
-            <a:r>
-              <a:rPr lang="en-US" dirty="0" err="1" smtClean="0"/>
+              <a:rPr lang="en-US" sz="2000" dirty="0" smtClean="0"/>
+              <a:t> </a:t>
+            </a:r>
+            <a:r>
+              <a:rPr lang="en-US" sz="2000" dirty="0" err="1" smtClean="0"/>
               <a:t>khóa</a:t>
             </a:r>
             <a:r>
-              <a:rPr lang="en-US" dirty="0" smtClean="0"/>
+              <a:rPr lang="en-US" sz="2000" dirty="0" smtClean="0"/>
               <a:t>: </a:t>
             </a:r>
             <a:r>
-              <a:rPr lang="en-US" dirty="0"/>
+              <a:rPr lang="en-US" sz="2000" dirty="0"/>
               <a:t>http://</a:t>
             </a:r>
             <a:r>
-              <a:rPr lang="en-US" dirty="0" err="1"/>
+              <a:rPr lang="en-US" sz="2000" dirty="0" err="1"/>
               <a:t>tructt.laptrinhaz.com:65014</a:t>
             </a:r>
             <a:r>
-              <a:rPr lang="en-US" dirty="0"/>
+              <a:rPr lang="en-US" sz="2000" dirty="0"/>
               <a:t>/</a:t>
             </a:r>
             <a:r>
-              <a:rPr lang="en-US" dirty="0" err="1"/>
+              <a:rPr lang="en-US" sz="2000" dirty="0" err="1"/>
               <a:t>search?text</a:t>
             </a:r>
             <a:r>
-              <a:rPr lang="en-US" dirty="0"/>
+              <a:rPr lang="en-US" sz="2000" dirty="0"/>
               <a:t>=</a:t>
             </a:r>
             <a:r>
-              <a:rPr lang="en-US" dirty="0" err="1"/>
+              <a:rPr lang="en-US" sz="2000" dirty="0" err="1"/>
               <a:t>bong+da</a:t>
             </a:r>
-            <a:endParaRPr lang="en-US" dirty="0"/>
+            <a:endParaRPr lang="en-US" sz="2000" dirty="0"/>
           </a:p>
         </p:txBody>
       </p:sp>
@@ -5155,6 +5164,9 @@
   <p:clrMapOvr>
     <a:masterClrMapping/>
   </p:clrMapOvr>
+  <p:transition spd="slow">
+    <p:push dir="u"/>
+  </p:transition>
   <p:timing>
     <p:tnLst>
       <p:par>
@@ -5315,7 +5327,7 @@
         <p:spPr>
           <a:xfrm>
             <a:off x="1562470" y="1509204"/>
-            <a:ext cx="9179511" cy="369332"/>
+            <a:ext cx="9179511" cy="400110"/>
           </a:xfrm>
           <a:prstGeom prst="rect">
             <a:avLst/>
@@ -5333,55 +5345,55 @@
               <a:buChar char="•"/>
             </a:pPr>
             <a:r>
-              <a:rPr lang="en-US" dirty="0" err="1" smtClean="0"/>
+              <a:rPr lang="en-US" sz="2000" dirty="0" err="1" smtClean="0"/>
               <a:t>Lấy</a:t>
             </a:r>
             <a:r>
-              <a:rPr lang="en-US" dirty="0" smtClean="0"/>
-              <a:t> </a:t>
-            </a:r>
-            <a:r>
-              <a:rPr lang="en-US" dirty="0" err="1" smtClean="0"/>
+              <a:rPr lang="en-US" sz="2000" dirty="0" smtClean="0"/>
+              <a:t> </a:t>
+            </a:r>
+            <a:r>
+              <a:rPr lang="en-US" sz="2000" dirty="0" err="1" smtClean="0"/>
               <a:t>nội</a:t>
             </a:r>
             <a:r>
-              <a:rPr lang="en-US" dirty="0" smtClean="0"/>
+              <a:rPr lang="en-US" sz="2000" dirty="0" smtClean="0"/>
               <a:t> dung chi </a:t>
             </a:r>
             <a:r>
-              <a:rPr lang="en-US" dirty="0" err="1" smtClean="0"/>
+              <a:rPr lang="en-US" sz="2000" dirty="0" err="1" smtClean="0"/>
               <a:t>tiết</a:t>
             </a:r>
             <a:r>
-              <a:rPr lang="en-US" dirty="0" smtClean="0"/>
-              <a:t> </a:t>
-            </a:r>
-            <a:r>
-              <a:rPr lang="en-US" dirty="0" err="1" smtClean="0"/>
+              <a:rPr lang="en-US" sz="2000" dirty="0" smtClean="0"/>
+              <a:t> </a:t>
+            </a:r>
+            <a:r>
+              <a:rPr lang="en-US" sz="2000" dirty="0" err="1" smtClean="0"/>
               <a:t>bài</a:t>
             </a:r>
             <a:r>
-              <a:rPr lang="en-US" dirty="0" smtClean="0"/>
-              <a:t> </a:t>
-            </a:r>
-            <a:r>
-              <a:rPr lang="en-US" dirty="0" err="1" smtClean="0"/>
+              <a:rPr lang="en-US" sz="2000" dirty="0" smtClean="0"/>
+              <a:t> </a:t>
+            </a:r>
+            <a:r>
+              <a:rPr lang="en-US" sz="2000" dirty="0" err="1" smtClean="0"/>
               <a:t>báo</a:t>
             </a:r>
             <a:r>
-              <a:rPr lang="en-US" dirty="0" smtClean="0"/>
+              <a:rPr lang="en-US" sz="2000" dirty="0" smtClean="0"/>
               <a:t>: </a:t>
             </a:r>
             <a:r>
-              <a:rPr lang="en-US" dirty="0"/>
+              <a:rPr lang="en-US" sz="2000" dirty="0"/>
               <a:t>http://</a:t>
             </a:r>
             <a:r>
-              <a:rPr lang="en-US" dirty="0" err="1"/>
+              <a:rPr lang="en-US" sz="2000" dirty="0" err="1"/>
               <a:t>tructt.laptrinhaz.com:65014</a:t>
             </a:r>
             <a:r>
-              <a:rPr lang="en-US" dirty="0"/>
+              <a:rPr lang="en-US" sz="2000" dirty="0"/>
               <a:t>/detail</a:t>
             </a:r>
           </a:p>
@@ -5421,6 +5433,9 @@
   <p:clrMapOvr>
     <a:masterClrMapping/>
   </p:clrMapOvr>
+  <p:transition spd="slow">
+    <p:push dir="u"/>
+  </p:transition>
   <p:timing>
     <p:tnLst>
       <p:par>
@@ -5594,35 +5609,6 @@
               </a:rPr>
               <a:t>Thank You !</a:t>
             </a:r>
-            <a:endParaRPr lang="en-US" sz="5000" b="1" kern="10" dirty="0">
-              <a:ln w="19050">
-                <a:solidFill>
-                  <a:prstClr val="white"/>
-                </a:solidFill>
-                <a:round/>
-                <a:headEnd/>
-                <a:tailEnd/>
-              </a:ln>
-              <a:gradFill rotWithShape="1">
-                <a:gsLst>
-                  <a:gs pos="0">
-                    <a:prstClr val="black"/>
-                  </a:gs>
-                  <a:gs pos="100000">
-                    <a:srgbClr val="4472C4"/>
-                  </a:gs>
-                </a:gsLst>
-                <a:lin ang="0" scaled="1"/>
-              </a:gradFill>
-              <a:effectLst>
-                <a:outerShdw dist="63500" dir="2212194" algn="ctr" rotWithShape="0">
-                  <a:srgbClr val="868686">
-                    <a:alpha val="50000"/>
-                  </a:srgbClr>
-                </a:outerShdw>
-              </a:effectLst>
-              <a:cs typeface="Arial" panose="020B0604020202020204" pitchFamily="34" charset="0"/>
-            </a:endParaRPr>
           </a:p>
         </p:txBody>
       </p:sp>
@@ -5636,6 +5622,9 @@
   <p:clrMapOvr>
     <a:masterClrMapping/>
   </p:clrMapOvr>
+  <p:transition spd="slow">
+    <p:push dir="u"/>
+  </p:transition>
   <p:timing>
     <p:tnLst>
       <p:par>
@@ -5692,7 +5681,7 @@
         </p:blipFill>
         <p:spPr bwMode="auto">
           <a:xfrm>
-            <a:off x="0" y="0"/>
+            <a:off x="0" y="8878"/>
             <a:ext cx="12192000" cy="6873949"/>
           </a:xfrm>
           <a:prstGeom prst="rect">
@@ -5812,7 +5801,7 @@
         <p:spPr>
           <a:xfrm>
             <a:off x="1251751" y="1651247"/>
-            <a:ext cx="8087558" cy="1200329"/>
+            <a:ext cx="8087558" cy="1938992"/>
           </a:xfrm>
           <a:prstGeom prst="rect">
             <a:avLst/>
@@ -5830,34 +5819,34 @@
               <a:buAutoNum type="arabicPeriod"/>
             </a:pPr>
             <a:r>
-              <a:rPr lang="en-US" b="1" dirty="0" err="1" smtClean="0"/>
+              <a:rPr lang="en-US" sz="3000" b="1" dirty="0" err="1" smtClean="0"/>
               <a:t>Giới</a:t>
             </a:r>
             <a:r>
-              <a:rPr lang="en-US" b="1" dirty="0" smtClean="0"/>
-              <a:t> </a:t>
-            </a:r>
-            <a:r>
-              <a:rPr lang="en-US" b="1" dirty="0" err="1" smtClean="0"/>
+              <a:rPr lang="en-US" sz="3000" b="1" dirty="0" smtClean="0"/>
+              <a:t> </a:t>
+            </a:r>
+            <a:r>
+              <a:rPr lang="en-US" sz="3000" b="1" dirty="0" err="1" smtClean="0"/>
               <a:t>thiệu</a:t>
             </a:r>
             <a:r>
-              <a:rPr lang="en-US" b="1" dirty="0" smtClean="0"/>
-              <a:t> </a:t>
-            </a:r>
-            <a:r>
-              <a:rPr lang="en-US" b="1" dirty="0" err="1" smtClean="0"/>
+              <a:rPr lang="en-US" sz="3000" b="1" dirty="0" smtClean="0"/>
+              <a:t> </a:t>
+            </a:r>
+            <a:r>
+              <a:rPr lang="en-US" sz="3000" b="1" dirty="0" err="1" smtClean="0"/>
               <a:t>đồ</a:t>
             </a:r>
             <a:r>
-              <a:rPr lang="en-US" b="1" dirty="0" smtClean="0"/>
-              <a:t> </a:t>
-            </a:r>
-            <a:r>
-              <a:rPr lang="en-US" b="1" dirty="0" err="1" smtClean="0"/>
+              <a:rPr lang="en-US" sz="3000" b="1" dirty="0" smtClean="0"/>
+              <a:t> </a:t>
+            </a:r>
+            <a:r>
+              <a:rPr lang="en-US" sz="3000" b="1" dirty="0" err="1" smtClean="0"/>
               <a:t>án</a:t>
             </a:r>
-            <a:endParaRPr lang="en-US" b="1" dirty="0" smtClean="0"/>
+            <a:endParaRPr lang="en-US" sz="3000" b="1" dirty="0" smtClean="0"/>
           </a:p>
           <a:p>
             <a:pPr marL="342900" indent="-342900">
@@ -5865,23 +5854,23 @@
               <a:buAutoNum type="arabicPeriod"/>
             </a:pPr>
             <a:r>
-              <a:rPr lang="en-US" b="1" dirty="0" smtClean="0"/>
+              <a:rPr lang="en-US" sz="3000" b="1" dirty="0" smtClean="0"/>
               <a:t>Demo chi </a:t>
             </a:r>
             <a:r>
-              <a:rPr lang="en-US" b="1" dirty="0" err="1" smtClean="0"/>
+              <a:rPr lang="en-US" sz="3000" b="1" dirty="0" err="1" smtClean="0"/>
               <a:t>tiết</a:t>
             </a:r>
             <a:r>
-              <a:rPr lang="en-US" b="1" dirty="0" smtClean="0"/>
-              <a:t> </a:t>
-            </a:r>
-            <a:r>
-              <a:rPr lang="en-US" b="1" dirty="0" err="1" smtClean="0"/>
+              <a:rPr lang="en-US" sz="3000" b="1" dirty="0" smtClean="0"/>
+              <a:t> </a:t>
+            </a:r>
+            <a:r>
+              <a:rPr lang="en-US" sz="3000" b="1" dirty="0" err="1" smtClean="0"/>
               <a:t>trên</a:t>
             </a:r>
             <a:r>
-              <a:rPr lang="en-US" b="1" dirty="0" smtClean="0"/>
+              <a:rPr lang="en-US" sz="3000" b="1" dirty="0" smtClean="0"/>
               <a:t> client</a:t>
             </a:r>
           </a:p>
@@ -5891,15 +5880,15 @@
               <a:buAutoNum type="arabicPeriod"/>
             </a:pPr>
             <a:r>
-              <a:rPr lang="en-US" b="1" dirty="0" smtClean="0"/>
+              <a:rPr lang="en-US" sz="3000" b="1" dirty="0" smtClean="0"/>
               <a:t>Demo </a:t>
             </a:r>
             <a:r>
-              <a:rPr lang="en-US" b="1" dirty="0" err="1" smtClean="0"/>
+              <a:rPr lang="en-US" sz="3000" b="1" dirty="0" err="1" smtClean="0"/>
               <a:t>trên</a:t>
             </a:r>
             <a:r>
-              <a:rPr lang="en-US" b="1" dirty="0" smtClean="0"/>
+              <a:rPr lang="en-US" sz="3000" b="1" dirty="0" smtClean="0"/>
               <a:t> server</a:t>
             </a:r>
           </a:p>
@@ -5908,7 +5897,7 @@
               <a:buFont typeface="+mj-lt"/>
               <a:buAutoNum type="arabicPeriod"/>
             </a:pPr>
-            <a:endParaRPr lang="en-US" b="1" dirty="0"/>
+            <a:endParaRPr lang="en-US" sz="3000" b="1" dirty="0"/>
           </a:p>
         </p:txBody>
       </p:sp>
@@ -5922,6 +5911,9 @@
   <p:clrMapOvr>
     <a:masterClrMapping/>
   </p:clrMapOvr>
+  <p:transition spd="slow">
+    <p:push dir="u"/>
+  </p:transition>
   <p:timing>
     <p:tnLst>
       <p:par>
@@ -6098,7 +6090,7 @@
         <p:spPr>
           <a:xfrm>
             <a:off x="1251751" y="1651247"/>
-            <a:ext cx="8087558" cy="1477328"/>
+            <a:ext cx="8087558" cy="3323987"/>
           </a:xfrm>
           <a:prstGeom prst="rect">
             <a:avLst/>
@@ -6111,502 +6103,502 @@
           </a:bodyPr>
           <a:lstStyle/>
           <a:p>
-            <a:pPr marL="285750" indent="-285750">
+            <a:pPr marL="285750" indent="-285750" algn="just">
               <a:buFont typeface="Arial" panose="020B0604020202020204" pitchFamily="34" charset="0"/>
               <a:buChar char="•"/>
             </a:pPr>
             <a:r>
-              <a:rPr lang="en-US" dirty="0" err="1"/>
+              <a:rPr lang="en-US" sz="3000" dirty="0" err="1"/>
               <a:t>Với</a:t>
             </a:r>
             <a:r>
-              <a:rPr lang="en-US" dirty="0"/>
-              <a:t> </a:t>
-            </a:r>
-            <a:r>
-              <a:rPr lang="en-US" dirty="0" err="1"/>
+              <a:rPr lang="en-US" sz="3000" dirty="0"/>
+              <a:t> </a:t>
+            </a:r>
+            <a:r>
+              <a:rPr lang="en-US" sz="3000" dirty="0" err="1"/>
               <a:t>sự</a:t>
             </a:r>
             <a:r>
-              <a:rPr lang="en-US" dirty="0"/>
-              <a:t> </a:t>
-            </a:r>
-            <a:r>
-              <a:rPr lang="en-US" dirty="0" err="1"/>
+              <a:rPr lang="en-US" sz="3000" dirty="0"/>
+              <a:t> </a:t>
+            </a:r>
+            <a:r>
+              <a:rPr lang="en-US" sz="3000" dirty="0" err="1"/>
               <a:t>phát</a:t>
             </a:r>
             <a:r>
-              <a:rPr lang="en-US" dirty="0"/>
-              <a:t> </a:t>
-            </a:r>
-            <a:r>
-              <a:rPr lang="en-US" dirty="0" err="1"/>
+              <a:rPr lang="en-US" sz="3000" dirty="0"/>
+              <a:t> </a:t>
+            </a:r>
+            <a:r>
+              <a:rPr lang="en-US" sz="3000" dirty="0" err="1"/>
               <a:t>triển</a:t>
             </a:r>
             <a:r>
-              <a:rPr lang="en-US" dirty="0"/>
-              <a:t> </a:t>
-            </a:r>
-            <a:r>
-              <a:rPr lang="en-US" dirty="0" err="1"/>
+              <a:rPr lang="en-US" sz="3000" dirty="0"/>
+              <a:t> </a:t>
+            </a:r>
+            <a:r>
+              <a:rPr lang="en-US" sz="3000" dirty="0" err="1"/>
               <a:t>của</a:t>
             </a:r>
             <a:r>
-              <a:rPr lang="en-US" dirty="0"/>
-              <a:t> </a:t>
-            </a:r>
-            <a:r>
-              <a:rPr lang="en-US" dirty="0" err="1"/>
+              <a:rPr lang="en-US" sz="3000" dirty="0"/>
+              <a:t> </a:t>
+            </a:r>
+            <a:r>
+              <a:rPr lang="en-US" sz="3000" dirty="0" err="1"/>
               <a:t>công</a:t>
             </a:r>
             <a:r>
-              <a:rPr lang="en-US" dirty="0"/>
-              <a:t> </a:t>
-            </a:r>
-            <a:r>
-              <a:rPr lang="en-US" dirty="0" err="1"/>
+              <a:rPr lang="en-US" sz="3000" dirty="0"/>
+              <a:t> </a:t>
+            </a:r>
+            <a:r>
+              <a:rPr lang="en-US" sz="3000" dirty="0" err="1"/>
               <a:t>nghệ</a:t>
             </a:r>
             <a:r>
-              <a:rPr lang="en-US" dirty="0"/>
-              <a:t> </a:t>
-            </a:r>
-            <a:r>
-              <a:rPr lang="en-US" dirty="0" err="1"/>
+              <a:rPr lang="en-US" sz="3000" dirty="0"/>
+              <a:t> </a:t>
+            </a:r>
+            <a:r>
+              <a:rPr lang="en-US" sz="3000" dirty="0" err="1"/>
               <a:t>hiên</a:t>
             </a:r>
             <a:r>
-              <a:rPr lang="en-US" dirty="0"/>
+              <a:rPr lang="en-US" sz="3000" dirty="0"/>
               <a:t> nay, </a:t>
             </a:r>
             <a:r>
-              <a:rPr lang="en-US" dirty="0" err="1"/>
+              <a:rPr lang="en-US" sz="3000" dirty="0" err="1"/>
               <a:t>nhu</a:t>
             </a:r>
             <a:r>
-              <a:rPr lang="en-US" dirty="0"/>
-              <a:t> </a:t>
-            </a:r>
-            <a:r>
-              <a:rPr lang="en-US" dirty="0" err="1"/>
+              <a:rPr lang="en-US" sz="3000" dirty="0"/>
+              <a:t> </a:t>
+            </a:r>
+            <a:r>
+              <a:rPr lang="en-US" sz="3000" dirty="0" err="1"/>
               <a:t>cầu</a:t>
             </a:r>
             <a:r>
-              <a:rPr lang="en-US" dirty="0"/>
-              <a:t> </a:t>
-            </a:r>
-            <a:r>
-              <a:rPr lang="en-US" dirty="0" err="1"/>
+              <a:rPr lang="en-US" sz="3000" dirty="0"/>
+              <a:t> </a:t>
+            </a:r>
+            <a:r>
+              <a:rPr lang="en-US" sz="3000" dirty="0" err="1"/>
               <a:t>đọc</a:t>
             </a:r>
             <a:r>
-              <a:rPr lang="en-US" dirty="0"/>
-              <a:t> </a:t>
-            </a:r>
-            <a:r>
-              <a:rPr lang="en-US" dirty="0" err="1"/>
+              <a:rPr lang="en-US" sz="3000" dirty="0"/>
+              <a:t> </a:t>
+            </a:r>
+            <a:r>
+              <a:rPr lang="en-US" sz="3000" dirty="0" err="1"/>
               <a:t>báo</a:t>
             </a:r>
             <a:r>
-              <a:rPr lang="en-US" dirty="0"/>
-              <a:t> </a:t>
-            </a:r>
-            <a:r>
-              <a:rPr lang="en-US" dirty="0" err="1"/>
+              <a:rPr lang="en-US" sz="3000" dirty="0"/>
+              <a:t> </a:t>
+            </a:r>
+            <a:r>
+              <a:rPr lang="en-US" sz="3000" dirty="0" err="1"/>
               <a:t>điện</a:t>
             </a:r>
             <a:r>
-              <a:rPr lang="en-US" dirty="0"/>
-              <a:t> </a:t>
-            </a:r>
-            <a:r>
-              <a:rPr lang="en-US" dirty="0" err="1"/>
+              <a:rPr lang="en-US" sz="3000" dirty="0"/>
+              <a:t> </a:t>
+            </a:r>
+            <a:r>
+              <a:rPr lang="en-US" sz="3000" dirty="0" err="1"/>
               <a:t>tử</a:t>
             </a:r>
             <a:r>
-              <a:rPr lang="en-US" dirty="0"/>
-              <a:t> </a:t>
-            </a:r>
-            <a:r>
-              <a:rPr lang="en-US" dirty="0" err="1"/>
+              <a:rPr lang="en-US" sz="3000" dirty="0"/>
+              <a:t> </a:t>
+            </a:r>
+            <a:r>
+              <a:rPr lang="en-US" sz="3000" dirty="0" err="1"/>
               <a:t>ngày</a:t>
             </a:r>
             <a:r>
-              <a:rPr lang="en-US" dirty="0"/>
-              <a:t> </a:t>
-            </a:r>
-            <a:r>
-              <a:rPr lang="en-US" dirty="0" err="1"/>
+              <a:rPr lang="en-US" sz="3000" dirty="0"/>
+              <a:t> </a:t>
+            </a:r>
+            <a:r>
+              <a:rPr lang="en-US" sz="3000" dirty="0" err="1"/>
               <a:t>càng</a:t>
             </a:r>
             <a:r>
-              <a:rPr lang="en-US" dirty="0"/>
-              <a:t> </a:t>
-            </a:r>
-            <a:r>
-              <a:rPr lang="en-US" dirty="0" err="1"/>
+              <a:rPr lang="en-US" sz="3000" dirty="0"/>
+              <a:t> </a:t>
+            </a:r>
+            <a:r>
+              <a:rPr lang="en-US" sz="3000" dirty="0" err="1"/>
               <a:t>tăng</a:t>
             </a:r>
             <a:r>
-              <a:rPr lang="en-US" dirty="0"/>
+              <a:rPr lang="en-US" sz="3000" dirty="0"/>
               <a:t>, </a:t>
             </a:r>
             <a:r>
-              <a:rPr lang="en-US" dirty="0" err="1"/>
+              <a:rPr lang="en-US" sz="3000" dirty="0" err="1"/>
               <a:t>thay</a:t>
             </a:r>
             <a:r>
-              <a:rPr lang="en-US" dirty="0"/>
-              <a:t> </a:t>
-            </a:r>
-            <a:r>
-              <a:rPr lang="en-US" dirty="0" err="1"/>
+              <a:rPr lang="en-US" sz="3000" dirty="0"/>
+              <a:t> </a:t>
+            </a:r>
+            <a:r>
+              <a:rPr lang="en-US" sz="3000" dirty="0" err="1"/>
               <a:t>thế</a:t>
             </a:r>
             <a:r>
-              <a:rPr lang="en-US" dirty="0"/>
-              <a:t> </a:t>
-            </a:r>
-            <a:r>
-              <a:rPr lang="en-US" dirty="0" err="1"/>
+              <a:rPr lang="en-US" sz="3000" dirty="0"/>
+              <a:t> </a:t>
+            </a:r>
+            <a:r>
+              <a:rPr lang="en-US" sz="3000" dirty="0" err="1"/>
               <a:t>cho</a:t>
             </a:r>
             <a:r>
-              <a:rPr lang="en-US" dirty="0"/>
-              <a:t> </a:t>
-            </a:r>
-            <a:r>
-              <a:rPr lang="en-US" dirty="0" err="1"/>
+              <a:rPr lang="en-US" sz="3000" dirty="0"/>
+              <a:t> </a:t>
+            </a:r>
+            <a:r>
+              <a:rPr lang="en-US" sz="3000" dirty="0" err="1"/>
               <a:t>báo</a:t>
             </a:r>
             <a:r>
-              <a:rPr lang="en-US" dirty="0"/>
-              <a:t> </a:t>
-            </a:r>
-            <a:r>
-              <a:rPr lang="en-US" dirty="0" err="1"/>
+              <a:rPr lang="en-US" sz="3000" dirty="0"/>
+              <a:t> </a:t>
+            </a:r>
+            <a:r>
+              <a:rPr lang="en-US" sz="3000" dirty="0" err="1"/>
               <a:t>giấy</a:t>
             </a:r>
             <a:r>
-              <a:rPr lang="en-US" dirty="0"/>
-              <a:t> </a:t>
-            </a:r>
-            <a:r>
-              <a:rPr lang="en-US" dirty="0" err="1"/>
+              <a:rPr lang="en-US" sz="3000" dirty="0"/>
+              <a:t> </a:t>
+            </a:r>
+            <a:r>
+              <a:rPr lang="en-US" sz="3000" dirty="0" err="1"/>
               <a:t>hiện</a:t>
             </a:r>
             <a:r>
-              <a:rPr lang="en-US" dirty="0"/>
+              <a:rPr lang="en-US" sz="3000" dirty="0"/>
               <a:t> nay. </a:t>
             </a:r>
             <a:r>
-              <a:rPr lang="en-US" dirty="0" err="1"/>
+              <a:rPr lang="en-US" sz="3000" dirty="0" err="1"/>
               <a:t>Nắm</a:t>
             </a:r>
             <a:r>
-              <a:rPr lang="en-US" dirty="0"/>
-              <a:t> </a:t>
-            </a:r>
-            <a:r>
-              <a:rPr lang="en-US" dirty="0" err="1"/>
+              <a:rPr lang="en-US" sz="3000" dirty="0"/>
+              <a:t> </a:t>
+            </a:r>
+            <a:r>
+              <a:rPr lang="en-US" sz="3000" dirty="0" err="1"/>
               <a:t>bắt</a:t>
             </a:r>
             <a:r>
-              <a:rPr lang="en-US" dirty="0"/>
-              <a:t> </a:t>
-            </a:r>
-            <a:r>
-              <a:rPr lang="en-US" dirty="0" err="1"/>
+              <a:rPr lang="en-US" sz="3000" dirty="0"/>
+              <a:t> </a:t>
+            </a:r>
+            <a:r>
+              <a:rPr lang="en-US" sz="3000" dirty="0" err="1"/>
               <a:t>được</a:t>
             </a:r>
             <a:r>
-              <a:rPr lang="en-US" dirty="0"/>
-              <a:t> </a:t>
-            </a:r>
-            <a:r>
-              <a:rPr lang="en-US" dirty="0" err="1"/>
+              <a:rPr lang="en-US" sz="3000" dirty="0"/>
+              <a:t> </a:t>
+            </a:r>
+            <a:r>
+              <a:rPr lang="en-US" sz="3000" dirty="0" err="1"/>
               <a:t>xu</a:t>
             </a:r>
             <a:r>
-              <a:rPr lang="en-US" dirty="0"/>
-              <a:t> </a:t>
-            </a:r>
-            <a:r>
-              <a:rPr lang="en-US" dirty="0" err="1"/>
+              <a:rPr lang="en-US" sz="3000" dirty="0"/>
+              <a:t> </a:t>
+            </a:r>
+            <a:r>
+              <a:rPr lang="en-US" sz="3000" dirty="0" err="1"/>
               <a:t>thế</a:t>
             </a:r>
             <a:r>
-              <a:rPr lang="en-US" dirty="0"/>
-              <a:t> </a:t>
-            </a:r>
-            <a:r>
-              <a:rPr lang="en-US" dirty="0" err="1"/>
+              <a:rPr lang="en-US" sz="3000" dirty="0"/>
+              <a:t> </a:t>
+            </a:r>
+            <a:r>
+              <a:rPr lang="en-US" sz="3000" dirty="0" err="1"/>
               <a:t>này</a:t>
             </a:r>
             <a:r>
-              <a:rPr lang="en-US" dirty="0"/>
-              <a:t> </a:t>
-            </a:r>
-            <a:r>
-              <a:rPr lang="en-US" dirty="0" err="1"/>
+              <a:rPr lang="en-US" sz="3000" dirty="0"/>
+              <a:t> </a:t>
+            </a:r>
+            <a:r>
+              <a:rPr lang="en-US" sz="3000" dirty="0" err="1"/>
               <a:t>nên</a:t>
             </a:r>
             <a:r>
-              <a:rPr lang="en-US" dirty="0"/>
-              <a:t> </a:t>
-            </a:r>
-            <a:r>
-              <a:rPr lang="en-US" dirty="0" err="1"/>
+              <a:rPr lang="en-US" sz="3000" dirty="0"/>
+              <a:t> </a:t>
+            </a:r>
+            <a:r>
+              <a:rPr lang="en-US" sz="3000" dirty="0" err="1"/>
               <a:t>ứng</a:t>
             </a:r>
             <a:r>
-              <a:rPr lang="en-US" dirty="0"/>
-              <a:t> </a:t>
-            </a:r>
-            <a:r>
-              <a:rPr lang="en-US" dirty="0" err="1"/>
+              <a:rPr lang="en-US" sz="3000" dirty="0"/>
+              <a:t> </a:t>
+            </a:r>
+            <a:r>
+              <a:rPr lang="en-US" sz="3000" dirty="0" err="1"/>
               <a:t>dụng</a:t>
             </a:r>
             <a:r>
-              <a:rPr lang="en-US" dirty="0"/>
-              <a:t> </a:t>
-            </a:r>
-            <a:r>
-              <a:rPr lang="en-US" dirty="0" err="1"/>
+              <a:rPr lang="en-US" sz="3000" dirty="0"/>
+              <a:t> </a:t>
+            </a:r>
+            <a:r>
+              <a:rPr lang="en-US" sz="3000" dirty="0" err="1"/>
               <a:t>đọc</a:t>
             </a:r>
             <a:r>
-              <a:rPr lang="en-US" dirty="0"/>
-              <a:t> </a:t>
-            </a:r>
-            <a:r>
-              <a:rPr lang="en-US" dirty="0" err="1"/>
+              <a:rPr lang="en-US" sz="3000" dirty="0"/>
+              <a:t> </a:t>
+            </a:r>
+            <a:r>
+              <a:rPr lang="en-US" sz="3000" dirty="0" err="1"/>
               <a:t>báo</a:t>
             </a:r>
             <a:r>
-              <a:rPr lang="en-US" dirty="0"/>
-              <a:t> </a:t>
-            </a:r>
-            <a:r>
-              <a:rPr lang="en-US" dirty="0" err="1"/>
+              <a:rPr lang="en-US" sz="3000" dirty="0"/>
+              <a:t> </a:t>
+            </a:r>
+            <a:r>
+              <a:rPr lang="en-US" sz="3000" dirty="0" err="1"/>
               <a:t>trên</a:t>
             </a:r>
             <a:r>
-              <a:rPr lang="en-US" dirty="0"/>
+              <a:rPr lang="en-US" sz="3000" dirty="0"/>
               <a:t> Android </a:t>
             </a:r>
             <a:r>
-              <a:rPr lang="en-US" dirty="0" err="1"/>
+              <a:rPr lang="en-US" sz="3000" dirty="0" err="1"/>
               <a:t>được</a:t>
             </a:r>
             <a:r>
-              <a:rPr lang="en-US" dirty="0"/>
-              <a:t> </a:t>
-            </a:r>
-            <a:r>
-              <a:rPr lang="en-US" dirty="0" err="1"/>
+              <a:rPr lang="en-US" sz="3000" dirty="0"/>
+              <a:t> </a:t>
+            </a:r>
+            <a:r>
+              <a:rPr lang="en-US" sz="3000" dirty="0" err="1"/>
               <a:t>ra</a:t>
             </a:r>
             <a:r>
-              <a:rPr lang="en-US" dirty="0"/>
-              <a:t> </a:t>
-            </a:r>
-            <a:r>
-              <a:rPr lang="en-US" dirty="0" err="1"/>
+              <a:rPr lang="en-US" sz="3000" dirty="0"/>
+              <a:t> </a:t>
+            </a:r>
+            <a:r>
+              <a:rPr lang="en-US" sz="3000" dirty="0" err="1"/>
               <a:t>đời</a:t>
             </a:r>
             <a:r>
-              <a:rPr lang="en-US" dirty="0"/>
+              <a:rPr lang="en-US" sz="3000" dirty="0"/>
               <a:t>.</a:t>
             </a:r>
           </a:p>
           <a:p>
-            <a:pPr marL="285750" indent="-285750">
+            <a:pPr marL="285750" indent="-285750" algn="just">
               <a:buFont typeface="Arial" panose="020B0604020202020204" pitchFamily="34" charset="0"/>
               <a:buChar char="•"/>
             </a:pPr>
             <a:r>
-              <a:rPr lang="en-US" dirty="0" err="1"/>
+              <a:rPr lang="en-US" sz="3000" dirty="0" err="1"/>
               <a:t>Ứng</a:t>
             </a:r>
             <a:r>
-              <a:rPr lang="en-US" dirty="0"/>
-              <a:t> </a:t>
-            </a:r>
-            <a:r>
-              <a:rPr lang="en-US" dirty="0" err="1"/>
+              <a:rPr lang="en-US" sz="3000" dirty="0"/>
+              <a:t> </a:t>
+            </a:r>
+            <a:r>
+              <a:rPr lang="en-US" sz="3000" dirty="0" err="1"/>
               <a:t>dụng</a:t>
             </a:r>
             <a:r>
-              <a:rPr lang="en-US" dirty="0"/>
-              <a:t> </a:t>
-            </a:r>
-            <a:r>
-              <a:rPr lang="en-US" dirty="0" err="1"/>
+              <a:rPr lang="en-US" sz="3000" dirty="0"/>
+              <a:t> </a:t>
+            </a:r>
+            <a:r>
+              <a:rPr lang="en-US" sz="3000" dirty="0" err="1"/>
               <a:t>BAOMOI</a:t>
             </a:r>
             <a:r>
-              <a:rPr lang="en-US" dirty="0"/>
-              <a:t> </a:t>
-            </a:r>
-            <a:r>
-              <a:rPr lang="en-US" dirty="0" err="1"/>
+              <a:rPr lang="en-US" sz="3000" dirty="0"/>
+              <a:t> </a:t>
+            </a:r>
+            <a:r>
+              <a:rPr lang="en-US" sz="3000" dirty="0" err="1"/>
               <a:t>có</a:t>
             </a:r>
             <a:r>
-              <a:rPr lang="en-US" dirty="0"/>
-              <a:t> </a:t>
-            </a:r>
-            <a:r>
-              <a:rPr lang="en-US" dirty="0" err="1"/>
+              <a:rPr lang="en-US" sz="3000" dirty="0"/>
+              <a:t> </a:t>
+            </a:r>
+            <a:r>
+              <a:rPr lang="en-US" sz="3000" dirty="0" err="1"/>
               <a:t>thiết</a:t>
             </a:r>
             <a:r>
-              <a:rPr lang="en-US" dirty="0"/>
-              <a:t> </a:t>
-            </a:r>
-            <a:r>
-              <a:rPr lang="en-US" dirty="0" err="1"/>
+              <a:rPr lang="en-US" sz="3000" dirty="0"/>
+              <a:t> </a:t>
+            </a:r>
+            <a:r>
+              <a:rPr lang="en-US" sz="3000" dirty="0" err="1"/>
               <a:t>kế</a:t>
             </a:r>
             <a:r>
-              <a:rPr lang="en-US" dirty="0"/>
-              <a:t> </a:t>
-            </a:r>
-            <a:r>
-              <a:rPr lang="en-US" dirty="0" err="1"/>
+              <a:rPr lang="en-US" sz="3000" dirty="0"/>
+              <a:t> </a:t>
+            </a:r>
+            <a:r>
+              <a:rPr lang="en-US" sz="3000" dirty="0" err="1"/>
               <a:t>đơn</a:t>
             </a:r>
             <a:r>
-              <a:rPr lang="en-US" dirty="0"/>
-              <a:t> </a:t>
-            </a:r>
-            <a:r>
-              <a:rPr lang="en-US" dirty="0" err="1"/>
+              <a:rPr lang="en-US" sz="3000" dirty="0"/>
+              <a:t> </a:t>
+            </a:r>
+            <a:r>
+              <a:rPr lang="en-US" sz="3000" dirty="0" err="1"/>
               <a:t>giản</a:t>
             </a:r>
             <a:r>
-              <a:rPr lang="en-US" dirty="0"/>
+              <a:rPr lang="en-US" sz="3000" dirty="0"/>
               <a:t>, </a:t>
             </a:r>
             <a:r>
-              <a:rPr lang="en-US" dirty="0" err="1"/>
+              <a:rPr lang="en-US" sz="3000" dirty="0" err="1"/>
               <a:t>tốc</a:t>
             </a:r>
             <a:r>
-              <a:rPr lang="en-US" dirty="0"/>
-              <a:t> </a:t>
-            </a:r>
-            <a:r>
-              <a:rPr lang="en-US" dirty="0" err="1"/>
+              <a:rPr lang="en-US" sz="3000" dirty="0"/>
+              <a:t> </a:t>
+            </a:r>
+            <a:r>
+              <a:rPr lang="en-US" sz="3000" dirty="0" err="1"/>
               <a:t>độ</a:t>
             </a:r>
             <a:r>
-              <a:rPr lang="en-US" dirty="0"/>
-              <a:t> </a:t>
-            </a:r>
-            <a:r>
-              <a:rPr lang="en-US" dirty="0" err="1"/>
+              <a:rPr lang="en-US" sz="3000" dirty="0"/>
+              <a:t> </a:t>
+            </a:r>
+            <a:r>
+              <a:rPr lang="en-US" sz="3000" dirty="0" err="1"/>
               <a:t>truy</a:t>
             </a:r>
             <a:r>
-              <a:rPr lang="en-US" dirty="0"/>
-              <a:t> </a:t>
-            </a:r>
-            <a:r>
-              <a:rPr lang="en-US" dirty="0" err="1"/>
+              <a:rPr lang="en-US" sz="3000" dirty="0"/>
+              <a:t> </a:t>
+            </a:r>
+            <a:r>
+              <a:rPr lang="en-US" sz="3000" dirty="0" err="1"/>
               <a:t>cập</a:t>
             </a:r>
             <a:r>
-              <a:rPr lang="en-US" dirty="0"/>
-              <a:t> </a:t>
-            </a:r>
-            <a:r>
-              <a:rPr lang="en-US" dirty="0" err="1"/>
+              <a:rPr lang="en-US" sz="3000" dirty="0"/>
+              <a:t> </a:t>
+            </a:r>
+            <a:r>
+              <a:rPr lang="en-US" sz="3000" dirty="0" err="1"/>
               <a:t>nhanh</a:t>
             </a:r>
             <a:r>
-              <a:rPr lang="en-US" dirty="0"/>
+              <a:rPr lang="en-US" sz="3000" dirty="0"/>
               <a:t>, </a:t>
             </a:r>
             <a:r>
-              <a:rPr lang="en-US" dirty="0" err="1"/>
+              <a:rPr lang="en-US" sz="3000" dirty="0" err="1"/>
               <a:t>hoạt</a:t>
             </a:r>
             <a:r>
-              <a:rPr lang="en-US" dirty="0"/>
-              <a:t> </a:t>
-            </a:r>
-            <a:r>
-              <a:rPr lang="en-US" dirty="0" err="1"/>
+              <a:rPr lang="en-US" sz="3000" dirty="0"/>
+              <a:t> </a:t>
+            </a:r>
+            <a:r>
+              <a:rPr lang="en-US" sz="3000" dirty="0" err="1"/>
               <a:t>động</a:t>
             </a:r>
             <a:r>
-              <a:rPr lang="en-US" dirty="0"/>
-              <a:t> </a:t>
-            </a:r>
-            <a:r>
-              <a:rPr lang="en-US" dirty="0" err="1"/>
+              <a:rPr lang="en-US" sz="3000" dirty="0"/>
+              <a:t> </a:t>
+            </a:r>
+            <a:r>
+              <a:rPr lang="en-US" sz="3000" dirty="0" err="1"/>
               <a:t>mượt</a:t>
             </a:r>
             <a:r>
-              <a:rPr lang="en-US" dirty="0"/>
+              <a:rPr lang="en-US" sz="3000" dirty="0"/>
               <a:t>, </a:t>
             </a:r>
             <a:r>
-              <a:rPr lang="en-US" dirty="0" err="1"/>
+              <a:rPr lang="en-US" sz="3000" dirty="0" err="1"/>
               <a:t>tiết</a:t>
             </a:r>
             <a:r>
-              <a:rPr lang="en-US" dirty="0"/>
-              <a:t> </a:t>
-            </a:r>
-            <a:r>
-              <a:rPr lang="en-US" dirty="0" err="1"/>
+              <a:rPr lang="en-US" sz="3000" dirty="0"/>
+              <a:t> </a:t>
+            </a:r>
+            <a:r>
+              <a:rPr lang="en-US" sz="3000" dirty="0" err="1"/>
               <a:t>kiệm</a:t>
             </a:r>
             <a:r>
-              <a:rPr lang="en-US" dirty="0"/>
-              <a:t> </a:t>
-            </a:r>
-            <a:r>
-              <a:rPr lang="en-US" dirty="0" err="1"/>
+              <a:rPr lang="en-US" sz="3000" dirty="0"/>
+              <a:t> </a:t>
+            </a:r>
+            <a:r>
+              <a:rPr lang="en-US" sz="3000" dirty="0" err="1"/>
               <a:t>thời</a:t>
             </a:r>
             <a:r>
-              <a:rPr lang="en-US" dirty="0"/>
-              <a:t> </a:t>
-            </a:r>
-            <a:r>
-              <a:rPr lang="en-US" dirty="0" err="1"/>
+              <a:rPr lang="en-US" sz="3000" dirty="0"/>
+              <a:t> </a:t>
+            </a:r>
+            <a:r>
+              <a:rPr lang="en-US" sz="3000" dirty="0" err="1"/>
               <a:t>gian</a:t>
             </a:r>
             <a:r>
-              <a:rPr lang="en-US" dirty="0"/>
-              <a:t> </a:t>
-            </a:r>
-            <a:r>
-              <a:rPr lang="en-US" dirty="0" err="1"/>
+              <a:rPr lang="en-US" sz="3000" dirty="0"/>
+              <a:t> </a:t>
+            </a:r>
+            <a:r>
+              <a:rPr lang="en-US" sz="3000" dirty="0" err="1"/>
               <a:t>cho</a:t>
             </a:r>
             <a:r>
-              <a:rPr lang="en-US" dirty="0"/>
-              <a:t> </a:t>
-            </a:r>
-            <a:r>
-              <a:rPr lang="en-US" dirty="0" err="1"/>
+              <a:rPr lang="en-US" sz="3000" dirty="0"/>
+              <a:t> </a:t>
+            </a:r>
+            <a:r>
+              <a:rPr lang="en-US" sz="3000" dirty="0" err="1"/>
               <a:t>độc</a:t>
             </a:r>
             <a:r>
-              <a:rPr lang="en-US" dirty="0"/>
-              <a:t> </a:t>
-            </a:r>
-            <a:r>
-              <a:rPr lang="en-US" dirty="0" err="1"/>
+              <a:rPr lang="en-US" sz="3000" dirty="0"/>
+              <a:t> </a:t>
+            </a:r>
+            <a:r>
+              <a:rPr lang="en-US" sz="3000" dirty="0" err="1"/>
               <a:t>giả</a:t>
             </a:r>
             <a:r>
-              <a:rPr lang="en-US" dirty="0"/>
+              <a:rPr lang="en-US" sz="3000" dirty="0"/>
               <a:t>.</a:t>
             </a:r>
           </a:p>
@@ -6622,6 +6614,9 @@
   <p:clrMapOvr>
     <a:masterClrMapping/>
   </p:clrMapOvr>
+  <p:transition spd="slow">
+    <p:push dir="u"/>
+  </p:transition>
   <p:timing>
     <p:tnLst>
       <p:par>
@@ -6789,30 +6784,6 @@
           </a:p>
         </p:txBody>
       </p:sp>
-      <p:pic>
-        <p:nvPicPr>
-          <p:cNvPr id="5" name="image4.png"/>
-          <p:cNvPicPr/>
-          <p:nvPr/>
-        </p:nvPicPr>
-        <p:blipFill>
-          <a:blip r:embed="rId3"/>
-          <a:srcRect/>
-          <a:stretch>
-            <a:fillRect/>
-          </a:stretch>
-        </p:blipFill>
-        <p:spPr>
-          <a:xfrm>
-            <a:off x="2342965" y="2235749"/>
-            <a:ext cx="6827668" cy="3774434"/>
-          </a:xfrm>
-          <a:prstGeom prst="rect">
-            <a:avLst/>
-          </a:prstGeom>
-          <a:ln/>
-        </p:spPr>
-      </p:pic>
       <p:sp>
         <p:nvSpPr>
           <p:cNvPr id="2" name="Rectangle 1"/>
@@ -6897,6 +6868,30 @@
           </a:p>
         </p:txBody>
       </p:sp>
+      <p:pic>
+        <p:nvPicPr>
+          <p:cNvPr id="3" name="Picture 2"/>
+          <p:cNvPicPr>
+            <a:picLocks noChangeAspect="1"/>
+          </p:cNvPicPr>
+          <p:nvPr/>
+        </p:nvPicPr>
+        <p:blipFill>
+          <a:blip r:embed="rId3"/>
+          <a:stretch>
+            <a:fillRect/>
+          </a:stretch>
+        </p:blipFill>
+        <p:spPr>
+          <a:xfrm>
+            <a:off x="2261396" y="2220692"/>
+            <a:ext cx="7898912" cy="4250894"/>
+          </a:xfrm>
+          <a:prstGeom prst="rect">
+            <a:avLst/>
+          </a:prstGeom>
+        </p:spPr>
+      </p:pic>
     </p:spTree>
     <p:extLst>
       <p:ext uri="{BB962C8B-B14F-4D97-AF65-F5344CB8AC3E}">
@@ -6907,6 +6902,9 @@
   <p:clrMapOvr>
     <a:masterClrMapping/>
   </p:clrMapOvr>
+  <p:transition spd="slow">
+    <p:push dir="u"/>
+  </p:transition>
   <p:timing>
     <p:tnLst>
       <p:par>
@@ -8496,6 +8494,9 @@
   <p:clrMapOvr>
     <a:masterClrMapping/>
   </p:clrMapOvr>
+  <p:transition spd="slow">
+    <p:push dir="u"/>
+  </p:transition>
   <p:timing>
     <p:tnLst>
       <p:par>
@@ -9745,6 +9746,9 @@
   <p:clrMapOvr>
     <a:masterClrMapping/>
   </p:clrMapOvr>
+  <p:transition spd="slow">
+    <p:push dir="u"/>
+  </p:transition>
   <p:timing>
     <p:tnLst>
       <p:par>
@@ -10978,6 +10982,9 @@
   <p:clrMapOvr>
     <a:masterClrMapping/>
   </p:clrMapOvr>
+  <p:transition spd="slow">
+    <p:push dir="u"/>
+  </p:transition>
   <p:timing>
     <p:tnLst>
       <p:par>
@@ -12455,6 +12462,9 @@
   <p:clrMapOvr>
     <a:masterClrMapping/>
   </p:clrMapOvr>
+  <p:transition spd="slow">
+    <p:push dir="u"/>
+  </p:transition>
   <p:timing>
     <p:tnLst>
       <p:par>
@@ -13562,6 +13572,9 @@
   <p:clrMapOvr>
     <a:masterClrMapping/>
   </p:clrMapOvr>
+  <p:transition spd="slow">
+    <p:push dir="u"/>
+  </p:transition>
   <p:timing>
     <p:tnLst>
       <p:par>
